--- a/Documents/Lumo_Stage - Nam.pptx
+++ b/Documents/Lumo_Stage - Nam.pptx
@@ -147,54 +147,6 @@
 <file path=ppt/changesInfos/changesInfo1.xml><?xml version="1.0" encoding="utf-8"?>
 <pc:chgInfo xmlns:a="http://schemas.openxmlformats.org/drawingml/2006/main" xmlns:r="http://schemas.openxmlformats.org/officeDocument/2006/relationships" xmlns:ac="http://schemas.microsoft.com/office/drawing/2013/main/command" xmlns:pc="http://schemas.microsoft.com/office/powerpoint/2013/main/command">
   <pc:docChgLst>
-    <pc:chgData name="남 상현" userId="03ad4a8e8f7310f3" providerId="LiveId" clId="{E5E02226-61E9-4327-B410-AA6266804F39}"/>
-    <pc:docChg chg="custSel modSld">
-      <pc:chgData name="남 상현" userId="03ad4a8e8f7310f3" providerId="LiveId" clId="{E5E02226-61E9-4327-B410-AA6266804F39}" dt="2022-05-28T14:13:04.728" v="9" actId="21"/>
-      <pc:docMkLst>
-        <pc:docMk/>
-      </pc:docMkLst>
-      <pc:sldChg chg="addSp delSp modSp mod">
-        <pc:chgData name="남 상현" userId="03ad4a8e8f7310f3" providerId="LiveId" clId="{E5E02226-61E9-4327-B410-AA6266804F39}" dt="2022-05-28T14:13:04.728" v="9" actId="21"/>
-        <pc:sldMkLst>
-          <pc:docMk/>
-          <pc:sldMk cId="2469684450" sldId="279"/>
-        </pc:sldMkLst>
-        <pc:grpChg chg="add del mod">
-          <ac:chgData name="남 상현" userId="03ad4a8e8f7310f3" providerId="LiveId" clId="{E5E02226-61E9-4327-B410-AA6266804F39}" dt="2022-05-28T14:12:36.744" v="6" actId="21"/>
-          <ac:grpSpMkLst>
-            <pc:docMk/>
-            <pc:sldMk cId="2469684450" sldId="279"/>
-            <ac:grpSpMk id="14" creationId="{7ADFCB14-70C7-1D27-A3A1-A3689B1552F8}"/>
-          </ac:grpSpMkLst>
-        </pc:grpChg>
-        <pc:picChg chg="add mod">
-          <ac:chgData name="남 상현" userId="03ad4a8e8f7310f3" providerId="LiveId" clId="{E5E02226-61E9-4327-B410-AA6266804F39}" dt="2022-05-28T14:12:35.252" v="4" actId="164"/>
-          <ac:picMkLst>
-            <pc:docMk/>
-            <pc:sldMk cId="2469684450" sldId="279"/>
-            <ac:picMk id="12" creationId="{B3EEC934-A36A-CE52-DEA2-382131B02AC9}"/>
-          </ac:picMkLst>
-        </pc:picChg>
-        <pc:picChg chg="add mod">
-          <ac:chgData name="남 상현" userId="03ad4a8e8f7310f3" providerId="LiveId" clId="{E5E02226-61E9-4327-B410-AA6266804F39}" dt="2022-05-28T14:12:35.252" v="4" actId="164"/>
-          <ac:picMkLst>
-            <pc:docMk/>
-            <pc:sldMk cId="2469684450" sldId="279"/>
-            <ac:picMk id="13" creationId="{7DEBBB40-3FBC-A400-0B13-5A3745B61FC4}"/>
-          </ac:picMkLst>
-        </pc:picChg>
-        <pc:picChg chg="add del mod">
-          <ac:chgData name="남 상현" userId="03ad4a8e8f7310f3" providerId="LiveId" clId="{E5E02226-61E9-4327-B410-AA6266804F39}" dt="2022-05-28T14:13:04.728" v="9" actId="21"/>
-          <ac:picMkLst>
-            <pc:docMk/>
-            <pc:sldMk cId="2469684450" sldId="279"/>
-            <ac:picMk id="1026" creationId="{0B8D2B3D-8151-6973-15B8-D29D8C482495}"/>
-          </ac:picMkLst>
-        </pc:picChg>
-      </pc:sldChg>
-    </pc:docChg>
-  </pc:docChgLst>
-  <pc:docChgLst>
     <pc:chgData name="남 상현" userId="03ad4a8e8f7310f3" providerId="LiveId" clId="{EB692BBA-6B68-40B2-99BB-79E38010F205}"/>
     <pc:docChg chg="undo redo custSel addSld delSld modSld sldOrd">
       <pc:chgData name="남 상현" userId="03ad4a8e8f7310f3" providerId="LiveId" clId="{EB692BBA-6B68-40B2-99BB-79E38010F205}" dt="2022-05-30T10:48:39.889" v="4636" actId="207"/>
@@ -11908,6 +11860,54 @@
             <ac:cxnSpMk id="356" creationId="{FEF89931-8CCE-9293-F417-5D3512EFADEA}"/>
           </ac:cxnSpMkLst>
         </pc:cxnChg>
+      </pc:sldChg>
+    </pc:docChg>
+  </pc:docChgLst>
+  <pc:docChgLst>
+    <pc:chgData name="남 상현" userId="03ad4a8e8f7310f3" providerId="LiveId" clId="{E5E02226-61E9-4327-B410-AA6266804F39}"/>
+    <pc:docChg chg="custSel modSld">
+      <pc:chgData name="남 상현" userId="03ad4a8e8f7310f3" providerId="LiveId" clId="{E5E02226-61E9-4327-B410-AA6266804F39}" dt="2022-05-28T14:13:04.728" v="9" actId="21"/>
+      <pc:docMkLst>
+        <pc:docMk/>
+      </pc:docMkLst>
+      <pc:sldChg chg="addSp delSp modSp mod">
+        <pc:chgData name="남 상현" userId="03ad4a8e8f7310f3" providerId="LiveId" clId="{E5E02226-61E9-4327-B410-AA6266804F39}" dt="2022-05-28T14:13:04.728" v="9" actId="21"/>
+        <pc:sldMkLst>
+          <pc:docMk/>
+          <pc:sldMk cId="2469684450" sldId="279"/>
+        </pc:sldMkLst>
+        <pc:grpChg chg="add del mod">
+          <ac:chgData name="남 상현" userId="03ad4a8e8f7310f3" providerId="LiveId" clId="{E5E02226-61E9-4327-B410-AA6266804F39}" dt="2022-05-28T14:12:36.744" v="6" actId="21"/>
+          <ac:grpSpMkLst>
+            <pc:docMk/>
+            <pc:sldMk cId="2469684450" sldId="279"/>
+            <ac:grpSpMk id="14" creationId="{7ADFCB14-70C7-1D27-A3A1-A3689B1552F8}"/>
+          </ac:grpSpMkLst>
+        </pc:grpChg>
+        <pc:picChg chg="add mod">
+          <ac:chgData name="남 상현" userId="03ad4a8e8f7310f3" providerId="LiveId" clId="{E5E02226-61E9-4327-B410-AA6266804F39}" dt="2022-05-28T14:12:35.252" v="4" actId="164"/>
+          <ac:picMkLst>
+            <pc:docMk/>
+            <pc:sldMk cId="2469684450" sldId="279"/>
+            <ac:picMk id="12" creationId="{B3EEC934-A36A-CE52-DEA2-382131B02AC9}"/>
+          </ac:picMkLst>
+        </pc:picChg>
+        <pc:picChg chg="add mod">
+          <ac:chgData name="남 상현" userId="03ad4a8e8f7310f3" providerId="LiveId" clId="{E5E02226-61E9-4327-B410-AA6266804F39}" dt="2022-05-28T14:12:35.252" v="4" actId="164"/>
+          <ac:picMkLst>
+            <pc:docMk/>
+            <pc:sldMk cId="2469684450" sldId="279"/>
+            <ac:picMk id="13" creationId="{7DEBBB40-3FBC-A400-0B13-5A3745B61FC4}"/>
+          </ac:picMkLst>
+        </pc:picChg>
+        <pc:picChg chg="add del mod">
+          <ac:chgData name="남 상현" userId="03ad4a8e8f7310f3" providerId="LiveId" clId="{E5E02226-61E9-4327-B410-AA6266804F39}" dt="2022-05-28T14:13:04.728" v="9" actId="21"/>
+          <ac:picMkLst>
+            <pc:docMk/>
+            <pc:sldMk cId="2469684450" sldId="279"/>
+            <ac:picMk id="1026" creationId="{0B8D2B3D-8151-6973-15B8-D29D8C482495}"/>
+          </ac:picMkLst>
+        </pc:picChg>
       </pc:sldChg>
     </pc:docChg>
   </pc:docChgLst>
@@ -16297,7 +16297,7 @@
                 <a:rPr lang="en-US" altLang="ko-KR" spc="-1" dirty="0">
                   <a:latin typeface="Arial"/>
                 </a:rPr>
-                <a:t>x :</a:t>
+                <a:t>x : 24m</a:t>
               </a:r>
             </a:p>
             <a:p>
@@ -16317,7 +16317,7 @@
                 <a:rPr lang="en-US" altLang="ko-KR" spc="-1" dirty="0">
                   <a:latin typeface="Arial"/>
                 </a:rPr>
-                <a:t>z :</a:t>
+                <a:t>z : 4m</a:t>
               </a:r>
             </a:p>
             <a:p>
@@ -16337,7 +16337,7 @@
                 <a:rPr lang="en-US" altLang="ko-KR" sz="1800" b="0" strike="noStrike" spc="-1" dirty="0">
                   <a:latin typeface="Arial"/>
                 </a:rPr>
-                <a:t>y :</a:t>
+                <a:t>y : 7m</a:t>
               </a:r>
               <a:endParaRPr lang="en-US" sz="1800" b="0" strike="noStrike" spc="-1" dirty="0">
                 <a:latin typeface="Arial"/>
@@ -27128,7 +27128,7 @@
                 <a:rPr lang="en-US" altLang="ko-KR" spc="-1" dirty="0">
                   <a:latin typeface="Arial"/>
                 </a:rPr>
-                <a:t>x :</a:t>
+                <a:t>x : 40m</a:t>
               </a:r>
             </a:p>
             <a:p>
@@ -27148,7 +27148,7 @@
                 <a:rPr lang="en-US" altLang="ko-KR" spc="-1" dirty="0">
                   <a:latin typeface="Arial"/>
                 </a:rPr>
-                <a:t>z :</a:t>
+                <a:t>z : 26m</a:t>
               </a:r>
             </a:p>
             <a:p>
@@ -27168,7 +27168,7 @@
                 <a:rPr lang="en-US" altLang="ko-KR" sz="1800" b="0" strike="noStrike" spc="-1" dirty="0">
                   <a:latin typeface="Arial"/>
                 </a:rPr>
-                <a:t>y :</a:t>
+                <a:t>y : 10m</a:t>
               </a:r>
               <a:endParaRPr lang="en-US" sz="1800" b="0" strike="noStrike" spc="-1" dirty="0">
                 <a:latin typeface="Arial"/>
@@ -32066,6 +32066,200 @@
                 </a:solidFill>
               </a:rPr>
               <a:t>.</a:t>
+            </a:r>
+            <a:endParaRPr lang="ko-KR" altLang="en-US" sz="1200" dirty="0">
+              <a:solidFill>
+                <a:schemeClr val="tx1">
+                  <a:lumMod val="50000"/>
+                  <a:lumOff val="50000"/>
+                </a:schemeClr>
+              </a:solidFill>
+            </a:endParaRPr>
+          </a:p>
+        </p:txBody>
+      </p:sp>
+      <p:cxnSp>
+        <p:nvCxnSpPr>
+          <p:cNvPr id="158" name="직선 연결선 157">
+            <a:extLst>
+              <a:ext uri="{FF2B5EF4-FFF2-40B4-BE49-F238E27FC236}">
+                <a16:creationId xmlns:a16="http://schemas.microsoft.com/office/drawing/2014/main" id="{3B300B0A-471B-80D6-B6F6-BA226E2F71B9}"/>
+              </a:ext>
+            </a:extLst>
+          </p:cNvPr>
+          <p:cNvCxnSpPr>
+            <a:cxnSpLocks/>
+          </p:cNvCxnSpPr>
+          <p:nvPr/>
+        </p:nvCxnSpPr>
+        <p:spPr>
+          <a:xfrm flipH="1">
+            <a:off x="11094693" y="714725"/>
+            <a:ext cx="689942" cy="0"/>
+          </a:xfrm>
+          <a:prstGeom prst="line">
+            <a:avLst/>
+          </a:prstGeom>
+          <a:ln>
+            <a:solidFill>
+              <a:schemeClr val="bg1">
+                <a:lumMod val="50000"/>
+              </a:schemeClr>
+            </a:solidFill>
+            <a:prstDash val="dash"/>
+          </a:ln>
+        </p:spPr>
+        <p:style>
+          <a:lnRef idx="1">
+            <a:schemeClr val="accent1"/>
+          </a:lnRef>
+          <a:fillRef idx="0">
+            <a:schemeClr val="accent1"/>
+          </a:fillRef>
+          <a:effectRef idx="0">
+            <a:schemeClr val="accent1"/>
+          </a:effectRef>
+          <a:fontRef idx="minor">
+            <a:schemeClr val="tx1"/>
+          </a:fontRef>
+        </p:style>
+      </p:cxnSp>
+      <p:sp>
+        <p:nvSpPr>
+          <p:cNvPr id="159" name="TextBox 158">
+            <a:extLst>
+              <a:ext uri="{FF2B5EF4-FFF2-40B4-BE49-F238E27FC236}">
+                <a16:creationId xmlns:a16="http://schemas.microsoft.com/office/drawing/2014/main" id="{209F4ED6-7704-5A22-BAEE-1C7B3B1C0F17}"/>
+              </a:ext>
+            </a:extLst>
+          </p:cNvPr>
+          <p:cNvSpPr txBox="1"/>
+          <p:nvPr/>
+        </p:nvSpPr>
+        <p:spPr>
+          <a:xfrm>
+            <a:off x="11749290" y="546588"/>
+            <a:ext cx="483526" cy="276999"/>
+          </a:xfrm>
+          <a:prstGeom prst="rect">
+            <a:avLst/>
+          </a:prstGeom>
+          <a:noFill/>
+        </p:spPr>
+        <p:txBody>
+          <a:bodyPr wrap="square" rtlCol="0">
+            <a:spAutoFit/>
+          </a:bodyPr>
+          <a:lstStyle/>
+          <a:p>
+            <a:pPr algn="ctr"/>
+            <a:r>
+              <a:rPr lang="en-US" altLang="ko-KR" sz="1200" dirty="0">
+                <a:solidFill>
+                  <a:schemeClr val="tx1">
+                    <a:lumMod val="50000"/>
+                    <a:lumOff val="50000"/>
+                  </a:schemeClr>
+                </a:solidFill>
+              </a:rPr>
+              <a:t>-6m</a:t>
+            </a:r>
+            <a:endParaRPr lang="ko-KR" altLang="en-US" sz="1200" dirty="0">
+              <a:solidFill>
+                <a:schemeClr val="tx1">
+                  <a:lumMod val="50000"/>
+                  <a:lumOff val="50000"/>
+                </a:schemeClr>
+              </a:solidFill>
+            </a:endParaRPr>
+          </a:p>
+        </p:txBody>
+      </p:sp>
+      <p:cxnSp>
+        <p:nvCxnSpPr>
+          <p:cNvPr id="160" name="직선 연결선 159">
+            <a:extLst>
+              <a:ext uri="{FF2B5EF4-FFF2-40B4-BE49-F238E27FC236}">
+                <a16:creationId xmlns:a16="http://schemas.microsoft.com/office/drawing/2014/main" id="{742464E8-DFE5-BDCE-F349-0A5983277AAB}"/>
+              </a:ext>
+            </a:extLst>
+          </p:cNvPr>
+          <p:cNvCxnSpPr>
+            <a:cxnSpLocks/>
+          </p:cNvCxnSpPr>
+          <p:nvPr/>
+        </p:nvCxnSpPr>
+        <p:spPr>
+          <a:xfrm flipH="1">
+            <a:off x="11072695" y="6241310"/>
+            <a:ext cx="689942" cy="0"/>
+          </a:xfrm>
+          <a:prstGeom prst="line">
+            <a:avLst/>
+          </a:prstGeom>
+          <a:ln>
+            <a:solidFill>
+              <a:schemeClr val="bg1">
+                <a:lumMod val="50000"/>
+              </a:schemeClr>
+            </a:solidFill>
+            <a:prstDash val="dash"/>
+          </a:ln>
+        </p:spPr>
+        <p:style>
+          <a:lnRef idx="1">
+            <a:schemeClr val="accent1"/>
+          </a:lnRef>
+          <a:fillRef idx="0">
+            <a:schemeClr val="accent1"/>
+          </a:fillRef>
+          <a:effectRef idx="0">
+            <a:schemeClr val="accent1"/>
+          </a:effectRef>
+          <a:fontRef idx="minor">
+            <a:schemeClr val="tx1"/>
+          </a:fontRef>
+        </p:style>
+      </p:cxnSp>
+      <p:sp>
+        <p:nvSpPr>
+          <p:cNvPr id="161" name="TextBox 160">
+            <a:extLst>
+              <a:ext uri="{FF2B5EF4-FFF2-40B4-BE49-F238E27FC236}">
+                <a16:creationId xmlns:a16="http://schemas.microsoft.com/office/drawing/2014/main" id="{DD0E4B26-7C10-EC68-FDD8-8A9617670DDE}"/>
+              </a:ext>
+            </a:extLst>
+          </p:cNvPr>
+          <p:cNvSpPr txBox="1"/>
+          <p:nvPr/>
+        </p:nvSpPr>
+        <p:spPr>
+          <a:xfrm>
+            <a:off x="11727292" y="6073173"/>
+            <a:ext cx="483526" cy="276999"/>
+          </a:xfrm>
+          <a:prstGeom prst="rect">
+            <a:avLst/>
+          </a:prstGeom>
+          <a:noFill/>
+        </p:spPr>
+        <p:txBody>
+          <a:bodyPr wrap="square" rtlCol="0">
+            <a:spAutoFit/>
+          </a:bodyPr>
+          <a:lstStyle/>
+          <a:p>
+            <a:pPr algn="ctr"/>
+            <a:r>
+              <a:rPr lang="en-US" altLang="ko-KR" sz="1200" dirty="0">
+                <a:solidFill>
+                  <a:schemeClr val="tx1">
+                    <a:lumMod val="50000"/>
+                    <a:lumOff val="50000"/>
+                  </a:schemeClr>
+                </a:solidFill>
+              </a:rPr>
+              <a:t>20m</a:t>
             </a:r>
             <a:endParaRPr lang="ko-KR" altLang="en-US" sz="1200" dirty="0">
               <a:solidFill>
@@ -36895,7 +37089,7 @@
                 <a:rPr lang="en-US" altLang="ko-KR" spc="-1" dirty="0">
                   <a:latin typeface="Arial"/>
                 </a:rPr>
-                <a:t>x :</a:t>
+                <a:t>x : 10m</a:t>
               </a:r>
             </a:p>
             <a:p>
@@ -36915,7 +37109,7 @@
                 <a:rPr lang="en-US" altLang="ko-KR" spc="-1" dirty="0">
                   <a:latin typeface="Arial"/>
                 </a:rPr>
-                <a:t>z :</a:t>
+                <a:t>z : 10m</a:t>
               </a:r>
             </a:p>
             <a:p>
@@ -36935,7 +37129,7 @@
                 <a:rPr lang="en-US" altLang="ko-KR" sz="1800" b="0" strike="noStrike" spc="-1" dirty="0">
                   <a:latin typeface="Arial"/>
                 </a:rPr>
-                <a:t>y :</a:t>
+                <a:t>y : 10m</a:t>
               </a:r>
               <a:endParaRPr lang="en-US" sz="1800" b="0" strike="noStrike" spc="-1" dirty="0">
                 <a:latin typeface="Arial"/>
@@ -39320,7 +39514,7 @@
                 <a:rPr lang="en-US" altLang="ko-KR" spc="-1" dirty="0">
                   <a:latin typeface="Arial"/>
                 </a:rPr>
-                <a:t>x :</a:t>
+                <a:t>x : 20m</a:t>
               </a:r>
             </a:p>
             <a:p>
@@ -39340,7 +39534,7 @@
                 <a:rPr lang="en-US" altLang="ko-KR" spc="-1" dirty="0">
                   <a:latin typeface="Arial"/>
                 </a:rPr>
-                <a:t>z :</a:t>
+                <a:t>z : 4m</a:t>
               </a:r>
             </a:p>
             <a:p>
@@ -39360,7 +39554,7 @@
                 <a:rPr lang="en-US" altLang="ko-KR" sz="1800" b="0" strike="noStrike" spc="-1" dirty="0">
                   <a:latin typeface="Arial"/>
                 </a:rPr>
-                <a:t>y :</a:t>
+                <a:t>y : 12m</a:t>
               </a:r>
               <a:endParaRPr lang="en-US" sz="1800" b="0" strike="noStrike" spc="-1" dirty="0">
                 <a:latin typeface="Arial"/>
@@ -43351,139 +43545,6 @@
           </p:style>
         </p:cxnSp>
       </p:grpSp>
-      <p:grpSp>
-        <p:nvGrpSpPr>
-          <p:cNvPr id="2" name="그룹 1">
-            <a:extLst>
-              <a:ext uri="{FF2B5EF4-FFF2-40B4-BE49-F238E27FC236}">
-                <a16:creationId xmlns:a16="http://schemas.microsoft.com/office/drawing/2014/main" id="{3F514F0B-709E-B431-1F94-694549EA89AC}"/>
-              </a:ext>
-            </a:extLst>
-          </p:cNvPr>
-          <p:cNvGrpSpPr/>
-          <p:nvPr/>
-        </p:nvGrpSpPr>
-        <p:grpSpPr>
-          <a:xfrm rot="5400000">
-            <a:off x="2877247" y="3759882"/>
-            <a:ext cx="1597998" cy="1265346"/>
-            <a:chOff x="4799133" y="1792600"/>
-            <a:chExt cx="1597998" cy="1265346"/>
-          </a:xfrm>
-        </p:grpSpPr>
-        <p:sp>
-          <p:nvSpPr>
-            <p:cNvPr id="100" name="직사각형 99">
-              <a:extLst>
-                <a:ext uri="{FF2B5EF4-FFF2-40B4-BE49-F238E27FC236}">
-                  <a16:creationId xmlns:a16="http://schemas.microsoft.com/office/drawing/2014/main" id="{C8533B87-ECDA-04D8-58EB-45C6DD92ADFB}"/>
-                </a:ext>
-              </a:extLst>
-            </p:cNvPr>
-            <p:cNvSpPr/>
-            <p:nvPr/>
-          </p:nvSpPr>
-          <p:spPr>
-            <a:xfrm rot="10800000">
-              <a:off x="4799133" y="1799777"/>
-              <a:ext cx="64651" cy="1258169"/>
-            </a:xfrm>
-            <a:prstGeom prst="rect">
-              <a:avLst/>
-            </a:prstGeom>
-            <a:solidFill>
-              <a:schemeClr val="accent1">
-                <a:lumMod val="60000"/>
-                <a:lumOff val="40000"/>
-                <a:alpha val="60000"/>
-              </a:schemeClr>
-            </a:solidFill>
-            <a:ln w="12700">
-              <a:solidFill>
-                <a:srgbClr val="000000"/>
-              </a:solidFill>
-            </a:ln>
-          </p:spPr>
-          <p:style>
-            <a:lnRef idx="2">
-              <a:schemeClr val="accent1">
-                <a:shade val="50000"/>
-              </a:schemeClr>
-            </a:lnRef>
-            <a:fillRef idx="1">
-              <a:schemeClr val="accent1"/>
-            </a:fillRef>
-            <a:effectRef idx="0">
-              <a:schemeClr val="accent1"/>
-            </a:effectRef>
-            <a:fontRef idx="minor"/>
-          </p:style>
-          <p:txBody>
-            <a:bodyPr rtlCol="0" anchor="ctr"/>
-            <a:lstStyle/>
-            <a:p>
-              <a:pPr algn="ctr"/>
-              <a:endParaRPr lang="ko-KR" altLang="en-US" sz="2400"/>
-            </a:p>
-          </p:txBody>
-        </p:sp>
-        <p:sp>
-          <p:nvSpPr>
-            <p:cNvPr id="104" name="직사각형 103">
-              <a:extLst>
-                <a:ext uri="{FF2B5EF4-FFF2-40B4-BE49-F238E27FC236}">
-                  <a16:creationId xmlns:a16="http://schemas.microsoft.com/office/drawing/2014/main" id="{9CB27ED9-4D9F-6A35-B759-863FF11B2ADD}"/>
-                </a:ext>
-              </a:extLst>
-            </p:cNvPr>
-            <p:cNvSpPr/>
-            <p:nvPr/>
-          </p:nvSpPr>
-          <p:spPr>
-            <a:xfrm rot="10800000">
-              <a:off x="6332480" y="1792600"/>
-              <a:ext cx="64651" cy="1258169"/>
-            </a:xfrm>
-            <a:prstGeom prst="rect">
-              <a:avLst/>
-            </a:prstGeom>
-            <a:solidFill>
-              <a:schemeClr val="accent1">
-                <a:lumMod val="60000"/>
-                <a:lumOff val="40000"/>
-                <a:alpha val="60000"/>
-              </a:schemeClr>
-            </a:solidFill>
-            <a:ln w="12700">
-              <a:solidFill>
-                <a:srgbClr val="000000"/>
-              </a:solidFill>
-            </a:ln>
-          </p:spPr>
-          <p:style>
-            <a:lnRef idx="2">
-              <a:schemeClr val="accent1">
-                <a:shade val="50000"/>
-              </a:schemeClr>
-            </a:lnRef>
-            <a:fillRef idx="1">
-              <a:schemeClr val="accent1"/>
-            </a:fillRef>
-            <a:effectRef idx="0">
-              <a:schemeClr val="accent1"/>
-            </a:effectRef>
-            <a:fontRef idx="minor"/>
-          </p:style>
-          <p:txBody>
-            <a:bodyPr rtlCol="0" anchor="ctr"/>
-            <a:lstStyle/>
-            <a:p>
-              <a:pPr algn="ctr"/>
-              <a:endParaRPr lang="ko-KR" altLang="en-US" sz="2400"/>
-            </a:p>
-          </p:txBody>
-        </p:sp>
-      </p:grpSp>
     </p:spTree>
     <p:extLst>
       <p:ext uri="{BB962C8B-B14F-4D97-AF65-F5344CB8AC3E}">

--- a/Documents/Lumo_Stage - Nam.pptx
+++ b/Documents/Lumo_Stage - Nam.pptx
@@ -13,12 +13,13 @@
     <p:sldId id="274" r:id="rId7"/>
     <p:sldId id="269" r:id="rId8"/>
     <p:sldId id="272" r:id="rId9"/>
-    <p:sldId id="277" r:id="rId10"/>
-    <p:sldId id="279" r:id="rId11"/>
-    <p:sldId id="278" r:id="rId12"/>
-    <p:sldId id="280" r:id="rId13"/>
-    <p:sldId id="282" r:id="rId14"/>
-    <p:sldId id="281" r:id="rId15"/>
+    <p:sldId id="283" r:id="rId10"/>
+    <p:sldId id="277" r:id="rId11"/>
+    <p:sldId id="279" r:id="rId12"/>
+    <p:sldId id="278" r:id="rId13"/>
+    <p:sldId id="280" r:id="rId14"/>
+    <p:sldId id="282" r:id="rId15"/>
+    <p:sldId id="281" r:id="rId16"/>
   </p:sldIdLst>
   <p:sldSz cx="12192000" cy="6858000"/>
   <p:notesSz cx="7559675" cy="10691813"/>
@@ -16863,6 +16864,91 @@
       </p:grpSpPr>
       <p:sp>
         <p:nvSpPr>
+          <p:cNvPr id="2" name="직사각형 1">
+            <a:extLst>
+              <a:ext uri="{FF2B5EF4-FFF2-40B4-BE49-F238E27FC236}">
+                <a16:creationId xmlns:a16="http://schemas.microsoft.com/office/drawing/2014/main" id="{938EECD2-A42F-C293-7BF9-13F755422684}"/>
+              </a:ext>
+            </a:extLst>
+          </p:cNvPr>
+          <p:cNvSpPr/>
+          <p:nvPr/>
+        </p:nvSpPr>
+        <p:spPr>
+          <a:xfrm>
+            <a:off x="0" y="0"/>
+            <a:ext cx="12192000" cy="6858000"/>
+          </a:xfrm>
+          <a:prstGeom prst="rect">
+            <a:avLst/>
+          </a:prstGeom>
+          <a:solidFill>
+            <a:schemeClr val="tx1">
+              <a:lumMod val="85000"/>
+              <a:lumOff val="15000"/>
+            </a:schemeClr>
+          </a:solidFill>
+          <a:ln w="12700">
+            <a:solidFill>
+              <a:schemeClr val="tx1"/>
+            </a:solidFill>
+          </a:ln>
+        </p:spPr>
+        <p:style>
+          <a:lnRef idx="2">
+            <a:schemeClr val="accent1">
+              <a:shade val="50000"/>
+            </a:schemeClr>
+          </a:lnRef>
+          <a:fillRef idx="1">
+            <a:schemeClr val="accent1"/>
+          </a:fillRef>
+          <a:effectRef idx="0">
+            <a:schemeClr val="accent1"/>
+          </a:effectRef>
+          <a:fontRef idx="minor"/>
+        </p:style>
+        <p:txBody>
+          <a:bodyPr rtlCol="0" anchor="ctr"/>
+          <a:lstStyle/>
+          <a:p>
+            <a:pPr algn="ctr"/>
+            <a:endParaRPr lang="ko-KR" altLang="en-US" sz="2400"/>
+          </a:p>
+        </p:txBody>
+      </p:sp>
+    </p:spTree>
+    <p:extLst>
+      <p:ext uri="{BB962C8B-B14F-4D97-AF65-F5344CB8AC3E}">
+        <p14:creationId xmlns:p14="http://schemas.microsoft.com/office/powerpoint/2010/main" val="3300705369"/>
+      </p:ext>
+    </p:extLst>
+  </p:cSld>
+  <p:clrMapOvr>
+    <a:masterClrMapping/>
+  </p:clrMapOvr>
+</p:sld>
+</file>
+
+<file path=ppt/slides/slide11.xml><?xml version="1.0" encoding="utf-8"?>
+<p:sld xmlns:a="http://schemas.openxmlformats.org/drawingml/2006/main" xmlns:r="http://schemas.openxmlformats.org/officeDocument/2006/relationships" xmlns:p="http://schemas.openxmlformats.org/presentationml/2006/main">
+  <p:cSld>
+    <p:spTree>
+      <p:nvGrpSpPr>
+        <p:cNvPr id="1" name=""/>
+        <p:cNvGrpSpPr/>
+        <p:nvPr/>
+      </p:nvGrpSpPr>
+      <p:grpSpPr>
+        <a:xfrm>
+          <a:off x="0" y="0"/>
+          <a:ext cx="0" cy="0"/>
+          <a:chOff x="0" y="0"/>
+          <a:chExt cx="0" cy="0"/>
+        </a:xfrm>
+      </p:grpSpPr>
+      <p:sp>
+        <p:nvSpPr>
           <p:cNvPr id="165" name="직사각형 23">
             <a:extLst>
               <a:ext uri="{FF2B5EF4-FFF2-40B4-BE49-F238E27FC236}">
@@ -23330,7 +23416,7 @@
 </p:sld>
 </file>
 
-<file path=ppt/slides/slide11.xml><?xml version="1.0" encoding="utf-8"?>
+<file path=ppt/slides/slide12.xml><?xml version="1.0" encoding="utf-8"?>
 <p:sld xmlns:a="http://schemas.openxmlformats.org/drawingml/2006/main" xmlns:r="http://schemas.openxmlformats.org/officeDocument/2006/relationships" xmlns:p="http://schemas.openxmlformats.org/presentationml/2006/main">
   <p:cSld>
     <p:spTree>
@@ -25158,7 +25244,7 @@
 </p:sld>
 </file>
 
-<file path=ppt/slides/slide12.xml><?xml version="1.0" encoding="utf-8"?>
+<file path=ppt/slides/slide13.xml><?xml version="1.0" encoding="utf-8"?>
 <p:sld xmlns:a="http://schemas.openxmlformats.org/drawingml/2006/main" xmlns:r="http://schemas.openxmlformats.org/officeDocument/2006/relationships" xmlns:p="http://schemas.openxmlformats.org/presentationml/2006/main">
   <p:cSld>
     <p:spTree>
@@ -25243,7 +25329,7 @@
 </p:sld>
 </file>
 
-<file path=ppt/slides/slide13.xml><?xml version="1.0" encoding="utf-8"?>
+<file path=ppt/slides/slide14.xml><?xml version="1.0" encoding="utf-8"?>
 <p:sld xmlns:a="http://schemas.openxmlformats.org/drawingml/2006/main" xmlns:r="http://schemas.openxmlformats.org/officeDocument/2006/relationships" xmlns:p="http://schemas.openxmlformats.org/presentationml/2006/main">
   <p:cSld>
     <p:spTree>
@@ -32285,7 +32371,7 @@
 </p:sld>
 </file>
 
-<file path=ppt/slides/slide14.xml><?xml version="1.0" encoding="utf-8"?>
+<file path=ppt/slides/slide15.xml><?xml version="1.0" encoding="utf-8"?>
 <p:sld xmlns:a="http://schemas.openxmlformats.org/drawingml/2006/main" xmlns:r="http://schemas.openxmlformats.org/officeDocument/2006/relationships" xmlns:p="http://schemas.openxmlformats.org/presentationml/2006/main">
   <p:cSld>
     <p:spTree>
@@ -45093,10 +45179,10 @@
       </p:grpSpPr>
       <p:sp>
         <p:nvSpPr>
-          <p:cNvPr id="2" name="직사각형 1">
+          <p:cNvPr id="25" name="직사각형 24">
             <a:extLst>
               <a:ext uri="{FF2B5EF4-FFF2-40B4-BE49-F238E27FC236}">
-                <a16:creationId xmlns:a16="http://schemas.microsoft.com/office/drawing/2014/main" id="{938EECD2-A42F-C293-7BF9-13F755422684}"/>
+                <a16:creationId xmlns:a16="http://schemas.microsoft.com/office/drawing/2014/main" id="{3D298CF8-D292-5C53-8302-75EFFDFFCE29}"/>
               </a:ext>
             </a:extLst>
           </p:cNvPr>
@@ -45105,8 +45191,113 @@
         </p:nvSpPr>
         <p:spPr>
           <a:xfrm>
-            <a:off x="0" y="0"/>
-            <a:ext cx="12192000" cy="6858000"/>
+            <a:off x="5625737" y="4189160"/>
+            <a:ext cx="2932815" cy="2452892"/>
+          </a:xfrm>
+          <a:prstGeom prst="rect">
+            <a:avLst/>
+          </a:prstGeom>
+          <a:solidFill>
+            <a:schemeClr val="bg1">
+              <a:lumMod val="95000"/>
+            </a:schemeClr>
+          </a:solidFill>
+          <a:ln w="12700">
+            <a:solidFill>
+              <a:schemeClr val="bg1">
+                <a:lumMod val="50000"/>
+              </a:schemeClr>
+            </a:solidFill>
+            <a:prstDash val="sysDash"/>
+          </a:ln>
+        </p:spPr>
+        <p:style>
+          <a:lnRef idx="2">
+            <a:schemeClr val="accent1">
+              <a:shade val="50000"/>
+            </a:schemeClr>
+          </a:lnRef>
+          <a:fillRef idx="1">
+            <a:schemeClr val="accent1"/>
+          </a:fillRef>
+          <a:effectRef idx="0">
+            <a:schemeClr val="accent1"/>
+          </a:effectRef>
+          <a:fontRef idx="minor">
+            <a:schemeClr val="lt1"/>
+          </a:fontRef>
+        </p:style>
+        <p:txBody>
+          <a:bodyPr rtlCol="0" anchor="ctr"/>
+          <a:lstStyle/>
+          <a:p>
+            <a:pPr algn="ctr"/>
+            <a:endParaRPr lang="ko-KR" altLang="en-US"/>
+          </a:p>
+        </p:txBody>
+      </p:sp>
+      <p:sp>
+        <p:nvSpPr>
+          <p:cNvPr id="63" name="직사각형 62">
+            <a:extLst>
+              <a:ext uri="{FF2B5EF4-FFF2-40B4-BE49-F238E27FC236}">
+                <a16:creationId xmlns:a16="http://schemas.microsoft.com/office/drawing/2014/main" id="{14E2DDC6-51F0-4295-9830-92A045397B94}"/>
+              </a:ext>
+            </a:extLst>
+          </p:cNvPr>
+          <p:cNvSpPr/>
+          <p:nvPr/>
+        </p:nvSpPr>
+        <p:spPr>
+          <a:xfrm>
+            <a:off x="6497050" y="1612972"/>
+            <a:ext cx="3010483" cy="1339646"/>
+          </a:xfrm>
+          <a:prstGeom prst="rect">
+            <a:avLst/>
+          </a:prstGeom>
+          <a:solidFill>
+            <a:srgbClr val="A9D18E"/>
+          </a:solidFill>
+          <a:ln w="12700">
+            <a:solidFill>
+              <a:srgbClr val="000000"/>
+            </a:solidFill>
+          </a:ln>
+        </p:spPr>
+        <p:style>
+          <a:lnRef idx="2">
+            <a:schemeClr val="accent1">
+              <a:shade val="50000"/>
+            </a:schemeClr>
+          </a:lnRef>
+          <a:fillRef idx="1">
+            <a:schemeClr val="accent1"/>
+          </a:fillRef>
+          <a:effectRef idx="0">
+            <a:schemeClr val="accent1"/>
+          </a:effectRef>
+          <a:fontRef idx="minor"/>
+        </p:style>
+        <p:txBody>
+          <a:bodyPr rtlCol="0" anchor="ctr"/>
+          <a:lstStyle/>
+          <a:p>
+            <a:pPr algn="ctr"/>
+            <a:endParaRPr lang="ko-KR" altLang="en-US" sz="3200"/>
+          </a:p>
+        </p:txBody>
+      </p:sp>
+      <p:sp>
+        <p:nvSpPr>
+          <p:cNvPr id="794" name="직사각형 29"/>
+          <p:cNvSpPr/>
+          <p:nvPr/>
+        </p:nvSpPr>
+        <p:spPr>
+          <a:xfrm>
+            <a:off x="0" y="-3619"/>
+            <a:ext cx="1504080" cy="416520"/>
           </a:xfrm>
           <a:prstGeom prst="rect">
             <a:avLst/>
@@ -45117,9 +45308,1679 @@
               <a:lumOff val="15000"/>
             </a:schemeClr>
           </a:solidFill>
+          <a:ln>
+            <a:noFill/>
+          </a:ln>
+        </p:spPr>
+        <p:style>
+          <a:lnRef idx="2">
+            <a:schemeClr val="accent1">
+              <a:shade val="50000"/>
+            </a:schemeClr>
+          </a:lnRef>
+          <a:fillRef idx="1">
+            <a:schemeClr val="accent1"/>
+          </a:fillRef>
+          <a:effectRef idx="0">
+            <a:schemeClr val="accent1"/>
+          </a:effectRef>
+          <a:fontRef idx="minor"/>
+        </p:style>
+        <p:txBody>
+          <a:bodyPr lIns="90000" tIns="45000" rIns="90000" bIns="45000" anchor="ctr">
+            <a:noAutofit/>
+          </a:bodyPr>
+          <a:lstStyle/>
+          <a:p>
+            <a:pPr algn="ctr">
+              <a:lnSpc>
+                <a:spcPct val="100000"/>
+              </a:lnSpc>
+              <a:buNone/>
+            </a:pPr>
+            <a:r>
+              <a:rPr lang="en-US" sz="1800" b="0" strike="noStrike" spc="-1" dirty="0">
+                <a:solidFill>
+                  <a:schemeClr val="bg1"/>
+                </a:solidFill>
+                <a:latin typeface="Arial"/>
+              </a:rPr>
+              <a:t>Lumo_S5</a:t>
+            </a:r>
+          </a:p>
+        </p:txBody>
+      </p:sp>
+      <p:sp>
+        <p:nvSpPr>
+          <p:cNvPr id="77" name="TextBox 76">
+            <a:extLst>
+              <a:ext uri="{FF2B5EF4-FFF2-40B4-BE49-F238E27FC236}">
+                <a16:creationId xmlns:a16="http://schemas.microsoft.com/office/drawing/2014/main" id="{2009FB5E-2A3D-18E3-B326-4E7BB20CF226}"/>
+              </a:ext>
+            </a:extLst>
+          </p:cNvPr>
+          <p:cNvSpPr txBox="1"/>
+          <p:nvPr/>
+        </p:nvSpPr>
+        <p:spPr>
+          <a:xfrm>
+            <a:off x="534298" y="5107901"/>
+            <a:ext cx="1447306" cy="253916"/>
+          </a:xfrm>
+          <a:prstGeom prst="rect">
+            <a:avLst/>
+          </a:prstGeom>
+          <a:noFill/>
+        </p:spPr>
+        <p:txBody>
+          <a:bodyPr wrap="square" rtlCol="0">
+            <a:spAutoFit/>
+          </a:bodyPr>
+          <a:lstStyle/>
+          <a:p>
+            <a:r>
+              <a:rPr lang="ko-KR" altLang="en-US" sz="1050" dirty="0">
+                <a:solidFill>
+                  <a:schemeClr val="tx1">
+                    <a:lumMod val="50000"/>
+                    <a:lumOff val="50000"/>
+                  </a:schemeClr>
+                </a:solidFill>
+              </a:rPr>
+              <a:t>도어  </a:t>
+            </a:r>
+            <a:r>
+              <a:rPr lang="en-US" altLang="ko-KR" sz="1050" dirty="0">
+                <a:solidFill>
+                  <a:schemeClr val="tx1">
+                    <a:lumMod val="50000"/>
+                    <a:lumOff val="50000"/>
+                  </a:schemeClr>
+                </a:solidFill>
+              </a:rPr>
+              <a:t>(</a:t>
+            </a:r>
+            <a:r>
+              <a:rPr lang="ko-KR" altLang="en-US" sz="1050" dirty="0">
+                <a:solidFill>
+                  <a:schemeClr val="tx1">
+                    <a:lumMod val="50000"/>
+                    <a:lumOff val="50000"/>
+                  </a:schemeClr>
+                </a:solidFill>
+              </a:rPr>
+              <a:t>출구</a:t>
+            </a:r>
+            <a:r>
+              <a:rPr lang="en-US" altLang="ko-KR" sz="1050" dirty="0">
+                <a:solidFill>
+                  <a:schemeClr val="tx1">
+                    <a:lumMod val="50000"/>
+                    <a:lumOff val="50000"/>
+                  </a:schemeClr>
+                </a:solidFill>
+              </a:rPr>
+              <a:t>)</a:t>
+            </a:r>
+            <a:endParaRPr lang="ko-KR" altLang="en-US" sz="1050" dirty="0">
+              <a:solidFill>
+                <a:schemeClr val="tx1">
+                  <a:lumMod val="50000"/>
+                  <a:lumOff val="50000"/>
+                </a:schemeClr>
+              </a:solidFill>
+            </a:endParaRPr>
+          </a:p>
+        </p:txBody>
+      </p:sp>
+      <p:grpSp>
+        <p:nvGrpSpPr>
+          <p:cNvPr id="78" name="그룹 77">
+            <a:extLst>
+              <a:ext uri="{FF2B5EF4-FFF2-40B4-BE49-F238E27FC236}">
+                <a16:creationId xmlns:a16="http://schemas.microsoft.com/office/drawing/2014/main" id="{4AA1833E-37DE-209D-BBF9-0466F7E6E009}"/>
+              </a:ext>
+            </a:extLst>
+          </p:cNvPr>
+          <p:cNvGrpSpPr/>
+          <p:nvPr/>
+        </p:nvGrpSpPr>
+        <p:grpSpPr>
+          <a:xfrm>
+            <a:off x="86616" y="4927075"/>
+            <a:ext cx="335093" cy="253916"/>
+            <a:chOff x="6312143" y="4301132"/>
+            <a:chExt cx="335093" cy="253916"/>
+          </a:xfrm>
+        </p:grpSpPr>
+        <p:sp>
+          <p:nvSpPr>
+            <p:cNvPr id="79" name="타원 366">
+              <a:extLst>
+                <a:ext uri="{FF2B5EF4-FFF2-40B4-BE49-F238E27FC236}">
+                  <a16:creationId xmlns:a16="http://schemas.microsoft.com/office/drawing/2014/main" id="{855EAF03-9FEF-5BB3-42DD-2B1C5B548D38}"/>
+                </a:ext>
+              </a:extLst>
+            </p:cNvPr>
+            <p:cNvSpPr/>
+            <p:nvPr/>
+          </p:nvSpPr>
+          <p:spPr>
+            <a:xfrm>
+              <a:off x="6368527" y="4327297"/>
+              <a:ext cx="224671" cy="224671"/>
+            </a:xfrm>
+            <a:prstGeom prst="ellipse">
+              <a:avLst/>
+            </a:prstGeom>
+            <a:solidFill>
+              <a:srgbClr val="C00000"/>
+            </a:solidFill>
+            <a:ln>
+              <a:solidFill>
+                <a:srgbClr val="000000"/>
+              </a:solidFill>
+            </a:ln>
+          </p:spPr>
+          <p:style>
+            <a:lnRef idx="2">
+              <a:schemeClr val="accent1">
+                <a:shade val="50000"/>
+              </a:schemeClr>
+            </a:lnRef>
+            <a:fillRef idx="1">
+              <a:schemeClr val="accent1"/>
+            </a:fillRef>
+            <a:effectRef idx="0">
+              <a:schemeClr val="accent1"/>
+            </a:effectRef>
+            <a:fontRef idx="minor"/>
+          </p:style>
+          <p:txBody>
+            <a:bodyPr lIns="90000" tIns="45000" rIns="90000" bIns="45000" anchor="ctr">
+              <a:noAutofit/>
+            </a:bodyPr>
+            <a:lstStyle/>
+            <a:p>
+              <a:pPr algn="ctr">
+                <a:lnSpc>
+                  <a:spcPct val="100000"/>
+                </a:lnSpc>
+                <a:buNone/>
+              </a:pPr>
+              <a:endParaRPr lang="en-US" sz="1200" b="0" strike="noStrike" spc="-1" dirty="0">
+                <a:latin typeface="Arial"/>
+              </a:endParaRPr>
+            </a:p>
+          </p:txBody>
+        </p:sp>
+        <p:sp>
+          <p:nvSpPr>
+            <p:cNvPr id="81" name="TextBox 80">
+              <a:extLst>
+                <a:ext uri="{FF2B5EF4-FFF2-40B4-BE49-F238E27FC236}">
+                  <a16:creationId xmlns:a16="http://schemas.microsoft.com/office/drawing/2014/main" id="{F90F6B71-7F86-8016-7D0B-7B6EECFD730A}"/>
+                </a:ext>
+              </a:extLst>
+            </p:cNvPr>
+            <p:cNvSpPr txBox="1"/>
+            <p:nvPr/>
+          </p:nvSpPr>
+          <p:spPr>
+            <a:xfrm>
+              <a:off x="6312143" y="4301132"/>
+              <a:ext cx="335093" cy="253916"/>
+            </a:xfrm>
+            <a:prstGeom prst="rect">
+              <a:avLst/>
+            </a:prstGeom>
+          </p:spPr>
+          <p:txBody>
+            <a:bodyPr wrap="none" rtlCol="0">
+              <a:spAutoFit/>
+            </a:bodyPr>
+            <a:lstStyle/>
+            <a:p>
+              <a:pPr algn="ctr"/>
+              <a:r>
+                <a:rPr lang="en-US" altLang="ko-KR" sz="1050" spc="-1" dirty="0">
+                  <a:solidFill>
+                    <a:srgbClr val="FFFFFF"/>
+                  </a:solidFill>
+                  <a:latin typeface="Arial"/>
+                </a:rPr>
+                <a:t>11</a:t>
+              </a:r>
+              <a:endParaRPr lang="ko-KR" altLang="en-US" sz="1050" spc="-1" dirty="0">
+                <a:solidFill>
+                  <a:srgbClr val="FFFFFF"/>
+                </a:solidFill>
+                <a:latin typeface="Arial"/>
+              </a:endParaRPr>
+            </a:p>
+          </p:txBody>
+        </p:sp>
+      </p:grpSp>
+      <p:sp>
+        <p:nvSpPr>
+          <p:cNvPr id="83" name="직사각형 82">
+            <a:extLst>
+              <a:ext uri="{FF2B5EF4-FFF2-40B4-BE49-F238E27FC236}">
+                <a16:creationId xmlns:a16="http://schemas.microsoft.com/office/drawing/2014/main" id="{7A6C5787-317D-498A-DD37-BE5A89EADE41}"/>
+              </a:ext>
+            </a:extLst>
+          </p:cNvPr>
+          <p:cNvSpPr/>
+          <p:nvPr/>
+        </p:nvSpPr>
+        <p:spPr>
+          <a:xfrm>
+            <a:off x="384328" y="5036903"/>
+            <a:ext cx="58400" cy="422122"/>
+          </a:xfrm>
+          <a:prstGeom prst="rect">
+            <a:avLst/>
+          </a:prstGeom>
+          <a:solidFill>
+            <a:srgbClr val="FF7C80"/>
+          </a:solidFill>
           <a:ln w="12700">
             <a:solidFill>
-              <a:schemeClr val="tx1"/>
+              <a:srgbClr val="000000"/>
+            </a:solidFill>
+          </a:ln>
+        </p:spPr>
+        <p:style>
+          <a:lnRef idx="2">
+            <a:schemeClr val="accent1">
+              <a:shade val="50000"/>
+            </a:schemeClr>
+          </a:lnRef>
+          <a:fillRef idx="1">
+            <a:schemeClr val="accent1"/>
+          </a:fillRef>
+          <a:effectRef idx="0">
+            <a:schemeClr val="accent1"/>
+          </a:effectRef>
+          <a:fontRef idx="minor"/>
+        </p:style>
+        <p:txBody>
+          <a:bodyPr rtlCol="0" anchor="ctr"/>
+          <a:lstStyle/>
+          <a:p>
+            <a:pPr algn="ctr"/>
+            <a:endParaRPr lang="ko-KR" altLang="en-US"/>
+          </a:p>
+        </p:txBody>
+      </p:sp>
+      <p:grpSp>
+        <p:nvGrpSpPr>
+          <p:cNvPr id="8" name="그룹 7">
+            <a:extLst>
+              <a:ext uri="{FF2B5EF4-FFF2-40B4-BE49-F238E27FC236}">
+                <a16:creationId xmlns:a16="http://schemas.microsoft.com/office/drawing/2014/main" id="{B5F85231-B4CE-F5B2-3148-9CA0EDC4521C}"/>
+              </a:ext>
+            </a:extLst>
+          </p:cNvPr>
+          <p:cNvGrpSpPr/>
+          <p:nvPr/>
+        </p:nvGrpSpPr>
+        <p:grpSpPr>
+          <a:xfrm>
+            <a:off x="53316" y="964437"/>
+            <a:ext cx="2079360" cy="3631469"/>
+            <a:chOff x="180149" y="1937759"/>
+            <a:chExt cx="2079360" cy="3631469"/>
+          </a:xfrm>
+        </p:grpSpPr>
+        <p:sp>
+          <p:nvSpPr>
+            <p:cNvPr id="774" name="직선 연결선 5"/>
+            <p:cNvSpPr/>
+            <p:nvPr/>
+          </p:nvSpPr>
+          <p:spPr>
+            <a:xfrm>
+              <a:off x="180149" y="2962619"/>
+              <a:ext cx="2079360" cy="0"/>
+            </a:xfrm>
+            <a:prstGeom prst="line">
+              <a:avLst/>
+            </a:prstGeom>
+            <a:ln w="12700">
+              <a:solidFill>
+                <a:srgbClr val="000000"/>
+              </a:solidFill>
+            </a:ln>
+          </p:spPr>
+          <p:style>
+            <a:lnRef idx="1">
+              <a:schemeClr val="accent1"/>
+            </a:lnRef>
+            <a:fillRef idx="0">
+              <a:schemeClr val="accent1"/>
+            </a:fillRef>
+            <a:effectRef idx="0">
+              <a:schemeClr val="accent1"/>
+            </a:effectRef>
+            <a:fontRef idx="minor"/>
+          </p:style>
+        </p:sp>
+        <p:sp>
+          <p:nvSpPr>
+            <p:cNvPr id="793" name="TextBox 8"/>
+            <p:cNvSpPr/>
+            <p:nvPr/>
+          </p:nvSpPr>
+          <p:spPr>
+            <a:xfrm>
+              <a:off x="213449" y="1937759"/>
+              <a:ext cx="2012760" cy="921876"/>
+            </a:xfrm>
+            <a:prstGeom prst="rect">
+              <a:avLst/>
+            </a:prstGeom>
+            <a:noFill/>
+            <a:ln w="0">
+              <a:noFill/>
+            </a:ln>
+          </p:spPr>
+          <p:style>
+            <a:lnRef idx="0">
+              <a:scrgbClr r="0" g="0" b="0"/>
+            </a:lnRef>
+            <a:fillRef idx="0">
+              <a:scrgbClr r="0" g="0" b="0"/>
+            </a:fillRef>
+            <a:effectRef idx="0">
+              <a:scrgbClr r="0" g="0" b="0"/>
+            </a:effectRef>
+            <a:fontRef idx="minor"/>
+          </p:style>
+          <p:txBody>
+            <a:bodyPr lIns="90000" tIns="45000" rIns="90000" bIns="45000" anchor="t">
+              <a:spAutoFit/>
+            </a:bodyPr>
+            <a:lstStyle/>
+            <a:p>
+              <a:pPr>
+                <a:lnSpc>
+                  <a:spcPct val="100000"/>
+                </a:lnSpc>
+                <a:buNone/>
+              </a:pPr>
+              <a:r>
+                <a:rPr lang="ko-KR" altLang="en-US" sz="1800" b="0" strike="noStrike" spc="-1" dirty="0">
+                  <a:latin typeface="Arial"/>
+                </a:rPr>
+                <a:t>가로 </a:t>
+              </a:r>
+              <a:r>
+                <a:rPr lang="en-US" altLang="ko-KR" spc="-1" dirty="0">
+                  <a:latin typeface="Arial"/>
+                </a:rPr>
+                <a:t>x : 20m</a:t>
+              </a:r>
+            </a:p>
+            <a:p>
+              <a:pPr>
+                <a:lnSpc>
+                  <a:spcPct val="100000"/>
+                </a:lnSpc>
+                <a:buNone/>
+              </a:pPr>
+              <a:r>
+                <a:rPr lang="ko-KR" altLang="en-US" spc="-1" dirty="0">
+                  <a:latin typeface="Arial"/>
+                </a:rPr>
+                <a:t>세로 </a:t>
+              </a:r>
+              <a:r>
+                <a:rPr lang="en-US" altLang="ko-KR" spc="-1" dirty="0">
+                  <a:latin typeface="Arial"/>
+                </a:rPr>
+                <a:t>z : 4m</a:t>
+              </a:r>
+            </a:p>
+            <a:p>
+              <a:pPr>
+                <a:lnSpc>
+                  <a:spcPct val="100000"/>
+                </a:lnSpc>
+                <a:buNone/>
+              </a:pPr>
+              <a:r>
+                <a:rPr lang="ko-KR" altLang="en-US" sz="1800" b="0" strike="noStrike" spc="-1" dirty="0">
+                  <a:latin typeface="Arial"/>
+                </a:rPr>
+                <a:t>높이 </a:t>
+              </a:r>
+              <a:r>
+                <a:rPr lang="en-US" altLang="ko-KR" sz="1800" b="0" strike="noStrike" spc="-1" dirty="0">
+                  <a:latin typeface="Arial"/>
+                </a:rPr>
+                <a:t>y : 12m</a:t>
+              </a:r>
+              <a:endParaRPr lang="en-US" sz="1800" b="0" strike="noStrike" spc="-1" dirty="0">
+                <a:latin typeface="Arial"/>
+              </a:endParaRPr>
+            </a:p>
+          </p:txBody>
+        </p:sp>
+        <p:grpSp>
+          <p:nvGrpSpPr>
+            <p:cNvPr id="7" name="그룹 6">
+              <a:extLst>
+                <a:ext uri="{FF2B5EF4-FFF2-40B4-BE49-F238E27FC236}">
+                  <a16:creationId xmlns:a16="http://schemas.microsoft.com/office/drawing/2014/main" id="{393D052B-B4D1-D09B-7B81-2B3FF53FC9F1}"/>
+                </a:ext>
+              </a:extLst>
+            </p:cNvPr>
+            <p:cNvGrpSpPr/>
+            <p:nvPr/>
+          </p:nvGrpSpPr>
+          <p:grpSpPr>
+            <a:xfrm>
+              <a:off x="234230" y="3056771"/>
+              <a:ext cx="1163138" cy="2512457"/>
+              <a:chOff x="1773158" y="2852817"/>
+              <a:chExt cx="1163138" cy="2512457"/>
+            </a:xfrm>
+          </p:grpSpPr>
+          <p:sp>
+            <p:nvSpPr>
+              <p:cNvPr id="775" name="직사각형 23"/>
+              <p:cNvSpPr/>
+              <p:nvPr/>
+            </p:nvSpPr>
+            <p:spPr>
+              <a:xfrm>
+                <a:off x="1773158" y="4224113"/>
+                <a:ext cx="459000" cy="459000"/>
+              </a:xfrm>
+              <a:prstGeom prst="rect">
+                <a:avLst/>
+              </a:prstGeom>
+              <a:solidFill>
+                <a:schemeClr val="accent6">
+                  <a:lumMod val="20000"/>
+                  <a:lumOff val="80000"/>
+                </a:schemeClr>
+              </a:solidFill>
+              <a:ln w="12700">
+                <a:solidFill>
+                  <a:srgbClr val="000000"/>
+                </a:solidFill>
+              </a:ln>
+            </p:spPr>
+            <p:style>
+              <a:lnRef idx="2">
+                <a:schemeClr val="accent1">
+                  <a:shade val="50000"/>
+                </a:schemeClr>
+              </a:lnRef>
+              <a:fillRef idx="1">
+                <a:schemeClr val="accent1"/>
+              </a:fillRef>
+              <a:effectRef idx="0">
+                <a:schemeClr val="accent1"/>
+              </a:effectRef>
+              <a:fontRef idx="minor"/>
+            </p:style>
+          </p:sp>
+          <p:sp>
+            <p:nvSpPr>
+              <p:cNvPr id="781" name="TextBox 6"/>
+              <p:cNvSpPr/>
+              <p:nvPr/>
+            </p:nvSpPr>
+            <p:spPr>
+              <a:xfrm>
+                <a:off x="2269598" y="4300451"/>
+                <a:ext cx="650880" cy="306323"/>
+              </a:xfrm>
+              <a:prstGeom prst="rect">
+                <a:avLst/>
+              </a:prstGeom>
+              <a:noFill/>
+              <a:ln w="0">
+                <a:noFill/>
+              </a:ln>
+            </p:spPr>
+            <p:style>
+              <a:lnRef idx="0">
+                <a:scrgbClr r="0" g="0" b="0"/>
+              </a:lnRef>
+              <a:fillRef idx="0">
+                <a:scrgbClr r="0" g="0" b="0"/>
+              </a:fillRef>
+              <a:effectRef idx="0">
+                <a:scrgbClr r="0" g="0" b="0"/>
+              </a:effectRef>
+              <a:fontRef idx="minor"/>
+            </p:style>
+            <p:txBody>
+              <a:bodyPr wrap="square" lIns="90000" tIns="45000" rIns="90000" bIns="45000" anchor="t">
+                <a:spAutoFit/>
+              </a:bodyPr>
+              <a:lstStyle/>
+              <a:p>
+                <a:pPr>
+                  <a:lnSpc>
+                    <a:spcPct val="100000"/>
+                  </a:lnSpc>
+                  <a:buNone/>
+                </a:pPr>
+                <a:r>
+                  <a:rPr lang="en-US" sz="1400" b="0" strike="noStrike" spc="-1" dirty="0">
+                    <a:solidFill>
+                      <a:srgbClr val="000000"/>
+                    </a:solidFill>
+                    <a:latin typeface="맑은 고딕"/>
+                    <a:ea typeface="DejaVu Sans"/>
+                  </a:rPr>
+                  <a:t>0m</a:t>
+                </a:r>
+                <a:endParaRPr lang="en-US" sz="1400" b="0" strike="noStrike" spc="-1" dirty="0">
+                  <a:latin typeface="Arial"/>
+                </a:endParaRPr>
+              </a:p>
+            </p:txBody>
+          </p:sp>
+          <p:sp>
+            <p:nvSpPr>
+              <p:cNvPr id="253" name="직사각형 23">
+                <a:extLst>
+                  <a:ext uri="{FF2B5EF4-FFF2-40B4-BE49-F238E27FC236}">
+                    <a16:creationId xmlns:a16="http://schemas.microsoft.com/office/drawing/2014/main" id="{EFDD8A67-4D2C-7960-16AD-179A2F9226EC}"/>
+                  </a:ext>
+                </a:extLst>
+              </p:cNvPr>
+              <p:cNvSpPr/>
+              <p:nvPr/>
+            </p:nvSpPr>
+            <p:spPr>
+              <a:xfrm>
+                <a:off x="1773158" y="3538465"/>
+                <a:ext cx="459000" cy="459000"/>
+              </a:xfrm>
+              <a:prstGeom prst="rect">
+                <a:avLst/>
+              </a:prstGeom>
+              <a:solidFill>
+                <a:schemeClr val="accent6">
+                  <a:lumMod val="60000"/>
+                  <a:lumOff val="40000"/>
+                </a:schemeClr>
+              </a:solidFill>
+              <a:ln w="12700">
+                <a:solidFill>
+                  <a:srgbClr val="000000"/>
+                </a:solidFill>
+              </a:ln>
+            </p:spPr>
+            <p:style>
+              <a:lnRef idx="2">
+                <a:schemeClr val="accent1">
+                  <a:shade val="50000"/>
+                </a:schemeClr>
+              </a:lnRef>
+              <a:fillRef idx="1">
+                <a:schemeClr val="accent1"/>
+              </a:fillRef>
+              <a:effectRef idx="0">
+                <a:schemeClr val="accent1"/>
+              </a:effectRef>
+              <a:fontRef idx="minor"/>
+            </p:style>
+          </p:sp>
+          <p:sp>
+            <p:nvSpPr>
+              <p:cNvPr id="260" name="TextBox 6">
+                <a:extLst>
+                  <a:ext uri="{FF2B5EF4-FFF2-40B4-BE49-F238E27FC236}">
+                    <a16:creationId xmlns:a16="http://schemas.microsoft.com/office/drawing/2014/main" id="{F00B3E43-0CEE-6A80-716B-2E1B31AB8242}"/>
+                  </a:ext>
+                </a:extLst>
+              </p:cNvPr>
+              <p:cNvSpPr/>
+              <p:nvPr/>
+            </p:nvSpPr>
+            <p:spPr>
+              <a:xfrm>
+                <a:off x="2269598" y="3614803"/>
+                <a:ext cx="650880" cy="306323"/>
+              </a:xfrm>
+              <a:prstGeom prst="rect">
+                <a:avLst/>
+              </a:prstGeom>
+              <a:noFill/>
+              <a:ln w="0">
+                <a:noFill/>
+              </a:ln>
+            </p:spPr>
+            <p:style>
+              <a:lnRef idx="0">
+                <a:scrgbClr r="0" g="0" b="0"/>
+              </a:lnRef>
+              <a:fillRef idx="0">
+                <a:scrgbClr r="0" g="0" b="0"/>
+              </a:fillRef>
+              <a:effectRef idx="0">
+                <a:scrgbClr r="0" g="0" b="0"/>
+              </a:effectRef>
+              <a:fontRef idx="minor"/>
+            </p:style>
+            <p:txBody>
+              <a:bodyPr lIns="90000" tIns="45000" rIns="90000" bIns="45000" anchor="t">
+                <a:spAutoFit/>
+              </a:bodyPr>
+              <a:lstStyle/>
+              <a:p>
+                <a:pPr>
+                  <a:lnSpc>
+                    <a:spcPct val="100000"/>
+                  </a:lnSpc>
+                  <a:buNone/>
+                </a:pPr>
+                <a:r>
+                  <a:rPr lang="en-US" sz="1400" b="0" strike="noStrike" spc="-1" dirty="0">
+                    <a:solidFill>
+                      <a:srgbClr val="000000"/>
+                    </a:solidFill>
+                    <a:latin typeface="맑은 고딕"/>
+                    <a:ea typeface="DejaVu Sans"/>
+                  </a:rPr>
+                  <a:t>2m</a:t>
+                </a:r>
+                <a:endParaRPr lang="en-US" sz="1400" b="0" strike="noStrike" spc="-1" dirty="0">
+                  <a:latin typeface="Arial"/>
+                </a:endParaRPr>
+              </a:p>
+            </p:txBody>
+          </p:sp>
+          <p:sp>
+            <p:nvSpPr>
+              <p:cNvPr id="262" name="직사각형 23">
+                <a:extLst>
+                  <a:ext uri="{FF2B5EF4-FFF2-40B4-BE49-F238E27FC236}">
+                    <a16:creationId xmlns:a16="http://schemas.microsoft.com/office/drawing/2014/main" id="{B33CD9B6-D9F2-F8DD-E340-615F2C3F1136}"/>
+                  </a:ext>
+                </a:extLst>
+              </p:cNvPr>
+              <p:cNvSpPr/>
+              <p:nvPr/>
+            </p:nvSpPr>
+            <p:spPr>
+              <a:xfrm>
+                <a:off x="1773158" y="2852817"/>
+                <a:ext cx="459000" cy="459000"/>
+              </a:xfrm>
+              <a:prstGeom prst="rect">
+                <a:avLst/>
+              </a:prstGeom>
+              <a:solidFill>
+                <a:schemeClr val="accent6"/>
+              </a:solidFill>
+              <a:ln w="12700">
+                <a:solidFill>
+                  <a:srgbClr val="000000"/>
+                </a:solidFill>
+              </a:ln>
+            </p:spPr>
+            <p:style>
+              <a:lnRef idx="2">
+                <a:schemeClr val="accent1">
+                  <a:shade val="50000"/>
+                </a:schemeClr>
+              </a:lnRef>
+              <a:fillRef idx="1">
+                <a:schemeClr val="accent1"/>
+              </a:fillRef>
+              <a:effectRef idx="0">
+                <a:schemeClr val="accent1"/>
+              </a:effectRef>
+              <a:fontRef idx="minor"/>
+            </p:style>
+          </p:sp>
+          <p:sp>
+            <p:nvSpPr>
+              <p:cNvPr id="263" name="TextBox 6">
+                <a:extLst>
+                  <a:ext uri="{FF2B5EF4-FFF2-40B4-BE49-F238E27FC236}">
+                    <a16:creationId xmlns:a16="http://schemas.microsoft.com/office/drawing/2014/main" id="{C030DDCC-3F05-9B7E-F2F3-9406FEA7B1E5}"/>
+                  </a:ext>
+                </a:extLst>
+              </p:cNvPr>
+              <p:cNvSpPr/>
+              <p:nvPr/>
+            </p:nvSpPr>
+            <p:spPr>
+              <a:xfrm>
+                <a:off x="2269598" y="2947856"/>
+                <a:ext cx="650880" cy="306323"/>
+              </a:xfrm>
+              <a:prstGeom prst="rect">
+                <a:avLst/>
+              </a:prstGeom>
+              <a:noFill/>
+              <a:ln w="0">
+                <a:noFill/>
+              </a:ln>
+            </p:spPr>
+            <p:style>
+              <a:lnRef idx="0">
+                <a:scrgbClr r="0" g="0" b="0"/>
+              </a:lnRef>
+              <a:fillRef idx="0">
+                <a:scrgbClr r="0" g="0" b="0"/>
+              </a:fillRef>
+              <a:effectRef idx="0">
+                <a:scrgbClr r="0" g="0" b="0"/>
+              </a:effectRef>
+              <a:fontRef idx="minor"/>
+            </p:style>
+            <p:txBody>
+              <a:bodyPr wrap="square" lIns="90000" tIns="45000" rIns="90000" bIns="45000" anchor="t">
+                <a:spAutoFit/>
+              </a:bodyPr>
+              <a:lstStyle/>
+              <a:p>
+                <a:pPr>
+                  <a:lnSpc>
+                    <a:spcPct val="100000"/>
+                  </a:lnSpc>
+                  <a:buNone/>
+                </a:pPr>
+                <a:r>
+                  <a:rPr lang="en-US" sz="1400" b="0" strike="noStrike" spc="-1" dirty="0">
+                    <a:solidFill>
+                      <a:srgbClr val="000000"/>
+                    </a:solidFill>
+                    <a:latin typeface="맑은 고딕"/>
+                    <a:ea typeface="DejaVu Sans"/>
+                  </a:rPr>
+                  <a:t>8m</a:t>
+                </a:r>
+                <a:endParaRPr lang="en-US" sz="1400" b="0" strike="noStrike" spc="-1" dirty="0">
+                  <a:latin typeface="Arial"/>
+                </a:endParaRPr>
+              </a:p>
+            </p:txBody>
+          </p:sp>
+          <p:grpSp>
+            <p:nvGrpSpPr>
+              <p:cNvPr id="10" name="그룹 9">
+                <a:extLst>
+                  <a:ext uri="{FF2B5EF4-FFF2-40B4-BE49-F238E27FC236}">
+                    <a16:creationId xmlns:a16="http://schemas.microsoft.com/office/drawing/2014/main" id="{51A41011-4941-37A3-F7A2-3BC1592EB68F}"/>
+                  </a:ext>
+                </a:extLst>
+              </p:cNvPr>
+              <p:cNvGrpSpPr/>
+              <p:nvPr/>
+            </p:nvGrpSpPr>
+            <p:grpSpPr>
+              <a:xfrm>
+                <a:off x="1776001" y="4906274"/>
+                <a:ext cx="1160295" cy="459000"/>
+                <a:chOff x="10677830" y="2920560"/>
+                <a:chExt cx="1160295" cy="459000"/>
+              </a:xfrm>
+            </p:grpSpPr>
+            <p:sp>
+              <p:nvSpPr>
+                <p:cNvPr id="194" name="직사각형 23">
+                  <a:extLst>
+                    <a:ext uri="{FF2B5EF4-FFF2-40B4-BE49-F238E27FC236}">
+                      <a16:creationId xmlns:a16="http://schemas.microsoft.com/office/drawing/2014/main" id="{12791DB0-F043-9A57-58B9-2F622DB6A31F}"/>
+                    </a:ext>
+                  </a:extLst>
+                </p:cNvPr>
+                <p:cNvSpPr/>
+                <p:nvPr/>
+              </p:nvSpPr>
+              <p:spPr>
+                <a:xfrm>
+                  <a:off x="10677830" y="2920560"/>
+                  <a:ext cx="459000" cy="459000"/>
+                </a:xfrm>
+                <a:prstGeom prst="rect">
+                  <a:avLst/>
+                </a:prstGeom>
+                <a:solidFill>
+                  <a:schemeClr val="bg1">
+                    <a:lumMod val="65000"/>
+                  </a:schemeClr>
+                </a:solidFill>
+                <a:ln w="12700">
+                  <a:solidFill>
+                    <a:srgbClr val="000000"/>
+                  </a:solidFill>
+                </a:ln>
+              </p:spPr>
+              <p:style>
+                <a:lnRef idx="2">
+                  <a:schemeClr val="accent1">
+                    <a:shade val="50000"/>
+                  </a:schemeClr>
+                </a:lnRef>
+                <a:fillRef idx="1">
+                  <a:schemeClr val="accent1"/>
+                </a:fillRef>
+                <a:effectRef idx="0">
+                  <a:schemeClr val="accent1"/>
+                </a:effectRef>
+                <a:fontRef idx="minor"/>
+              </p:style>
+            </p:sp>
+            <p:sp>
+              <p:nvSpPr>
+                <p:cNvPr id="195" name="TextBox 6">
+                  <a:extLst>
+                    <a:ext uri="{FF2B5EF4-FFF2-40B4-BE49-F238E27FC236}">
+                      <a16:creationId xmlns:a16="http://schemas.microsoft.com/office/drawing/2014/main" id="{22C523E6-AAFD-994D-6967-A62ED9C17CE4}"/>
+                    </a:ext>
+                  </a:extLst>
+                </p:cNvPr>
+                <p:cNvSpPr/>
+                <p:nvPr/>
+              </p:nvSpPr>
+              <p:spPr>
+                <a:xfrm>
+                  <a:off x="11187245" y="2992640"/>
+                  <a:ext cx="650880" cy="306323"/>
+                </a:xfrm>
+                <a:prstGeom prst="rect">
+                  <a:avLst/>
+                </a:prstGeom>
+                <a:noFill/>
+                <a:ln w="0">
+                  <a:noFill/>
+                </a:ln>
+              </p:spPr>
+              <p:style>
+                <a:lnRef idx="0">
+                  <a:scrgbClr r="0" g="0" b="0"/>
+                </a:lnRef>
+                <a:fillRef idx="0">
+                  <a:scrgbClr r="0" g="0" b="0"/>
+                </a:fillRef>
+                <a:effectRef idx="0">
+                  <a:scrgbClr r="0" g="0" b="0"/>
+                </a:effectRef>
+                <a:fontRef idx="minor"/>
+              </p:style>
+              <p:txBody>
+                <a:bodyPr lIns="90000" tIns="45000" rIns="90000" bIns="45000" anchor="t">
+                  <a:spAutoFit/>
+                </a:bodyPr>
+                <a:lstStyle/>
+                <a:p>
+                  <a:pPr>
+                    <a:lnSpc>
+                      <a:spcPct val="100000"/>
+                    </a:lnSpc>
+                    <a:buNone/>
+                  </a:pPr>
+                  <a:r>
+                    <a:rPr lang="ko-KR" altLang="en-US" sz="1400" spc="-1" dirty="0">
+                      <a:solidFill>
+                        <a:srgbClr val="000000"/>
+                      </a:solidFill>
+                      <a:latin typeface="맑은 고딕"/>
+                    </a:rPr>
+                    <a:t>벽</a:t>
+                  </a:r>
+                  <a:endParaRPr lang="en-US" sz="1400" b="0" strike="noStrike" spc="-1" dirty="0">
+                    <a:latin typeface="Arial"/>
+                  </a:endParaRPr>
+                </a:p>
+              </p:txBody>
+            </p:sp>
+          </p:grpSp>
+        </p:grpSp>
+      </p:grpSp>
+      <p:sp>
+        <p:nvSpPr>
+          <p:cNvPr id="105" name="직사각형 29">
+            <a:extLst>
+              <a:ext uri="{FF2B5EF4-FFF2-40B4-BE49-F238E27FC236}">
+                <a16:creationId xmlns:a16="http://schemas.microsoft.com/office/drawing/2014/main" id="{F2B397FB-8B5F-5212-0CAF-A05DD0CD146B}"/>
+              </a:ext>
+            </a:extLst>
+          </p:cNvPr>
+          <p:cNvSpPr/>
+          <p:nvPr/>
+        </p:nvSpPr>
+        <p:spPr>
+          <a:xfrm>
+            <a:off x="0" y="437780"/>
+            <a:ext cx="1504080" cy="416520"/>
+          </a:xfrm>
+          <a:prstGeom prst="rect">
+            <a:avLst/>
+          </a:prstGeom>
+          <a:solidFill>
+            <a:schemeClr val="bg1"/>
+          </a:solidFill>
+          <a:ln w="19050">
+            <a:solidFill>
+              <a:schemeClr val="tx1">
+                <a:lumMod val="85000"/>
+                <a:lumOff val="15000"/>
+              </a:schemeClr>
+            </a:solidFill>
+          </a:ln>
+        </p:spPr>
+        <p:style>
+          <a:lnRef idx="2">
+            <a:schemeClr val="accent1">
+              <a:shade val="50000"/>
+            </a:schemeClr>
+          </a:lnRef>
+          <a:fillRef idx="1">
+            <a:schemeClr val="accent1"/>
+          </a:fillRef>
+          <a:effectRef idx="0">
+            <a:schemeClr val="accent1"/>
+          </a:effectRef>
+          <a:fontRef idx="minor"/>
+        </p:style>
+        <p:txBody>
+          <a:bodyPr lIns="90000" tIns="45000" rIns="90000" bIns="45000" anchor="ctr">
+            <a:noAutofit/>
+          </a:bodyPr>
+          <a:lstStyle/>
+          <a:p>
+            <a:pPr algn="ctr">
+              <a:lnSpc>
+                <a:spcPct val="100000"/>
+              </a:lnSpc>
+              <a:buNone/>
+            </a:pPr>
+            <a:r>
+              <a:rPr lang="en-US" spc="-1" dirty="0">
+                <a:latin typeface="Arial"/>
+              </a:rPr>
+              <a:t>Stage </a:t>
+            </a:r>
+            <a:r>
+              <a:rPr lang="ko-KR" altLang="en-US" spc="-1" dirty="0">
+                <a:latin typeface="Arial"/>
+              </a:rPr>
+              <a:t>구성</a:t>
+            </a:r>
+            <a:endParaRPr lang="en-US" sz="1800" b="0" strike="noStrike" spc="-1" dirty="0">
+              <a:latin typeface="Arial"/>
+            </a:endParaRPr>
+          </a:p>
+        </p:txBody>
+      </p:sp>
+      <p:sp>
+        <p:nvSpPr>
+          <p:cNvPr id="106" name="직선 연결선 5">
+            <a:extLst>
+              <a:ext uri="{FF2B5EF4-FFF2-40B4-BE49-F238E27FC236}">
+                <a16:creationId xmlns:a16="http://schemas.microsoft.com/office/drawing/2014/main" id="{CFF2034F-057C-31D6-79FE-F80311634AB7}"/>
+              </a:ext>
+            </a:extLst>
+          </p:cNvPr>
+          <p:cNvSpPr/>
+          <p:nvPr/>
+        </p:nvSpPr>
+        <p:spPr>
+          <a:xfrm>
+            <a:off x="53316" y="4848083"/>
+            <a:ext cx="2079360" cy="0"/>
+          </a:xfrm>
+          <a:prstGeom prst="line">
+            <a:avLst/>
+          </a:prstGeom>
+          <a:ln w="12700">
+            <a:solidFill>
+              <a:srgbClr val="000000"/>
+            </a:solidFill>
+          </a:ln>
+        </p:spPr>
+        <p:style>
+          <a:lnRef idx="1">
+            <a:schemeClr val="accent1"/>
+          </a:lnRef>
+          <a:fillRef idx="0">
+            <a:schemeClr val="accent1"/>
+          </a:fillRef>
+          <a:effectRef idx="0">
+            <a:schemeClr val="accent1"/>
+          </a:effectRef>
+          <a:fontRef idx="minor"/>
+        </p:style>
+      </p:sp>
+      <p:sp>
+        <p:nvSpPr>
+          <p:cNvPr id="126" name="직사각형 125">
+            <a:extLst>
+              <a:ext uri="{FF2B5EF4-FFF2-40B4-BE49-F238E27FC236}">
+                <a16:creationId xmlns:a16="http://schemas.microsoft.com/office/drawing/2014/main" id="{7086DA38-0C58-A04D-F242-E4077AA62FE0}"/>
+              </a:ext>
+            </a:extLst>
+          </p:cNvPr>
+          <p:cNvSpPr/>
+          <p:nvPr/>
+        </p:nvSpPr>
+        <p:spPr>
+          <a:xfrm rot="10800000">
+            <a:off x="384328" y="5793770"/>
+            <a:ext cx="58400" cy="422122"/>
+          </a:xfrm>
+          <a:prstGeom prst="rect">
+            <a:avLst/>
+          </a:prstGeom>
+          <a:solidFill>
+            <a:schemeClr val="accent1">
+              <a:lumMod val="60000"/>
+              <a:lumOff val="40000"/>
+            </a:schemeClr>
+          </a:solidFill>
+          <a:ln w="12700">
+            <a:solidFill>
+              <a:srgbClr val="000000"/>
+            </a:solidFill>
+          </a:ln>
+        </p:spPr>
+        <p:style>
+          <a:lnRef idx="2">
+            <a:schemeClr val="accent1">
+              <a:shade val="50000"/>
+            </a:schemeClr>
+          </a:lnRef>
+          <a:fillRef idx="1">
+            <a:schemeClr val="accent1"/>
+          </a:fillRef>
+          <a:effectRef idx="0">
+            <a:schemeClr val="accent1"/>
+          </a:effectRef>
+          <a:fontRef idx="minor"/>
+        </p:style>
+        <p:txBody>
+          <a:bodyPr rtlCol="0" anchor="ctr"/>
+          <a:lstStyle/>
+          <a:p>
+            <a:pPr algn="ctr"/>
+            <a:endParaRPr lang="ko-KR" altLang="en-US"/>
+          </a:p>
+        </p:txBody>
+      </p:sp>
+      <p:sp>
+        <p:nvSpPr>
+          <p:cNvPr id="130" name="TextBox 129">
+            <a:extLst>
+              <a:ext uri="{FF2B5EF4-FFF2-40B4-BE49-F238E27FC236}">
+                <a16:creationId xmlns:a16="http://schemas.microsoft.com/office/drawing/2014/main" id="{ECE95C8C-38BD-EE15-F56C-BDE4D6403BCC}"/>
+              </a:ext>
+            </a:extLst>
+          </p:cNvPr>
+          <p:cNvSpPr txBox="1"/>
+          <p:nvPr/>
+        </p:nvSpPr>
+        <p:spPr>
+          <a:xfrm>
+            <a:off x="546882" y="5847638"/>
+            <a:ext cx="1447306" cy="253916"/>
+          </a:xfrm>
+          <a:prstGeom prst="rect">
+            <a:avLst/>
+          </a:prstGeom>
+          <a:noFill/>
+        </p:spPr>
+        <p:txBody>
+          <a:bodyPr wrap="square" rtlCol="0">
+            <a:spAutoFit/>
+          </a:bodyPr>
+          <a:lstStyle/>
+          <a:p>
+            <a:r>
+              <a:rPr lang="ko-KR" altLang="en-US" sz="1050" dirty="0">
+                <a:solidFill>
+                  <a:schemeClr val="tx1">
+                    <a:lumMod val="50000"/>
+                    <a:lumOff val="50000"/>
+                  </a:schemeClr>
+                </a:solidFill>
+              </a:rPr>
+              <a:t>유리</a:t>
+            </a:r>
+          </a:p>
+        </p:txBody>
+      </p:sp>
+      <p:grpSp>
+        <p:nvGrpSpPr>
+          <p:cNvPr id="134" name="그룹 133">
+            <a:extLst>
+              <a:ext uri="{FF2B5EF4-FFF2-40B4-BE49-F238E27FC236}">
+                <a16:creationId xmlns:a16="http://schemas.microsoft.com/office/drawing/2014/main" id="{75DE526F-E9C4-EBEC-0877-9F941C80E99A}"/>
+              </a:ext>
+            </a:extLst>
+          </p:cNvPr>
+          <p:cNvGrpSpPr/>
+          <p:nvPr/>
+        </p:nvGrpSpPr>
+        <p:grpSpPr>
+          <a:xfrm>
+            <a:off x="136807" y="5666812"/>
+            <a:ext cx="259878" cy="253916"/>
+            <a:chOff x="6349750" y="4301132"/>
+            <a:chExt cx="259878" cy="253916"/>
+          </a:xfrm>
+        </p:grpSpPr>
+        <p:sp>
+          <p:nvSpPr>
+            <p:cNvPr id="135" name="타원 366">
+              <a:extLst>
+                <a:ext uri="{FF2B5EF4-FFF2-40B4-BE49-F238E27FC236}">
+                  <a16:creationId xmlns:a16="http://schemas.microsoft.com/office/drawing/2014/main" id="{671B23AB-B900-15AA-2364-694C83068AFC}"/>
+                </a:ext>
+              </a:extLst>
+            </p:cNvPr>
+            <p:cNvSpPr/>
+            <p:nvPr/>
+          </p:nvSpPr>
+          <p:spPr>
+            <a:xfrm>
+              <a:off x="6368527" y="4327297"/>
+              <a:ext cx="224671" cy="224671"/>
+            </a:xfrm>
+            <a:prstGeom prst="ellipse">
+              <a:avLst/>
+            </a:prstGeom>
+            <a:solidFill>
+              <a:srgbClr val="C00000"/>
+            </a:solidFill>
+            <a:ln>
+              <a:solidFill>
+                <a:srgbClr val="000000"/>
+              </a:solidFill>
+            </a:ln>
+          </p:spPr>
+          <p:style>
+            <a:lnRef idx="2">
+              <a:schemeClr val="accent1">
+                <a:shade val="50000"/>
+              </a:schemeClr>
+            </a:lnRef>
+            <a:fillRef idx="1">
+              <a:schemeClr val="accent1"/>
+            </a:fillRef>
+            <a:effectRef idx="0">
+              <a:schemeClr val="accent1"/>
+            </a:effectRef>
+            <a:fontRef idx="minor"/>
+          </p:style>
+          <p:txBody>
+            <a:bodyPr lIns="90000" tIns="45000" rIns="90000" bIns="45000" anchor="ctr">
+              <a:noAutofit/>
+            </a:bodyPr>
+            <a:lstStyle/>
+            <a:p>
+              <a:pPr algn="ctr">
+                <a:lnSpc>
+                  <a:spcPct val="100000"/>
+                </a:lnSpc>
+                <a:buNone/>
+              </a:pPr>
+              <a:endParaRPr lang="en-US" sz="1200" b="0" strike="noStrike" spc="-1" dirty="0">
+                <a:latin typeface="Arial"/>
+              </a:endParaRPr>
+            </a:p>
+          </p:txBody>
+        </p:sp>
+        <p:sp>
+          <p:nvSpPr>
+            <p:cNvPr id="137" name="TextBox 136">
+              <a:extLst>
+                <a:ext uri="{FF2B5EF4-FFF2-40B4-BE49-F238E27FC236}">
+                  <a16:creationId xmlns:a16="http://schemas.microsoft.com/office/drawing/2014/main" id="{0FC5F699-30A2-6947-B05D-421C34AF4761}"/>
+                </a:ext>
+              </a:extLst>
+            </p:cNvPr>
+            <p:cNvSpPr txBox="1"/>
+            <p:nvPr/>
+          </p:nvSpPr>
+          <p:spPr>
+            <a:xfrm>
+              <a:off x="6349750" y="4301132"/>
+              <a:ext cx="259878" cy="253916"/>
+            </a:xfrm>
+            <a:prstGeom prst="rect">
+              <a:avLst/>
+            </a:prstGeom>
+          </p:spPr>
+          <p:txBody>
+            <a:bodyPr wrap="none" rtlCol="0">
+              <a:spAutoFit/>
+            </a:bodyPr>
+            <a:lstStyle/>
+            <a:p>
+              <a:pPr algn="ctr"/>
+              <a:r>
+                <a:rPr lang="en-US" altLang="ko-KR" sz="1050" spc="-1" dirty="0">
+                  <a:solidFill>
+                    <a:srgbClr val="FFFFFF"/>
+                  </a:solidFill>
+                  <a:latin typeface="Arial"/>
+                </a:rPr>
+                <a:t>8</a:t>
+              </a:r>
+              <a:endParaRPr lang="ko-KR" altLang="en-US" sz="1050" spc="-1" dirty="0">
+                <a:solidFill>
+                  <a:srgbClr val="FFFFFF"/>
+                </a:solidFill>
+                <a:latin typeface="Arial"/>
+              </a:endParaRPr>
+            </a:p>
+          </p:txBody>
+        </p:sp>
+      </p:grpSp>
+      <p:sp>
+        <p:nvSpPr>
+          <p:cNvPr id="108" name="TextBox 107">
+            <a:extLst>
+              <a:ext uri="{FF2B5EF4-FFF2-40B4-BE49-F238E27FC236}">
+                <a16:creationId xmlns:a16="http://schemas.microsoft.com/office/drawing/2014/main" id="{76B98835-76B4-9EB7-B8BA-3D9A25D25E9B}"/>
+              </a:ext>
+            </a:extLst>
+          </p:cNvPr>
+          <p:cNvSpPr txBox="1"/>
+          <p:nvPr/>
+        </p:nvSpPr>
+        <p:spPr>
+          <a:xfrm>
+            <a:off x="3152485" y="837368"/>
+            <a:ext cx="483525" cy="222892"/>
+          </a:xfrm>
+          <a:prstGeom prst="rect">
+            <a:avLst/>
+          </a:prstGeom>
+          <a:noFill/>
+        </p:spPr>
+        <p:txBody>
+          <a:bodyPr wrap="square" rtlCol="0">
+            <a:spAutoFit/>
+          </a:bodyPr>
+          <a:lstStyle/>
+          <a:p>
+            <a:pPr algn="ctr"/>
+            <a:r>
+              <a:rPr lang="en-US" altLang="ko-KR" sz="1200" dirty="0">
+                <a:solidFill>
+                  <a:schemeClr val="tx1">
+                    <a:lumMod val="50000"/>
+                    <a:lumOff val="50000"/>
+                  </a:schemeClr>
+                </a:solidFill>
+              </a:rPr>
+              <a:t>0m</a:t>
+            </a:r>
+            <a:endParaRPr lang="ko-KR" altLang="en-US" sz="1200" dirty="0">
+              <a:solidFill>
+                <a:schemeClr val="tx1">
+                  <a:lumMod val="50000"/>
+                  <a:lumOff val="50000"/>
+                </a:schemeClr>
+              </a:solidFill>
+            </a:endParaRPr>
+          </a:p>
+        </p:txBody>
+      </p:sp>
+      <p:sp>
+        <p:nvSpPr>
+          <p:cNvPr id="119" name="TextBox 118">
+            <a:extLst>
+              <a:ext uri="{FF2B5EF4-FFF2-40B4-BE49-F238E27FC236}">
+                <a16:creationId xmlns:a16="http://schemas.microsoft.com/office/drawing/2014/main" id="{F604FCA2-B5A5-9654-BCDA-FE914E93D5FF}"/>
+              </a:ext>
+            </a:extLst>
+          </p:cNvPr>
+          <p:cNvSpPr txBox="1"/>
+          <p:nvPr/>
+        </p:nvSpPr>
+        <p:spPr>
+          <a:xfrm>
+            <a:off x="2433434" y="1481375"/>
+            <a:ext cx="483525" cy="222892"/>
+          </a:xfrm>
+          <a:prstGeom prst="rect">
+            <a:avLst/>
+          </a:prstGeom>
+          <a:noFill/>
+        </p:spPr>
+        <p:txBody>
+          <a:bodyPr wrap="square" rtlCol="0">
+            <a:spAutoFit/>
+          </a:bodyPr>
+          <a:lstStyle/>
+          <a:p>
+            <a:pPr algn="ctr"/>
+            <a:r>
+              <a:rPr lang="en-US" altLang="ko-KR" sz="1200" dirty="0">
+                <a:solidFill>
+                  <a:schemeClr val="tx1">
+                    <a:lumMod val="50000"/>
+                    <a:lumOff val="50000"/>
+                  </a:schemeClr>
+                </a:solidFill>
+              </a:rPr>
+              <a:t>0m</a:t>
+            </a:r>
+            <a:endParaRPr lang="ko-KR" altLang="en-US" sz="1200" dirty="0">
+              <a:solidFill>
+                <a:schemeClr val="tx1">
+                  <a:lumMod val="50000"/>
+                  <a:lumOff val="50000"/>
+                </a:schemeClr>
+              </a:solidFill>
+            </a:endParaRPr>
+          </a:p>
+        </p:txBody>
+      </p:sp>
+      <p:sp>
+        <p:nvSpPr>
+          <p:cNvPr id="107" name="직사각형 23">
+            <a:extLst>
+              <a:ext uri="{FF2B5EF4-FFF2-40B4-BE49-F238E27FC236}">
+                <a16:creationId xmlns:a16="http://schemas.microsoft.com/office/drawing/2014/main" id="{26993462-457B-E468-2825-A1DC93CC6EDF}"/>
+              </a:ext>
+            </a:extLst>
+          </p:cNvPr>
+          <p:cNvSpPr/>
+          <p:nvPr/>
+        </p:nvSpPr>
+        <p:spPr>
+          <a:xfrm flipH="1">
+            <a:off x="3334471" y="1552424"/>
+            <a:ext cx="64651" cy="1400194"/>
+          </a:xfrm>
+          <a:prstGeom prst="rect">
+            <a:avLst/>
+          </a:prstGeom>
+          <a:solidFill>
+            <a:srgbClr val="A6A6A6"/>
+          </a:solidFill>
+          <a:ln w="12700">
+            <a:solidFill>
+              <a:srgbClr val="A6A6A6"/>
+            </a:solidFill>
+          </a:ln>
+        </p:spPr>
+        <p:style>
+          <a:lnRef idx="2">
+            <a:schemeClr val="accent1">
+              <a:shade val="50000"/>
+            </a:schemeClr>
+          </a:lnRef>
+          <a:fillRef idx="1">
+            <a:schemeClr val="accent1"/>
+          </a:fillRef>
+          <a:effectRef idx="0">
+            <a:schemeClr val="accent1"/>
+          </a:effectRef>
+          <a:fontRef idx="minor"/>
+        </p:style>
+      </p:sp>
+      <p:sp>
+        <p:nvSpPr>
+          <p:cNvPr id="109" name="직사각형 108">
+            <a:extLst>
+              <a:ext uri="{FF2B5EF4-FFF2-40B4-BE49-F238E27FC236}">
+                <a16:creationId xmlns:a16="http://schemas.microsoft.com/office/drawing/2014/main" id="{5967FB94-6153-D465-6603-345BE4310C74}"/>
+              </a:ext>
+            </a:extLst>
+          </p:cNvPr>
+          <p:cNvSpPr/>
+          <p:nvPr/>
+        </p:nvSpPr>
+        <p:spPr>
+          <a:xfrm>
+            <a:off x="3385867" y="1608620"/>
+            <a:ext cx="3378969" cy="1339646"/>
+          </a:xfrm>
+          <a:prstGeom prst="rect">
+            <a:avLst/>
+          </a:prstGeom>
+          <a:solidFill>
+            <a:srgbClr val="70AD47"/>
+          </a:solidFill>
+          <a:ln w="12700">
+            <a:solidFill>
+              <a:srgbClr val="000000"/>
+            </a:solidFill>
+          </a:ln>
+        </p:spPr>
+        <p:style>
+          <a:lnRef idx="2">
+            <a:schemeClr val="accent1">
+              <a:shade val="50000"/>
+            </a:schemeClr>
+          </a:lnRef>
+          <a:fillRef idx="1">
+            <a:schemeClr val="accent1"/>
+          </a:fillRef>
+          <a:effectRef idx="0">
+            <a:schemeClr val="accent1"/>
+          </a:effectRef>
+          <a:fontRef idx="minor"/>
+        </p:style>
+        <p:txBody>
+          <a:bodyPr rtlCol="0" anchor="ctr"/>
+          <a:lstStyle/>
+          <a:p>
+            <a:pPr algn="ctr"/>
+            <a:endParaRPr lang="ko-KR" altLang="en-US" sz="3200"/>
+          </a:p>
+        </p:txBody>
+      </p:sp>
+      <p:sp>
+        <p:nvSpPr>
+          <p:cNvPr id="122" name="직사각형 23">
+            <a:extLst>
+              <a:ext uri="{FF2B5EF4-FFF2-40B4-BE49-F238E27FC236}">
+                <a16:creationId xmlns:a16="http://schemas.microsoft.com/office/drawing/2014/main" id="{2CDF8A03-C4C6-4DE5-4C0B-F1EBA0999E6A}"/>
+              </a:ext>
+            </a:extLst>
+          </p:cNvPr>
+          <p:cNvSpPr/>
+          <p:nvPr/>
+        </p:nvSpPr>
+        <p:spPr>
+          <a:xfrm>
+            <a:off x="8550773" y="2547525"/>
+            <a:ext cx="981419" cy="397385"/>
+          </a:xfrm>
+          <a:prstGeom prst="rect">
+            <a:avLst/>
+          </a:prstGeom>
+          <a:solidFill>
+            <a:srgbClr val="A6A6A6"/>
+          </a:solidFill>
+          <a:ln w="12700">
+            <a:solidFill>
+              <a:srgbClr val="A6A6A6"/>
+            </a:solidFill>
+          </a:ln>
+        </p:spPr>
+        <p:style>
+          <a:lnRef idx="2">
+            <a:schemeClr val="accent1">
+              <a:shade val="50000"/>
+            </a:schemeClr>
+          </a:lnRef>
+          <a:fillRef idx="1">
+            <a:schemeClr val="accent1"/>
+          </a:fillRef>
+          <a:effectRef idx="0">
+            <a:schemeClr val="accent1"/>
+          </a:effectRef>
+          <a:fontRef idx="minor"/>
+        </p:style>
+      </p:sp>
+      <p:sp>
+        <p:nvSpPr>
+          <p:cNvPr id="123" name="직사각형 23">
+            <a:extLst>
+              <a:ext uri="{FF2B5EF4-FFF2-40B4-BE49-F238E27FC236}">
+                <a16:creationId xmlns:a16="http://schemas.microsoft.com/office/drawing/2014/main" id="{9A9E6625-E6B8-262A-D013-5A0FC2249724}"/>
+              </a:ext>
+            </a:extLst>
+          </p:cNvPr>
+          <p:cNvSpPr/>
+          <p:nvPr/>
+        </p:nvSpPr>
+        <p:spPr>
+          <a:xfrm>
+            <a:off x="8558559" y="1605820"/>
+            <a:ext cx="973633" cy="365903"/>
+          </a:xfrm>
+          <a:prstGeom prst="rect">
+            <a:avLst/>
+          </a:prstGeom>
+          <a:solidFill>
+            <a:srgbClr val="A6A6A6"/>
+          </a:solidFill>
+          <a:ln w="12700">
+            <a:solidFill>
+              <a:srgbClr val="A6A6A6"/>
+            </a:solidFill>
+          </a:ln>
+        </p:spPr>
+        <p:style>
+          <a:lnRef idx="2">
+            <a:schemeClr val="accent1">
+              <a:shade val="50000"/>
+            </a:schemeClr>
+          </a:lnRef>
+          <a:fillRef idx="1">
+            <a:schemeClr val="accent1"/>
+          </a:fillRef>
+          <a:effectRef idx="0">
+            <a:schemeClr val="accent1"/>
+          </a:effectRef>
+          <a:fontRef idx="minor"/>
+        </p:style>
+      </p:sp>
+      <p:sp>
+        <p:nvSpPr>
+          <p:cNvPr id="124" name="직사각형 23">
+            <a:extLst>
+              <a:ext uri="{FF2B5EF4-FFF2-40B4-BE49-F238E27FC236}">
+                <a16:creationId xmlns:a16="http://schemas.microsoft.com/office/drawing/2014/main" id="{66E4AA1E-1072-7247-A580-8975D39E12EF}"/>
+              </a:ext>
+            </a:extLst>
+          </p:cNvPr>
+          <p:cNvSpPr/>
+          <p:nvPr/>
+        </p:nvSpPr>
+        <p:spPr>
+          <a:xfrm>
+            <a:off x="3341991" y="2886949"/>
+            <a:ext cx="6190200" cy="65883"/>
+          </a:xfrm>
+          <a:prstGeom prst="rect">
+            <a:avLst/>
+          </a:prstGeom>
+          <a:solidFill>
+            <a:srgbClr val="A6A6A6"/>
+          </a:solidFill>
+          <a:ln w="12700">
+            <a:solidFill>
+              <a:srgbClr val="A6A6A6"/>
+            </a:solidFill>
+          </a:ln>
+        </p:spPr>
+        <p:style>
+          <a:lnRef idx="2">
+            <a:schemeClr val="accent1">
+              <a:shade val="50000"/>
+            </a:schemeClr>
+          </a:lnRef>
+          <a:fillRef idx="1">
+            <a:schemeClr val="accent1"/>
+          </a:fillRef>
+          <a:effectRef idx="0">
+            <a:schemeClr val="accent1"/>
+          </a:effectRef>
+          <a:fontRef idx="minor"/>
+        </p:style>
+      </p:sp>
+      <p:sp>
+        <p:nvSpPr>
+          <p:cNvPr id="125" name="직사각형 23">
+            <a:extLst>
+              <a:ext uri="{FF2B5EF4-FFF2-40B4-BE49-F238E27FC236}">
+                <a16:creationId xmlns:a16="http://schemas.microsoft.com/office/drawing/2014/main" id="{E406C325-0679-2FFD-F37C-2F14D184D1AB}"/>
+              </a:ext>
+            </a:extLst>
+          </p:cNvPr>
+          <p:cNvSpPr/>
+          <p:nvPr/>
+        </p:nvSpPr>
+        <p:spPr>
+          <a:xfrm>
+            <a:off x="3333708" y="1552424"/>
+            <a:ext cx="6198640" cy="65883"/>
+          </a:xfrm>
+          <a:prstGeom prst="rect">
+            <a:avLst/>
+          </a:prstGeom>
+          <a:solidFill>
+            <a:srgbClr val="A6A6A6"/>
+          </a:solidFill>
+          <a:ln w="12700">
+            <a:solidFill>
+              <a:srgbClr val="A6A6A6"/>
+            </a:solidFill>
+          </a:ln>
+        </p:spPr>
+        <p:style>
+          <a:lnRef idx="2">
+            <a:schemeClr val="accent1">
+              <a:shade val="50000"/>
+            </a:schemeClr>
+          </a:lnRef>
+          <a:fillRef idx="1">
+            <a:schemeClr val="accent1"/>
+          </a:fillRef>
+          <a:effectRef idx="0">
+            <a:schemeClr val="accent1"/>
+          </a:effectRef>
+          <a:fontRef idx="minor"/>
+        </p:style>
+      </p:sp>
+      <p:sp>
+        <p:nvSpPr>
+          <p:cNvPr id="138" name="직사각형 137">
+            <a:extLst>
+              <a:ext uri="{FF2B5EF4-FFF2-40B4-BE49-F238E27FC236}">
+                <a16:creationId xmlns:a16="http://schemas.microsoft.com/office/drawing/2014/main" id="{D48F68C7-56E2-B876-6527-5F1898C72BAF}"/>
+              </a:ext>
+            </a:extLst>
+          </p:cNvPr>
+          <p:cNvSpPr/>
+          <p:nvPr/>
+        </p:nvSpPr>
+        <p:spPr>
+          <a:xfrm>
+            <a:off x="9470614" y="1965930"/>
+            <a:ext cx="76981" cy="569909"/>
+          </a:xfrm>
+          <a:prstGeom prst="rect">
+            <a:avLst/>
+          </a:prstGeom>
+          <a:solidFill>
+            <a:srgbClr val="FF7C80"/>
+          </a:solidFill>
+          <a:ln w="12700">
+            <a:solidFill>
+              <a:srgbClr val="000000"/>
             </a:solidFill>
           </a:ln>
         </p:spPr>
@@ -45146,10 +47007,3024 @@
           </a:p>
         </p:txBody>
       </p:sp>
+      <p:cxnSp>
+        <p:nvCxnSpPr>
+          <p:cNvPr id="139" name="직선 화살표 연결선 138">
+            <a:extLst>
+              <a:ext uri="{FF2B5EF4-FFF2-40B4-BE49-F238E27FC236}">
+                <a16:creationId xmlns:a16="http://schemas.microsoft.com/office/drawing/2014/main" id="{B2AA6746-7157-E28F-4C3D-2EB9431BF246}"/>
+              </a:ext>
+            </a:extLst>
+          </p:cNvPr>
+          <p:cNvCxnSpPr>
+            <a:cxnSpLocks/>
+          </p:cNvCxnSpPr>
+          <p:nvPr/>
+        </p:nvCxnSpPr>
+        <p:spPr>
+          <a:xfrm flipV="1">
+            <a:off x="9040747" y="2247031"/>
+            <a:ext cx="378818" cy="10988"/>
+          </a:xfrm>
+          <a:prstGeom prst="straightConnector1">
+            <a:avLst/>
+          </a:prstGeom>
+          <a:ln w="28575">
+            <a:solidFill>
+              <a:srgbClr val="FF7C80"/>
+            </a:solidFill>
+            <a:headEnd type="none" w="med" len="med"/>
+            <a:tailEnd type="arrow" w="med" len="med"/>
+          </a:ln>
+        </p:spPr>
+        <p:style>
+          <a:lnRef idx="1">
+            <a:schemeClr val="accent1"/>
+          </a:lnRef>
+          <a:fillRef idx="0">
+            <a:schemeClr val="accent1"/>
+          </a:fillRef>
+          <a:effectRef idx="0">
+            <a:schemeClr val="accent1"/>
+          </a:effectRef>
+          <a:fontRef idx="minor">
+            <a:schemeClr val="tx1"/>
+          </a:fontRef>
+        </p:style>
+      </p:cxnSp>
+      <p:cxnSp>
+        <p:nvCxnSpPr>
+          <p:cNvPr id="140" name="직선 연결선 139">
+            <a:extLst>
+              <a:ext uri="{FF2B5EF4-FFF2-40B4-BE49-F238E27FC236}">
+                <a16:creationId xmlns:a16="http://schemas.microsoft.com/office/drawing/2014/main" id="{FDD60C4E-E0E8-E7F8-61E5-9A91AF52739D}"/>
+              </a:ext>
+            </a:extLst>
+          </p:cNvPr>
+          <p:cNvCxnSpPr>
+            <a:cxnSpLocks/>
+          </p:cNvCxnSpPr>
+          <p:nvPr/>
+        </p:nvCxnSpPr>
+        <p:spPr>
+          <a:xfrm flipH="1" flipV="1">
+            <a:off x="3385867" y="1172817"/>
+            <a:ext cx="4952" cy="440155"/>
+          </a:xfrm>
+          <a:prstGeom prst="line">
+            <a:avLst/>
+          </a:prstGeom>
+          <a:ln>
+            <a:solidFill>
+              <a:schemeClr val="bg1">
+                <a:lumMod val="50000"/>
+              </a:schemeClr>
+            </a:solidFill>
+            <a:prstDash val="dash"/>
+          </a:ln>
+        </p:spPr>
+        <p:style>
+          <a:lnRef idx="1">
+            <a:schemeClr val="accent1"/>
+          </a:lnRef>
+          <a:fillRef idx="0">
+            <a:schemeClr val="accent1"/>
+          </a:fillRef>
+          <a:effectRef idx="0">
+            <a:schemeClr val="accent1"/>
+          </a:effectRef>
+          <a:fontRef idx="minor">
+            <a:schemeClr val="tx1"/>
+          </a:fontRef>
+        </p:style>
+      </p:cxnSp>
+      <p:cxnSp>
+        <p:nvCxnSpPr>
+          <p:cNvPr id="141" name="직선 연결선 140">
+            <a:extLst>
+              <a:ext uri="{FF2B5EF4-FFF2-40B4-BE49-F238E27FC236}">
+                <a16:creationId xmlns:a16="http://schemas.microsoft.com/office/drawing/2014/main" id="{CB012300-C90D-9AD6-78CB-FEA4D1F53948}"/>
+              </a:ext>
+            </a:extLst>
+          </p:cNvPr>
+          <p:cNvCxnSpPr>
+            <a:cxnSpLocks/>
+          </p:cNvCxnSpPr>
+          <p:nvPr/>
+        </p:nvCxnSpPr>
+        <p:spPr>
+          <a:xfrm flipV="1">
+            <a:off x="9470614" y="1226999"/>
+            <a:ext cx="0" cy="804391"/>
+          </a:xfrm>
+          <a:prstGeom prst="line">
+            <a:avLst/>
+          </a:prstGeom>
+          <a:ln>
+            <a:solidFill>
+              <a:schemeClr val="bg1">
+                <a:lumMod val="50000"/>
+              </a:schemeClr>
+            </a:solidFill>
+            <a:prstDash val="dash"/>
+          </a:ln>
+        </p:spPr>
+        <p:style>
+          <a:lnRef idx="1">
+            <a:schemeClr val="accent1"/>
+          </a:lnRef>
+          <a:fillRef idx="0">
+            <a:schemeClr val="accent1"/>
+          </a:fillRef>
+          <a:effectRef idx="0">
+            <a:schemeClr val="accent1"/>
+          </a:effectRef>
+          <a:fontRef idx="minor">
+            <a:schemeClr val="tx1"/>
+          </a:fontRef>
+        </p:style>
+      </p:cxnSp>
+      <p:sp>
+        <p:nvSpPr>
+          <p:cNvPr id="147" name="TextBox 146">
+            <a:extLst>
+              <a:ext uri="{FF2B5EF4-FFF2-40B4-BE49-F238E27FC236}">
+                <a16:creationId xmlns:a16="http://schemas.microsoft.com/office/drawing/2014/main" id="{6CFB03A8-770E-9FFE-CC67-DD82D8F32767}"/>
+              </a:ext>
+            </a:extLst>
+          </p:cNvPr>
+          <p:cNvSpPr txBox="1"/>
+          <p:nvPr/>
+        </p:nvSpPr>
+        <p:spPr>
+          <a:xfrm>
+            <a:off x="9228851" y="842396"/>
+            <a:ext cx="483525" cy="222892"/>
+          </a:xfrm>
+          <a:prstGeom prst="rect">
+            <a:avLst/>
+          </a:prstGeom>
+          <a:noFill/>
+        </p:spPr>
+        <p:txBody>
+          <a:bodyPr wrap="square" rtlCol="0">
+            <a:spAutoFit/>
+          </a:bodyPr>
+          <a:lstStyle/>
+          <a:p>
+            <a:pPr algn="ctr"/>
+            <a:r>
+              <a:rPr lang="en-US" altLang="ko-KR" sz="1200" dirty="0">
+                <a:solidFill>
+                  <a:schemeClr val="tx1">
+                    <a:lumMod val="50000"/>
+                    <a:lumOff val="50000"/>
+                  </a:schemeClr>
+                </a:solidFill>
+              </a:rPr>
+              <a:t>20m</a:t>
+            </a:r>
+            <a:endParaRPr lang="ko-KR" altLang="en-US" sz="1200" dirty="0">
+              <a:solidFill>
+                <a:schemeClr val="tx1">
+                  <a:lumMod val="50000"/>
+                  <a:lumOff val="50000"/>
+                </a:schemeClr>
+              </a:solidFill>
+            </a:endParaRPr>
+          </a:p>
+        </p:txBody>
+      </p:sp>
+      <p:sp>
+        <p:nvSpPr>
+          <p:cNvPr id="148" name="직사각형 147">
+            <a:extLst>
+              <a:ext uri="{FF2B5EF4-FFF2-40B4-BE49-F238E27FC236}">
+                <a16:creationId xmlns:a16="http://schemas.microsoft.com/office/drawing/2014/main" id="{1FC1694F-3137-8A3C-FC4D-40A6F1B625B0}"/>
+              </a:ext>
+            </a:extLst>
+          </p:cNvPr>
+          <p:cNvSpPr/>
+          <p:nvPr/>
+        </p:nvSpPr>
+        <p:spPr>
+          <a:xfrm rot="10800000">
+            <a:off x="4646733" y="1647377"/>
+            <a:ext cx="64651" cy="1258169"/>
+          </a:xfrm>
+          <a:prstGeom prst="rect">
+            <a:avLst/>
+          </a:prstGeom>
+          <a:solidFill>
+            <a:schemeClr val="accent1">
+              <a:lumMod val="60000"/>
+              <a:lumOff val="40000"/>
+              <a:alpha val="60000"/>
+            </a:schemeClr>
+          </a:solidFill>
+          <a:ln w="12700">
+            <a:solidFill>
+              <a:srgbClr val="000000"/>
+            </a:solidFill>
+          </a:ln>
+        </p:spPr>
+        <p:style>
+          <a:lnRef idx="2">
+            <a:schemeClr val="accent1">
+              <a:shade val="50000"/>
+            </a:schemeClr>
+          </a:lnRef>
+          <a:fillRef idx="1">
+            <a:schemeClr val="accent1"/>
+          </a:fillRef>
+          <a:effectRef idx="0">
+            <a:schemeClr val="accent1"/>
+          </a:effectRef>
+          <a:fontRef idx="minor"/>
+        </p:style>
+        <p:txBody>
+          <a:bodyPr rtlCol="0" anchor="ctr"/>
+          <a:lstStyle/>
+          <a:p>
+            <a:pPr algn="ctr"/>
+            <a:endParaRPr lang="ko-KR" altLang="en-US" sz="2400"/>
+          </a:p>
+        </p:txBody>
+      </p:sp>
+      <p:sp>
+        <p:nvSpPr>
+          <p:cNvPr id="149" name="TextBox 148">
+            <a:extLst>
+              <a:ext uri="{FF2B5EF4-FFF2-40B4-BE49-F238E27FC236}">
+                <a16:creationId xmlns:a16="http://schemas.microsoft.com/office/drawing/2014/main" id="{FE0FF8A2-B002-7754-A9ED-90BF0B9508CE}"/>
+              </a:ext>
+            </a:extLst>
+          </p:cNvPr>
+          <p:cNvSpPr txBox="1"/>
+          <p:nvPr/>
+        </p:nvSpPr>
+        <p:spPr>
+          <a:xfrm>
+            <a:off x="4415668" y="864322"/>
+            <a:ext cx="483525" cy="276999"/>
+          </a:xfrm>
+          <a:prstGeom prst="rect">
+            <a:avLst/>
+          </a:prstGeom>
+          <a:noFill/>
+        </p:spPr>
+        <p:txBody>
+          <a:bodyPr wrap="square" rtlCol="0">
+            <a:spAutoFit/>
+          </a:bodyPr>
+          <a:lstStyle/>
+          <a:p>
+            <a:pPr algn="ctr"/>
+            <a:r>
+              <a:rPr lang="en-US" altLang="ko-KR" sz="1200" dirty="0">
+                <a:solidFill>
+                  <a:schemeClr val="tx1">
+                    <a:lumMod val="50000"/>
+                    <a:lumOff val="50000"/>
+                  </a:schemeClr>
+                </a:solidFill>
+              </a:rPr>
+              <a:t>4m</a:t>
+            </a:r>
+            <a:endParaRPr lang="ko-KR" altLang="en-US" sz="1200" dirty="0">
+              <a:solidFill>
+                <a:schemeClr val="tx1">
+                  <a:lumMod val="50000"/>
+                  <a:lumOff val="50000"/>
+                </a:schemeClr>
+              </a:solidFill>
+            </a:endParaRPr>
+          </a:p>
+        </p:txBody>
+      </p:sp>
+      <p:cxnSp>
+        <p:nvCxnSpPr>
+          <p:cNvPr id="150" name="직선 연결선 149">
+            <a:extLst>
+              <a:ext uri="{FF2B5EF4-FFF2-40B4-BE49-F238E27FC236}">
+                <a16:creationId xmlns:a16="http://schemas.microsoft.com/office/drawing/2014/main" id="{7D2B8003-3669-B57D-E922-FC95EE6F806F}"/>
+              </a:ext>
+            </a:extLst>
+          </p:cNvPr>
+          <p:cNvCxnSpPr>
+            <a:cxnSpLocks/>
+          </p:cNvCxnSpPr>
+          <p:nvPr/>
+        </p:nvCxnSpPr>
+        <p:spPr>
+          <a:xfrm flipH="1" flipV="1">
+            <a:off x="4657430" y="1226999"/>
+            <a:ext cx="4952" cy="440155"/>
+          </a:xfrm>
+          <a:prstGeom prst="line">
+            <a:avLst/>
+          </a:prstGeom>
+          <a:ln>
+            <a:solidFill>
+              <a:schemeClr val="bg1">
+                <a:lumMod val="50000"/>
+              </a:schemeClr>
+            </a:solidFill>
+            <a:prstDash val="dash"/>
+          </a:ln>
+        </p:spPr>
+        <p:style>
+          <a:lnRef idx="1">
+            <a:schemeClr val="accent1"/>
+          </a:lnRef>
+          <a:fillRef idx="0">
+            <a:schemeClr val="accent1"/>
+          </a:fillRef>
+          <a:effectRef idx="0">
+            <a:schemeClr val="accent1"/>
+          </a:effectRef>
+          <a:fontRef idx="minor">
+            <a:schemeClr val="tx1"/>
+          </a:fontRef>
+        </p:style>
+      </p:cxnSp>
+      <p:sp>
+        <p:nvSpPr>
+          <p:cNvPr id="170" name="직사각형 169">
+            <a:extLst>
+              <a:ext uri="{FF2B5EF4-FFF2-40B4-BE49-F238E27FC236}">
+                <a16:creationId xmlns:a16="http://schemas.microsoft.com/office/drawing/2014/main" id="{8C630644-C395-4EA9-94A0-7EEBD894AB61}"/>
+              </a:ext>
+            </a:extLst>
+          </p:cNvPr>
+          <p:cNvSpPr/>
+          <p:nvPr/>
+        </p:nvSpPr>
+        <p:spPr>
+          <a:xfrm rot="10800000">
+            <a:off x="6180080" y="1640200"/>
+            <a:ext cx="64651" cy="1258169"/>
+          </a:xfrm>
+          <a:prstGeom prst="rect">
+            <a:avLst/>
+          </a:prstGeom>
+          <a:solidFill>
+            <a:schemeClr val="accent1">
+              <a:lumMod val="60000"/>
+              <a:lumOff val="40000"/>
+              <a:alpha val="60000"/>
+            </a:schemeClr>
+          </a:solidFill>
+          <a:ln w="12700">
+            <a:solidFill>
+              <a:srgbClr val="000000"/>
+            </a:solidFill>
+          </a:ln>
+        </p:spPr>
+        <p:style>
+          <a:lnRef idx="2">
+            <a:schemeClr val="accent1">
+              <a:shade val="50000"/>
+            </a:schemeClr>
+          </a:lnRef>
+          <a:fillRef idx="1">
+            <a:schemeClr val="accent1"/>
+          </a:fillRef>
+          <a:effectRef idx="0">
+            <a:schemeClr val="accent1"/>
+          </a:effectRef>
+          <a:fontRef idx="minor"/>
+        </p:style>
+        <p:txBody>
+          <a:bodyPr rtlCol="0" anchor="ctr"/>
+          <a:lstStyle/>
+          <a:p>
+            <a:pPr algn="ctr"/>
+            <a:endParaRPr lang="ko-KR" altLang="en-US" sz="2400"/>
+          </a:p>
+        </p:txBody>
+      </p:sp>
+      <p:sp>
+        <p:nvSpPr>
+          <p:cNvPr id="171" name="TextBox 170">
+            <a:extLst>
+              <a:ext uri="{FF2B5EF4-FFF2-40B4-BE49-F238E27FC236}">
+                <a16:creationId xmlns:a16="http://schemas.microsoft.com/office/drawing/2014/main" id="{F2264EC4-ED79-09DB-AF2D-FCF066DCBD44}"/>
+              </a:ext>
+            </a:extLst>
+          </p:cNvPr>
+          <p:cNvSpPr txBox="1"/>
+          <p:nvPr/>
+        </p:nvSpPr>
+        <p:spPr>
+          <a:xfrm>
+            <a:off x="5949015" y="857146"/>
+            <a:ext cx="483525" cy="276999"/>
+          </a:xfrm>
+          <a:prstGeom prst="rect">
+            <a:avLst/>
+          </a:prstGeom>
+          <a:noFill/>
+        </p:spPr>
+        <p:txBody>
+          <a:bodyPr wrap="square" rtlCol="0">
+            <a:spAutoFit/>
+          </a:bodyPr>
+          <a:lstStyle/>
+          <a:p>
+            <a:pPr algn="ctr"/>
+            <a:r>
+              <a:rPr lang="en-US" altLang="ko-KR" sz="1200" dirty="0">
+                <a:solidFill>
+                  <a:schemeClr val="tx1">
+                    <a:lumMod val="50000"/>
+                    <a:lumOff val="50000"/>
+                  </a:schemeClr>
+                </a:solidFill>
+              </a:rPr>
+              <a:t>8m</a:t>
+            </a:r>
+            <a:endParaRPr lang="ko-KR" altLang="en-US" sz="1200" dirty="0">
+              <a:solidFill>
+                <a:schemeClr val="tx1">
+                  <a:lumMod val="50000"/>
+                  <a:lumOff val="50000"/>
+                </a:schemeClr>
+              </a:solidFill>
+            </a:endParaRPr>
+          </a:p>
+        </p:txBody>
+      </p:sp>
+      <p:cxnSp>
+        <p:nvCxnSpPr>
+          <p:cNvPr id="172" name="직선 연결선 171">
+            <a:extLst>
+              <a:ext uri="{FF2B5EF4-FFF2-40B4-BE49-F238E27FC236}">
+                <a16:creationId xmlns:a16="http://schemas.microsoft.com/office/drawing/2014/main" id="{64B1E4C4-04F3-B197-567E-44DF5DB5BFB3}"/>
+              </a:ext>
+            </a:extLst>
+          </p:cNvPr>
+          <p:cNvCxnSpPr>
+            <a:cxnSpLocks/>
+          </p:cNvCxnSpPr>
+          <p:nvPr/>
+        </p:nvCxnSpPr>
+        <p:spPr>
+          <a:xfrm flipH="1" flipV="1">
+            <a:off x="6190778" y="1219822"/>
+            <a:ext cx="4952" cy="440155"/>
+          </a:xfrm>
+          <a:prstGeom prst="line">
+            <a:avLst/>
+          </a:prstGeom>
+          <a:ln>
+            <a:solidFill>
+              <a:schemeClr val="bg1">
+                <a:lumMod val="50000"/>
+              </a:schemeClr>
+            </a:solidFill>
+            <a:prstDash val="dash"/>
+          </a:ln>
+        </p:spPr>
+        <p:style>
+          <a:lnRef idx="1">
+            <a:schemeClr val="accent1"/>
+          </a:lnRef>
+          <a:fillRef idx="0">
+            <a:schemeClr val="accent1"/>
+          </a:fillRef>
+          <a:effectRef idx="0">
+            <a:schemeClr val="accent1"/>
+          </a:effectRef>
+          <a:fontRef idx="minor">
+            <a:schemeClr val="tx1"/>
+          </a:fontRef>
+        </p:style>
+      </p:cxnSp>
+      <p:cxnSp>
+        <p:nvCxnSpPr>
+          <p:cNvPr id="176" name="직선 연결선 175">
+            <a:extLst>
+              <a:ext uri="{FF2B5EF4-FFF2-40B4-BE49-F238E27FC236}">
+                <a16:creationId xmlns:a16="http://schemas.microsoft.com/office/drawing/2014/main" id="{15F02CF9-3C32-650F-1524-EF02ACA40A2D}"/>
+              </a:ext>
+            </a:extLst>
+          </p:cNvPr>
+          <p:cNvCxnSpPr>
+            <a:cxnSpLocks/>
+          </p:cNvCxnSpPr>
+          <p:nvPr/>
+        </p:nvCxnSpPr>
+        <p:spPr>
+          <a:xfrm>
+            <a:off x="2902729" y="1635191"/>
+            <a:ext cx="499512" cy="0"/>
+          </a:xfrm>
+          <a:prstGeom prst="line">
+            <a:avLst/>
+          </a:prstGeom>
+          <a:ln>
+            <a:solidFill>
+              <a:schemeClr val="bg1">
+                <a:lumMod val="50000"/>
+              </a:schemeClr>
+            </a:solidFill>
+            <a:prstDash val="dash"/>
+          </a:ln>
+        </p:spPr>
+        <p:style>
+          <a:lnRef idx="1">
+            <a:schemeClr val="accent1"/>
+          </a:lnRef>
+          <a:fillRef idx="0">
+            <a:schemeClr val="accent1"/>
+          </a:fillRef>
+          <a:effectRef idx="0">
+            <a:schemeClr val="accent1"/>
+          </a:effectRef>
+          <a:fontRef idx="minor">
+            <a:schemeClr val="tx1"/>
+          </a:fontRef>
+        </p:style>
+      </p:cxnSp>
+      <p:cxnSp>
+        <p:nvCxnSpPr>
+          <p:cNvPr id="177" name="직선 연결선 176">
+            <a:extLst>
+              <a:ext uri="{FF2B5EF4-FFF2-40B4-BE49-F238E27FC236}">
+                <a16:creationId xmlns:a16="http://schemas.microsoft.com/office/drawing/2014/main" id="{9F85D4C7-BE22-4D98-E19A-F25D528FAA7C}"/>
+              </a:ext>
+            </a:extLst>
+          </p:cNvPr>
+          <p:cNvCxnSpPr>
+            <a:cxnSpLocks/>
+          </p:cNvCxnSpPr>
+          <p:nvPr/>
+        </p:nvCxnSpPr>
+        <p:spPr>
+          <a:xfrm>
+            <a:off x="2919426" y="2886950"/>
+            <a:ext cx="499512" cy="0"/>
+          </a:xfrm>
+          <a:prstGeom prst="line">
+            <a:avLst/>
+          </a:prstGeom>
+          <a:ln>
+            <a:solidFill>
+              <a:schemeClr val="bg1">
+                <a:lumMod val="50000"/>
+              </a:schemeClr>
+            </a:solidFill>
+            <a:prstDash val="dash"/>
+          </a:ln>
+        </p:spPr>
+        <p:style>
+          <a:lnRef idx="1">
+            <a:schemeClr val="accent1"/>
+          </a:lnRef>
+          <a:fillRef idx="0">
+            <a:schemeClr val="accent1"/>
+          </a:fillRef>
+          <a:effectRef idx="0">
+            <a:schemeClr val="accent1"/>
+          </a:effectRef>
+          <a:fontRef idx="minor">
+            <a:schemeClr val="tx1"/>
+          </a:fontRef>
+        </p:style>
+      </p:cxnSp>
+      <p:sp>
+        <p:nvSpPr>
+          <p:cNvPr id="178" name="TextBox 177">
+            <a:extLst>
+              <a:ext uri="{FF2B5EF4-FFF2-40B4-BE49-F238E27FC236}">
+                <a16:creationId xmlns:a16="http://schemas.microsoft.com/office/drawing/2014/main" id="{954A6A6F-1ED3-CF27-7513-6A5330133A23}"/>
+              </a:ext>
+            </a:extLst>
+          </p:cNvPr>
+          <p:cNvSpPr txBox="1"/>
+          <p:nvPr/>
+        </p:nvSpPr>
+        <p:spPr>
+          <a:xfrm>
+            <a:off x="2390907" y="2738361"/>
+            <a:ext cx="483525" cy="222892"/>
+          </a:xfrm>
+          <a:prstGeom prst="rect">
+            <a:avLst/>
+          </a:prstGeom>
+          <a:noFill/>
+        </p:spPr>
+        <p:txBody>
+          <a:bodyPr wrap="square" rtlCol="0">
+            <a:spAutoFit/>
+          </a:bodyPr>
+          <a:lstStyle/>
+          <a:p>
+            <a:pPr algn="ctr"/>
+            <a:r>
+              <a:rPr lang="en-US" altLang="ko-KR" sz="1200" dirty="0">
+                <a:solidFill>
+                  <a:schemeClr val="tx1">
+                    <a:lumMod val="50000"/>
+                    <a:lumOff val="50000"/>
+                  </a:schemeClr>
+                </a:solidFill>
+              </a:rPr>
+              <a:t>4m</a:t>
+            </a:r>
+            <a:endParaRPr lang="ko-KR" altLang="en-US" sz="1200" dirty="0">
+              <a:solidFill>
+                <a:schemeClr val="tx1">
+                  <a:lumMod val="50000"/>
+                  <a:lumOff val="50000"/>
+                </a:schemeClr>
+              </a:solidFill>
+            </a:endParaRPr>
+          </a:p>
+        </p:txBody>
+      </p:sp>
+      <p:sp>
+        <p:nvSpPr>
+          <p:cNvPr id="179" name="TextBox 178">
+            <a:extLst>
+              <a:ext uri="{FF2B5EF4-FFF2-40B4-BE49-F238E27FC236}">
+                <a16:creationId xmlns:a16="http://schemas.microsoft.com/office/drawing/2014/main" id="{4598F08B-8E42-9041-6D0D-AE0E5F593DE0}"/>
+              </a:ext>
+            </a:extLst>
+          </p:cNvPr>
+          <p:cNvSpPr txBox="1"/>
+          <p:nvPr/>
+        </p:nvSpPr>
+        <p:spPr>
+          <a:xfrm>
+            <a:off x="10042158" y="1851858"/>
+            <a:ext cx="483525" cy="222892"/>
+          </a:xfrm>
+          <a:prstGeom prst="rect">
+            <a:avLst/>
+          </a:prstGeom>
+          <a:noFill/>
+        </p:spPr>
+        <p:txBody>
+          <a:bodyPr wrap="square" rtlCol="0">
+            <a:spAutoFit/>
+          </a:bodyPr>
+          <a:lstStyle/>
+          <a:p>
+            <a:pPr algn="ctr"/>
+            <a:r>
+              <a:rPr lang="en-US" altLang="ko-KR" sz="1200" dirty="0">
+                <a:solidFill>
+                  <a:schemeClr val="tx1">
+                    <a:lumMod val="50000"/>
+                    <a:lumOff val="50000"/>
+                  </a:schemeClr>
+                </a:solidFill>
+              </a:rPr>
+              <a:t>1m</a:t>
+            </a:r>
+            <a:endParaRPr lang="ko-KR" altLang="en-US" sz="1200" dirty="0">
+              <a:solidFill>
+                <a:schemeClr val="tx1">
+                  <a:lumMod val="50000"/>
+                  <a:lumOff val="50000"/>
+                </a:schemeClr>
+              </a:solidFill>
+            </a:endParaRPr>
+          </a:p>
+        </p:txBody>
+      </p:sp>
+      <p:sp>
+        <p:nvSpPr>
+          <p:cNvPr id="180" name="TextBox 179">
+            <a:extLst>
+              <a:ext uri="{FF2B5EF4-FFF2-40B4-BE49-F238E27FC236}">
+                <a16:creationId xmlns:a16="http://schemas.microsoft.com/office/drawing/2014/main" id="{AEC68BF4-51E2-6E66-F99A-122E344D467A}"/>
+              </a:ext>
+            </a:extLst>
+          </p:cNvPr>
+          <p:cNvSpPr txBox="1"/>
+          <p:nvPr/>
+        </p:nvSpPr>
+        <p:spPr>
+          <a:xfrm>
+            <a:off x="10042158" y="2396082"/>
+            <a:ext cx="483525" cy="222892"/>
+          </a:xfrm>
+          <a:prstGeom prst="rect">
+            <a:avLst/>
+          </a:prstGeom>
+          <a:noFill/>
+        </p:spPr>
+        <p:txBody>
+          <a:bodyPr wrap="square" rtlCol="0">
+            <a:spAutoFit/>
+          </a:bodyPr>
+          <a:lstStyle/>
+          <a:p>
+            <a:pPr algn="ctr"/>
+            <a:r>
+              <a:rPr lang="en-US" altLang="ko-KR" sz="1200" dirty="0">
+                <a:solidFill>
+                  <a:schemeClr val="tx1">
+                    <a:lumMod val="50000"/>
+                    <a:lumOff val="50000"/>
+                  </a:schemeClr>
+                </a:solidFill>
+              </a:rPr>
+              <a:t>3m</a:t>
+            </a:r>
+            <a:endParaRPr lang="ko-KR" altLang="en-US" sz="1200" dirty="0">
+              <a:solidFill>
+                <a:schemeClr val="tx1">
+                  <a:lumMod val="50000"/>
+                  <a:lumOff val="50000"/>
+                </a:schemeClr>
+              </a:solidFill>
+            </a:endParaRPr>
+          </a:p>
+        </p:txBody>
+      </p:sp>
+      <p:cxnSp>
+        <p:nvCxnSpPr>
+          <p:cNvPr id="181" name="직선 연결선 180">
+            <a:extLst>
+              <a:ext uri="{FF2B5EF4-FFF2-40B4-BE49-F238E27FC236}">
+                <a16:creationId xmlns:a16="http://schemas.microsoft.com/office/drawing/2014/main" id="{D3DE3978-D470-7510-3D90-F1D1344779EF}"/>
+              </a:ext>
+            </a:extLst>
+          </p:cNvPr>
+          <p:cNvCxnSpPr>
+            <a:cxnSpLocks/>
+          </p:cNvCxnSpPr>
+          <p:nvPr/>
+        </p:nvCxnSpPr>
+        <p:spPr>
+          <a:xfrm>
+            <a:off x="9547595" y="1977771"/>
+            <a:ext cx="499512" cy="0"/>
+          </a:xfrm>
+          <a:prstGeom prst="line">
+            <a:avLst/>
+          </a:prstGeom>
+          <a:ln>
+            <a:solidFill>
+              <a:schemeClr val="bg1">
+                <a:lumMod val="50000"/>
+              </a:schemeClr>
+            </a:solidFill>
+            <a:prstDash val="dash"/>
+          </a:ln>
+        </p:spPr>
+        <p:style>
+          <a:lnRef idx="1">
+            <a:schemeClr val="accent1"/>
+          </a:lnRef>
+          <a:fillRef idx="0">
+            <a:schemeClr val="accent1"/>
+          </a:fillRef>
+          <a:effectRef idx="0">
+            <a:schemeClr val="accent1"/>
+          </a:effectRef>
+          <a:fontRef idx="minor">
+            <a:schemeClr val="tx1"/>
+          </a:fontRef>
+        </p:style>
+      </p:cxnSp>
+      <p:cxnSp>
+        <p:nvCxnSpPr>
+          <p:cNvPr id="182" name="직선 연결선 181">
+            <a:extLst>
+              <a:ext uri="{FF2B5EF4-FFF2-40B4-BE49-F238E27FC236}">
+                <a16:creationId xmlns:a16="http://schemas.microsoft.com/office/drawing/2014/main" id="{346E8BD5-0D0B-B8B9-DA41-9315DAED34D2}"/>
+              </a:ext>
+            </a:extLst>
+          </p:cNvPr>
+          <p:cNvCxnSpPr>
+            <a:cxnSpLocks/>
+          </p:cNvCxnSpPr>
+          <p:nvPr/>
+        </p:nvCxnSpPr>
+        <p:spPr>
+          <a:xfrm>
+            <a:off x="9532191" y="2533014"/>
+            <a:ext cx="499512" cy="0"/>
+          </a:xfrm>
+          <a:prstGeom prst="line">
+            <a:avLst/>
+          </a:prstGeom>
+          <a:ln>
+            <a:solidFill>
+              <a:schemeClr val="bg1">
+                <a:lumMod val="50000"/>
+              </a:schemeClr>
+            </a:solidFill>
+            <a:prstDash val="dash"/>
+          </a:ln>
+        </p:spPr>
+        <p:style>
+          <a:lnRef idx="1">
+            <a:schemeClr val="accent1"/>
+          </a:lnRef>
+          <a:fillRef idx="0">
+            <a:schemeClr val="accent1"/>
+          </a:fillRef>
+          <a:effectRef idx="0">
+            <a:schemeClr val="accent1"/>
+          </a:effectRef>
+          <a:fontRef idx="minor">
+            <a:schemeClr val="tx1"/>
+          </a:fontRef>
+        </p:style>
+      </p:cxnSp>
+      <p:sp>
+        <p:nvSpPr>
+          <p:cNvPr id="64" name="직사각형 63">
+            <a:extLst>
+              <a:ext uri="{FF2B5EF4-FFF2-40B4-BE49-F238E27FC236}">
+                <a16:creationId xmlns:a16="http://schemas.microsoft.com/office/drawing/2014/main" id="{A32AFFD4-50C8-DAE6-FCF4-223596F666DA}"/>
+              </a:ext>
+            </a:extLst>
+          </p:cNvPr>
+          <p:cNvSpPr/>
+          <p:nvPr/>
+        </p:nvSpPr>
+        <p:spPr>
+          <a:xfrm rot="10800000">
+            <a:off x="6762820" y="1631367"/>
+            <a:ext cx="1201157" cy="1258169"/>
+          </a:xfrm>
+          <a:prstGeom prst="rect">
+            <a:avLst/>
+          </a:prstGeom>
+          <a:solidFill>
+            <a:schemeClr val="accent1">
+              <a:lumMod val="60000"/>
+              <a:lumOff val="40000"/>
+              <a:alpha val="60000"/>
+            </a:schemeClr>
+          </a:solidFill>
+          <a:ln w="12700">
+            <a:solidFill>
+              <a:srgbClr val="000000"/>
+            </a:solidFill>
+          </a:ln>
+        </p:spPr>
+        <p:style>
+          <a:lnRef idx="2">
+            <a:schemeClr val="accent1">
+              <a:shade val="50000"/>
+            </a:schemeClr>
+          </a:lnRef>
+          <a:fillRef idx="1">
+            <a:schemeClr val="accent1"/>
+          </a:fillRef>
+          <a:effectRef idx="0">
+            <a:schemeClr val="accent1"/>
+          </a:effectRef>
+          <a:fontRef idx="minor"/>
+        </p:style>
+        <p:txBody>
+          <a:bodyPr rtlCol="0" anchor="ctr"/>
+          <a:lstStyle/>
+          <a:p>
+            <a:pPr algn="ctr"/>
+            <a:endParaRPr lang="ko-KR" altLang="en-US" sz="2400"/>
+          </a:p>
+        </p:txBody>
+      </p:sp>
+      <p:sp>
+        <p:nvSpPr>
+          <p:cNvPr id="66" name="TextBox 65">
+            <a:extLst>
+              <a:ext uri="{FF2B5EF4-FFF2-40B4-BE49-F238E27FC236}">
+                <a16:creationId xmlns:a16="http://schemas.microsoft.com/office/drawing/2014/main" id="{8A4236A6-FD17-00B6-E2A0-A4C4E8B3BC88}"/>
+              </a:ext>
+            </a:extLst>
+          </p:cNvPr>
+          <p:cNvSpPr txBox="1"/>
+          <p:nvPr/>
+        </p:nvSpPr>
+        <p:spPr>
+          <a:xfrm>
+            <a:off x="6520597" y="863785"/>
+            <a:ext cx="483525" cy="276999"/>
+          </a:xfrm>
+          <a:prstGeom prst="rect">
+            <a:avLst/>
+          </a:prstGeom>
+          <a:noFill/>
+        </p:spPr>
+        <p:txBody>
+          <a:bodyPr wrap="square" rtlCol="0">
+            <a:spAutoFit/>
+          </a:bodyPr>
+          <a:lstStyle/>
+          <a:p>
+            <a:pPr algn="ctr"/>
+            <a:r>
+              <a:rPr lang="en-US" altLang="ko-KR" sz="1200" dirty="0">
+                <a:solidFill>
+                  <a:schemeClr val="tx1">
+                    <a:lumMod val="50000"/>
+                    <a:lumOff val="50000"/>
+                  </a:schemeClr>
+                </a:solidFill>
+              </a:rPr>
+              <a:t>10m</a:t>
+            </a:r>
+            <a:endParaRPr lang="ko-KR" altLang="en-US" sz="1200" dirty="0">
+              <a:solidFill>
+                <a:schemeClr val="tx1">
+                  <a:lumMod val="50000"/>
+                  <a:lumOff val="50000"/>
+                </a:schemeClr>
+              </a:solidFill>
+            </a:endParaRPr>
+          </a:p>
+        </p:txBody>
+      </p:sp>
+      <p:cxnSp>
+        <p:nvCxnSpPr>
+          <p:cNvPr id="67" name="직선 연결선 66">
+            <a:extLst>
+              <a:ext uri="{FF2B5EF4-FFF2-40B4-BE49-F238E27FC236}">
+                <a16:creationId xmlns:a16="http://schemas.microsoft.com/office/drawing/2014/main" id="{A1F922F1-64AA-A352-707B-BB26C74E5A29}"/>
+              </a:ext>
+            </a:extLst>
+          </p:cNvPr>
+          <p:cNvCxnSpPr>
+            <a:cxnSpLocks/>
+          </p:cNvCxnSpPr>
+          <p:nvPr/>
+        </p:nvCxnSpPr>
+        <p:spPr>
+          <a:xfrm flipH="1" flipV="1">
+            <a:off x="6753651" y="1226461"/>
+            <a:ext cx="4952" cy="440155"/>
+          </a:xfrm>
+          <a:prstGeom prst="line">
+            <a:avLst/>
+          </a:prstGeom>
+          <a:ln>
+            <a:solidFill>
+              <a:schemeClr val="bg1">
+                <a:lumMod val="50000"/>
+              </a:schemeClr>
+            </a:solidFill>
+            <a:prstDash val="dash"/>
+          </a:ln>
+        </p:spPr>
+        <p:style>
+          <a:lnRef idx="1">
+            <a:schemeClr val="accent1"/>
+          </a:lnRef>
+          <a:fillRef idx="0">
+            <a:schemeClr val="accent1"/>
+          </a:fillRef>
+          <a:effectRef idx="0">
+            <a:schemeClr val="accent1"/>
+          </a:effectRef>
+          <a:fontRef idx="minor">
+            <a:schemeClr val="tx1"/>
+          </a:fontRef>
+        </p:style>
+      </p:cxnSp>
+      <p:sp>
+        <p:nvSpPr>
+          <p:cNvPr id="68" name="TextBox 67">
+            <a:extLst>
+              <a:ext uri="{FF2B5EF4-FFF2-40B4-BE49-F238E27FC236}">
+                <a16:creationId xmlns:a16="http://schemas.microsoft.com/office/drawing/2014/main" id="{46D17983-FD5B-BAEF-2B60-44B07C7D8B93}"/>
+              </a:ext>
+            </a:extLst>
+          </p:cNvPr>
+          <p:cNvSpPr txBox="1"/>
+          <p:nvPr/>
+        </p:nvSpPr>
+        <p:spPr>
+          <a:xfrm>
+            <a:off x="7697689" y="869349"/>
+            <a:ext cx="483525" cy="276999"/>
+          </a:xfrm>
+          <a:prstGeom prst="rect">
+            <a:avLst/>
+          </a:prstGeom>
+          <a:noFill/>
+        </p:spPr>
+        <p:txBody>
+          <a:bodyPr wrap="square" rtlCol="0">
+            <a:spAutoFit/>
+          </a:bodyPr>
+          <a:lstStyle/>
+          <a:p>
+            <a:pPr algn="ctr"/>
+            <a:r>
+              <a:rPr lang="en-US" altLang="ko-KR" sz="1200" dirty="0">
+                <a:solidFill>
+                  <a:schemeClr val="tx1">
+                    <a:lumMod val="50000"/>
+                    <a:lumOff val="50000"/>
+                  </a:schemeClr>
+                </a:solidFill>
+              </a:rPr>
+              <a:t>14m</a:t>
+            </a:r>
+            <a:endParaRPr lang="ko-KR" altLang="en-US" sz="1200" dirty="0">
+              <a:solidFill>
+                <a:schemeClr val="tx1">
+                  <a:lumMod val="50000"/>
+                  <a:lumOff val="50000"/>
+                </a:schemeClr>
+              </a:solidFill>
+            </a:endParaRPr>
+          </a:p>
+        </p:txBody>
+      </p:sp>
+      <p:cxnSp>
+        <p:nvCxnSpPr>
+          <p:cNvPr id="69" name="직선 연결선 68">
+            <a:extLst>
+              <a:ext uri="{FF2B5EF4-FFF2-40B4-BE49-F238E27FC236}">
+                <a16:creationId xmlns:a16="http://schemas.microsoft.com/office/drawing/2014/main" id="{EE0264CB-2D09-66A0-18FE-3978594973ED}"/>
+              </a:ext>
+            </a:extLst>
+          </p:cNvPr>
+          <p:cNvCxnSpPr>
+            <a:cxnSpLocks/>
+          </p:cNvCxnSpPr>
+          <p:nvPr/>
+        </p:nvCxnSpPr>
+        <p:spPr>
+          <a:xfrm flipH="1" flipV="1">
+            <a:off x="7947242" y="1215996"/>
+            <a:ext cx="4952" cy="440155"/>
+          </a:xfrm>
+          <a:prstGeom prst="line">
+            <a:avLst/>
+          </a:prstGeom>
+          <a:ln>
+            <a:solidFill>
+              <a:schemeClr val="bg1">
+                <a:lumMod val="50000"/>
+              </a:schemeClr>
+            </a:solidFill>
+            <a:prstDash val="dash"/>
+          </a:ln>
+        </p:spPr>
+        <p:style>
+          <a:lnRef idx="1">
+            <a:schemeClr val="accent1"/>
+          </a:lnRef>
+          <a:fillRef idx="0">
+            <a:schemeClr val="accent1"/>
+          </a:fillRef>
+          <a:effectRef idx="0">
+            <a:schemeClr val="accent1"/>
+          </a:effectRef>
+          <a:fontRef idx="minor">
+            <a:schemeClr val="tx1"/>
+          </a:fontRef>
+        </p:style>
+      </p:cxnSp>
+      <p:sp>
+        <p:nvSpPr>
+          <p:cNvPr id="73" name="TextBox 72">
+            <a:extLst>
+              <a:ext uri="{FF2B5EF4-FFF2-40B4-BE49-F238E27FC236}">
+                <a16:creationId xmlns:a16="http://schemas.microsoft.com/office/drawing/2014/main" id="{214D02A0-2053-E6C9-631D-DEB783D39B0A}"/>
+              </a:ext>
+            </a:extLst>
+          </p:cNvPr>
+          <p:cNvSpPr txBox="1"/>
+          <p:nvPr/>
+        </p:nvSpPr>
+        <p:spPr>
+          <a:xfrm>
+            <a:off x="6578638" y="138706"/>
+            <a:ext cx="1569519" cy="276999"/>
+          </a:xfrm>
+          <a:prstGeom prst="rect">
+            <a:avLst/>
+          </a:prstGeom>
+          <a:noFill/>
+        </p:spPr>
+        <p:txBody>
+          <a:bodyPr wrap="square" rtlCol="0">
+            <a:spAutoFit/>
+          </a:bodyPr>
+          <a:lstStyle/>
+          <a:p>
+            <a:pPr algn="ctr"/>
+            <a:r>
+              <a:rPr lang="ko-KR" altLang="en-US" sz="1200" dirty="0">
+                <a:solidFill>
+                  <a:schemeClr val="tx1">
+                    <a:lumMod val="50000"/>
+                    <a:lumOff val="50000"/>
+                  </a:schemeClr>
+                </a:solidFill>
+              </a:rPr>
+              <a:t>유리의 높이는 </a:t>
+            </a:r>
+            <a:r>
+              <a:rPr lang="en-US" altLang="ko-KR" sz="1200" dirty="0">
+                <a:solidFill>
+                  <a:schemeClr val="tx1">
+                    <a:lumMod val="50000"/>
+                    <a:lumOff val="50000"/>
+                  </a:schemeClr>
+                </a:solidFill>
+              </a:rPr>
+              <a:t>2m</a:t>
+            </a:r>
+            <a:r>
+              <a:rPr lang="ko-KR" altLang="en-US" sz="1200" dirty="0">
+                <a:solidFill>
+                  <a:schemeClr val="tx1">
+                    <a:lumMod val="50000"/>
+                    <a:lumOff val="50000"/>
+                  </a:schemeClr>
+                </a:solidFill>
+              </a:rPr>
+              <a:t> </a:t>
+            </a:r>
+          </a:p>
+        </p:txBody>
+      </p:sp>
+      <p:cxnSp>
+        <p:nvCxnSpPr>
+          <p:cNvPr id="80" name="직선 연결선 79">
+            <a:extLst>
+              <a:ext uri="{FF2B5EF4-FFF2-40B4-BE49-F238E27FC236}">
+                <a16:creationId xmlns:a16="http://schemas.microsoft.com/office/drawing/2014/main" id="{06517D8E-C56D-E480-F492-01B0665DBD3C}"/>
+              </a:ext>
+            </a:extLst>
+          </p:cNvPr>
+          <p:cNvCxnSpPr>
+            <a:cxnSpLocks/>
+            <a:stCxn id="64" idx="2"/>
+            <a:endCxn id="73" idx="2"/>
+          </p:cNvCxnSpPr>
+          <p:nvPr/>
+        </p:nvCxnSpPr>
+        <p:spPr>
+          <a:xfrm flipV="1">
+            <a:off x="7363398" y="415705"/>
+            <a:ext cx="0" cy="1215662"/>
+          </a:xfrm>
+          <a:prstGeom prst="line">
+            <a:avLst/>
+          </a:prstGeom>
+          <a:ln>
+            <a:solidFill>
+              <a:schemeClr val="bg1">
+                <a:lumMod val="50000"/>
+              </a:schemeClr>
+            </a:solidFill>
+            <a:prstDash val="dash"/>
+          </a:ln>
+        </p:spPr>
+        <p:style>
+          <a:lnRef idx="1">
+            <a:schemeClr val="accent1"/>
+          </a:lnRef>
+          <a:fillRef idx="0">
+            <a:schemeClr val="accent1"/>
+          </a:fillRef>
+          <a:effectRef idx="0">
+            <a:schemeClr val="accent1"/>
+          </a:effectRef>
+          <a:fontRef idx="minor">
+            <a:schemeClr val="tx1"/>
+          </a:fontRef>
+        </p:style>
+      </p:cxnSp>
+      <p:cxnSp>
+        <p:nvCxnSpPr>
+          <p:cNvPr id="82" name="직선 연결선 81">
+            <a:extLst>
+              <a:ext uri="{FF2B5EF4-FFF2-40B4-BE49-F238E27FC236}">
+                <a16:creationId xmlns:a16="http://schemas.microsoft.com/office/drawing/2014/main" id="{82E5C230-C8D8-189F-07D9-F7125F9D84A6}"/>
+              </a:ext>
+            </a:extLst>
+          </p:cNvPr>
+          <p:cNvCxnSpPr>
+            <a:cxnSpLocks/>
+            <a:endCxn id="64" idx="0"/>
+          </p:cNvCxnSpPr>
+          <p:nvPr/>
+        </p:nvCxnSpPr>
+        <p:spPr>
+          <a:xfrm flipV="1">
+            <a:off x="7363398" y="2889536"/>
+            <a:ext cx="0" cy="1024209"/>
+          </a:xfrm>
+          <a:prstGeom prst="line">
+            <a:avLst/>
+          </a:prstGeom>
+          <a:ln>
+            <a:solidFill>
+              <a:schemeClr val="bg1">
+                <a:lumMod val="50000"/>
+              </a:schemeClr>
+            </a:solidFill>
+            <a:prstDash val="dash"/>
+          </a:ln>
+        </p:spPr>
+        <p:style>
+          <a:lnRef idx="1">
+            <a:schemeClr val="accent1"/>
+          </a:lnRef>
+          <a:fillRef idx="0">
+            <a:schemeClr val="accent1"/>
+          </a:fillRef>
+          <a:effectRef idx="0">
+            <a:schemeClr val="accent1"/>
+          </a:effectRef>
+          <a:fontRef idx="minor">
+            <a:schemeClr val="tx1"/>
+          </a:fontRef>
+        </p:style>
+      </p:cxnSp>
+      <p:sp>
+        <p:nvSpPr>
+          <p:cNvPr id="84" name="TextBox 83">
+            <a:extLst>
+              <a:ext uri="{FF2B5EF4-FFF2-40B4-BE49-F238E27FC236}">
+                <a16:creationId xmlns:a16="http://schemas.microsoft.com/office/drawing/2014/main" id="{D5442286-CAD2-1E3C-430E-A06ADEB8CDB7}"/>
+              </a:ext>
+            </a:extLst>
+          </p:cNvPr>
+          <p:cNvSpPr txBox="1"/>
+          <p:nvPr/>
+        </p:nvSpPr>
+        <p:spPr>
+          <a:xfrm>
+            <a:off x="6611695" y="3898239"/>
+            <a:ext cx="1569519" cy="276999"/>
+          </a:xfrm>
+          <a:prstGeom prst="rect">
+            <a:avLst/>
+          </a:prstGeom>
+          <a:noFill/>
+        </p:spPr>
+        <p:txBody>
+          <a:bodyPr wrap="square" rtlCol="0">
+            <a:spAutoFit/>
+          </a:bodyPr>
+          <a:lstStyle/>
+          <a:p>
+            <a:pPr algn="ctr"/>
+            <a:r>
+              <a:rPr lang="ko-KR" altLang="en-US" sz="1200" dirty="0">
+                <a:solidFill>
+                  <a:schemeClr val="tx1">
+                    <a:lumMod val="50000"/>
+                    <a:lumOff val="50000"/>
+                  </a:schemeClr>
+                </a:solidFill>
+              </a:rPr>
+              <a:t>유리가 깨질 시</a:t>
+            </a:r>
+          </a:p>
+        </p:txBody>
+      </p:sp>
+      <p:grpSp>
+        <p:nvGrpSpPr>
+          <p:cNvPr id="15" name="그룹 14">
+            <a:extLst>
+              <a:ext uri="{FF2B5EF4-FFF2-40B4-BE49-F238E27FC236}">
+                <a16:creationId xmlns:a16="http://schemas.microsoft.com/office/drawing/2014/main" id="{534592D9-8020-11C5-24A1-41D10C5F3D50}"/>
+              </a:ext>
+            </a:extLst>
+          </p:cNvPr>
+          <p:cNvGrpSpPr/>
+          <p:nvPr/>
+        </p:nvGrpSpPr>
+        <p:grpSpPr>
+          <a:xfrm>
+            <a:off x="6566145" y="4443503"/>
+            <a:ext cx="1660617" cy="2081850"/>
+            <a:chOff x="6515645" y="3611127"/>
+            <a:chExt cx="1660617" cy="2081850"/>
+          </a:xfrm>
+        </p:grpSpPr>
+        <p:sp>
+          <p:nvSpPr>
+            <p:cNvPr id="86" name="직사각형 85">
+              <a:extLst>
+                <a:ext uri="{FF2B5EF4-FFF2-40B4-BE49-F238E27FC236}">
+                  <a16:creationId xmlns:a16="http://schemas.microsoft.com/office/drawing/2014/main" id="{868B7C2E-83B3-A749-C852-76412ED19979}"/>
+                </a:ext>
+              </a:extLst>
+            </p:cNvPr>
+            <p:cNvSpPr/>
+            <p:nvPr/>
+          </p:nvSpPr>
+          <p:spPr>
+            <a:xfrm>
+              <a:off x="6753651" y="4353331"/>
+              <a:ext cx="1193591" cy="1339646"/>
+            </a:xfrm>
+            <a:prstGeom prst="rect">
+              <a:avLst/>
+            </a:prstGeom>
+            <a:solidFill>
+              <a:srgbClr val="E2F0D9"/>
+            </a:solidFill>
+            <a:ln w="12700">
+              <a:solidFill>
+                <a:srgbClr val="000000"/>
+              </a:solidFill>
+            </a:ln>
+          </p:spPr>
+          <p:style>
+            <a:lnRef idx="2">
+              <a:schemeClr val="accent1">
+                <a:shade val="50000"/>
+              </a:schemeClr>
+            </a:lnRef>
+            <a:fillRef idx="1">
+              <a:schemeClr val="accent1"/>
+            </a:fillRef>
+            <a:effectRef idx="0">
+              <a:schemeClr val="accent1"/>
+            </a:effectRef>
+            <a:fontRef idx="minor"/>
+          </p:style>
+          <p:txBody>
+            <a:bodyPr rtlCol="0" anchor="ctr"/>
+            <a:lstStyle/>
+            <a:p>
+              <a:pPr algn="ctr"/>
+              <a:endParaRPr lang="ko-KR" altLang="en-US" sz="3200"/>
+            </a:p>
+          </p:txBody>
+        </p:sp>
+        <p:grpSp>
+          <p:nvGrpSpPr>
+            <p:cNvPr id="14" name="그룹 13">
+              <a:extLst>
+                <a:ext uri="{FF2B5EF4-FFF2-40B4-BE49-F238E27FC236}">
+                  <a16:creationId xmlns:a16="http://schemas.microsoft.com/office/drawing/2014/main" id="{61671624-75DD-E1B6-FC1E-E97A01DE7EAF}"/>
+                </a:ext>
+              </a:extLst>
+            </p:cNvPr>
+            <p:cNvGrpSpPr/>
+            <p:nvPr/>
+          </p:nvGrpSpPr>
+          <p:grpSpPr>
+            <a:xfrm>
+              <a:off x="6515645" y="3611127"/>
+              <a:ext cx="1660617" cy="802831"/>
+              <a:chOff x="6515645" y="3611127"/>
+              <a:chExt cx="1660617" cy="802831"/>
+            </a:xfrm>
+          </p:grpSpPr>
+          <p:sp>
+            <p:nvSpPr>
+              <p:cNvPr id="87" name="TextBox 86">
+                <a:extLst>
+                  <a:ext uri="{FF2B5EF4-FFF2-40B4-BE49-F238E27FC236}">
+                    <a16:creationId xmlns:a16="http://schemas.microsoft.com/office/drawing/2014/main" id="{9CD13AFA-F53D-0DAD-D988-77CD39CBD336}"/>
+                  </a:ext>
+                </a:extLst>
+              </p:cNvPr>
+              <p:cNvSpPr txBox="1"/>
+              <p:nvPr/>
+            </p:nvSpPr>
+            <p:spPr>
+              <a:xfrm>
+                <a:off x="6515645" y="3611127"/>
+                <a:ext cx="483525" cy="276999"/>
+              </a:xfrm>
+              <a:prstGeom prst="rect">
+                <a:avLst/>
+              </a:prstGeom>
+              <a:noFill/>
+            </p:spPr>
+            <p:txBody>
+              <a:bodyPr wrap="square" rtlCol="0">
+                <a:spAutoFit/>
+              </a:bodyPr>
+              <a:lstStyle/>
+              <a:p>
+                <a:pPr algn="ctr"/>
+                <a:r>
+                  <a:rPr lang="en-US" altLang="ko-KR" sz="1200" dirty="0">
+                    <a:solidFill>
+                      <a:schemeClr val="tx1">
+                        <a:lumMod val="50000"/>
+                        <a:lumOff val="50000"/>
+                      </a:schemeClr>
+                    </a:solidFill>
+                  </a:rPr>
+                  <a:t>10m</a:t>
+                </a:r>
+                <a:endParaRPr lang="ko-KR" altLang="en-US" sz="1200" dirty="0">
+                  <a:solidFill>
+                    <a:schemeClr val="tx1">
+                      <a:lumMod val="50000"/>
+                      <a:lumOff val="50000"/>
+                    </a:schemeClr>
+                  </a:solidFill>
+                </a:endParaRPr>
+              </a:p>
+            </p:txBody>
+          </p:sp>
+          <p:cxnSp>
+            <p:nvCxnSpPr>
+              <p:cNvPr id="88" name="직선 연결선 87">
+                <a:extLst>
+                  <a:ext uri="{FF2B5EF4-FFF2-40B4-BE49-F238E27FC236}">
+                    <a16:creationId xmlns:a16="http://schemas.microsoft.com/office/drawing/2014/main" id="{C642B466-8DB0-A7D5-9990-B1985ADD13C0}"/>
+                  </a:ext>
+                </a:extLst>
+              </p:cNvPr>
+              <p:cNvCxnSpPr>
+                <a:cxnSpLocks/>
+              </p:cNvCxnSpPr>
+              <p:nvPr/>
+            </p:nvCxnSpPr>
+            <p:spPr>
+              <a:xfrm flipH="1" flipV="1">
+                <a:off x="6748699" y="3973803"/>
+                <a:ext cx="4952" cy="440155"/>
+              </a:xfrm>
+              <a:prstGeom prst="line">
+                <a:avLst/>
+              </a:prstGeom>
+              <a:ln>
+                <a:solidFill>
+                  <a:schemeClr val="bg1">
+                    <a:lumMod val="50000"/>
+                  </a:schemeClr>
+                </a:solidFill>
+                <a:prstDash val="dash"/>
+              </a:ln>
+            </p:spPr>
+            <p:style>
+              <a:lnRef idx="1">
+                <a:schemeClr val="accent1"/>
+              </a:lnRef>
+              <a:fillRef idx="0">
+                <a:schemeClr val="accent1"/>
+              </a:fillRef>
+              <a:effectRef idx="0">
+                <a:schemeClr val="accent1"/>
+              </a:effectRef>
+              <a:fontRef idx="minor">
+                <a:schemeClr val="tx1"/>
+              </a:fontRef>
+            </p:style>
+          </p:cxnSp>
+          <p:sp>
+            <p:nvSpPr>
+              <p:cNvPr id="89" name="TextBox 88">
+                <a:extLst>
+                  <a:ext uri="{FF2B5EF4-FFF2-40B4-BE49-F238E27FC236}">
+                    <a16:creationId xmlns:a16="http://schemas.microsoft.com/office/drawing/2014/main" id="{75FF3EDB-A1D7-BF15-2469-3DD90D44EBBD}"/>
+                  </a:ext>
+                </a:extLst>
+              </p:cNvPr>
+              <p:cNvSpPr txBox="1"/>
+              <p:nvPr/>
+            </p:nvSpPr>
+            <p:spPr>
+              <a:xfrm>
+                <a:off x="7692737" y="3616691"/>
+                <a:ext cx="483525" cy="276999"/>
+              </a:xfrm>
+              <a:prstGeom prst="rect">
+                <a:avLst/>
+              </a:prstGeom>
+              <a:noFill/>
+            </p:spPr>
+            <p:txBody>
+              <a:bodyPr wrap="square" rtlCol="0">
+                <a:spAutoFit/>
+              </a:bodyPr>
+              <a:lstStyle/>
+              <a:p>
+                <a:pPr algn="ctr"/>
+                <a:r>
+                  <a:rPr lang="en-US" altLang="ko-KR" sz="1200" dirty="0">
+                    <a:solidFill>
+                      <a:schemeClr val="tx1">
+                        <a:lumMod val="50000"/>
+                        <a:lumOff val="50000"/>
+                      </a:schemeClr>
+                    </a:solidFill>
+                  </a:rPr>
+                  <a:t>14m</a:t>
+                </a:r>
+                <a:endParaRPr lang="ko-KR" altLang="en-US" sz="1200" dirty="0">
+                  <a:solidFill>
+                    <a:schemeClr val="tx1">
+                      <a:lumMod val="50000"/>
+                      <a:lumOff val="50000"/>
+                    </a:schemeClr>
+                  </a:solidFill>
+                </a:endParaRPr>
+              </a:p>
+            </p:txBody>
+          </p:sp>
+          <p:cxnSp>
+            <p:nvCxnSpPr>
+              <p:cNvPr id="90" name="직선 연결선 89">
+                <a:extLst>
+                  <a:ext uri="{FF2B5EF4-FFF2-40B4-BE49-F238E27FC236}">
+                    <a16:creationId xmlns:a16="http://schemas.microsoft.com/office/drawing/2014/main" id="{5328826C-1D75-FD9B-EAC2-D0ECAB1AA252}"/>
+                  </a:ext>
+                </a:extLst>
+              </p:cNvPr>
+              <p:cNvCxnSpPr>
+                <a:cxnSpLocks/>
+              </p:cNvCxnSpPr>
+              <p:nvPr/>
+            </p:nvCxnSpPr>
+            <p:spPr>
+              <a:xfrm flipH="1" flipV="1">
+                <a:off x="7942290" y="3963338"/>
+                <a:ext cx="4952" cy="440155"/>
+              </a:xfrm>
+              <a:prstGeom prst="line">
+                <a:avLst/>
+              </a:prstGeom>
+              <a:ln>
+                <a:solidFill>
+                  <a:schemeClr val="bg1">
+                    <a:lumMod val="50000"/>
+                  </a:schemeClr>
+                </a:solidFill>
+                <a:prstDash val="dash"/>
+              </a:ln>
+            </p:spPr>
+            <p:style>
+              <a:lnRef idx="1">
+                <a:schemeClr val="accent1"/>
+              </a:lnRef>
+              <a:fillRef idx="0">
+                <a:schemeClr val="accent1"/>
+              </a:fillRef>
+              <a:effectRef idx="0">
+                <a:schemeClr val="accent1"/>
+              </a:effectRef>
+              <a:fontRef idx="minor">
+                <a:schemeClr val="tx1"/>
+              </a:fontRef>
+            </p:style>
+          </p:cxnSp>
+        </p:grpSp>
+      </p:grpSp>
+      <p:grpSp>
+        <p:nvGrpSpPr>
+          <p:cNvPr id="3" name="그룹 2">
+            <a:extLst>
+              <a:ext uri="{FF2B5EF4-FFF2-40B4-BE49-F238E27FC236}">
+                <a16:creationId xmlns:a16="http://schemas.microsoft.com/office/drawing/2014/main" id="{C8DCC4D3-C7B6-0380-321F-F7B56FEF59C0}"/>
+              </a:ext>
+            </a:extLst>
+          </p:cNvPr>
+          <p:cNvGrpSpPr/>
+          <p:nvPr/>
+        </p:nvGrpSpPr>
+        <p:grpSpPr>
+          <a:xfrm>
+            <a:off x="86616" y="6279591"/>
+            <a:ext cx="1927087" cy="563462"/>
+            <a:chOff x="86616" y="6279591"/>
+            <a:chExt cx="1927087" cy="563462"/>
+          </a:xfrm>
+        </p:grpSpPr>
+        <p:cxnSp>
+          <p:nvCxnSpPr>
+            <p:cNvPr id="92" name="직선 화살표 연결선 91">
+              <a:extLst>
+                <a:ext uri="{FF2B5EF4-FFF2-40B4-BE49-F238E27FC236}">
+                  <a16:creationId xmlns:a16="http://schemas.microsoft.com/office/drawing/2014/main" id="{7C64EACD-E09B-07B6-1F0C-E5CB94839A22}"/>
+                </a:ext>
+              </a:extLst>
+            </p:cNvPr>
+            <p:cNvCxnSpPr>
+              <a:cxnSpLocks/>
+            </p:cNvCxnSpPr>
+            <p:nvPr/>
+          </p:nvCxnSpPr>
+          <p:spPr>
+            <a:xfrm>
+              <a:off x="438524" y="6420220"/>
+              <a:ext cx="0" cy="422833"/>
+            </a:xfrm>
+            <a:prstGeom prst="straightConnector1">
+              <a:avLst/>
+            </a:prstGeom>
+            <a:ln w="12700">
+              <a:solidFill>
+                <a:srgbClr val="FFFFFF"/>
+              </a:solidFill>
+              <a:headEnd type="none" w="med" len="med"/>
+              <a:tailEnd type="arrow" w="med" len="med"/>
+            </a:ln>
+            <a:effectLst>
+              <a:glow rad="101600">
+                <a:schemeClr val="accent5">
+                  <a:satMod val="175000"/>
+                  <a:alpha val="40000"/>
+                </a:schemeClr>
+              </a:glow>
+            </a:effectLst>
+          </p:spPr>
+          <p:style>
+            <a:lnRef idx="1">
+              <a:schemeClr val="accent1"/>
+            </a:lnRef>
+            <a:fillRef idx="0">
+              <a:schemeClr val="accent1"/>
+            </a:fillRef>
+            <a:effectRef idx="0">
+              <a:schemeClr val="accent1"/>
+            </a:effectRef>
+            <a:fontRef idx="minor"/>
+          </p:style>
+        </p:cxnSp>
+        <p:grpSp>
+          <p:nvGrpSpPr>
+            <p:cNvPr id="94" name="그룹 93">
+              <a:extLst>
+                <a:ext uri="{FF2B5EF4-FFF2-40B4-BE49-F238E27FC236}">
+                  <a16:creationId xmlns:a16="http://schemas.microsoft.com/office/drawing/2014/main" id="{505A1D5A-1BAF-1A07-4C4A-D8FE5BA4F693}"/>
+                </a:ext>
+              </a:extLst>
+            </p:cNvPr>
+            <p:cNvGrpSpPr/>
+            <p:nvPr/>
+          </p:nvGrpSpPr>
+          <p:grpSpPr>
+            <a:xfrm>
+              <a:off x="86616" y="6279591"/>
+              <a:ext cx="335093" cy="253916"/>
+              <a:chOff x="6312143" y="4301132"/>
+              <a:chExt cx="335093" cy="253916"/>
+            </a:xfrm>
+          </p:grpSpPr>
+          <p:sp>
+            <p:nvSpPr>
+              <p:cNvPr id="95" name="타원 366">
+                <a:extLst>
+                  <a:ext uri="{FF2B5EF4-FFF2-40B4-BE49-F238E27FC236}">
+                    <a16:creationId xmlns:a16="http://schemas.microsoft.com/office/drawing/2014/main" id="{6EC2B4A6-8341-AED1-95EC-597EE00B203B}"/>
+                  </a:ext>
+                </a:extLst>
+              </p:cNvPr>
+              <p:cNvSpPr/>
+              <p:nvPr/>
+            </p:nvSpPr>
+            <p:spPr>
+              <a:xfrm>
+                <a:off x="6368527" y="4327297"/>
+                <a:ext cx="224671" cy="224671"/>
+              </a:xfrm>
+              <a:prstGeom prst="ellipse">
+                <a:avLst/>
+              </a:prstGeom>
+              <a:solidFill>
+                <a:srgbClr val="C00000"/>
+              </a:solidFill>
+              <a:ln>
+                <a:solidFill>
+                  <a:srgbClr val="000000"/>
+                </a:solidFill>
+              </a:ln>
+            </p:spPr>
+            <p:style>
+              <a:lnRef idx="2">
+                <a:schemeClr val="accent1">
+                  <a:shade val="50000"/>
+                </a:schemeClr>
+              </a:lnRef>
+              <a:fillRef idx="1">
+                <a:schemeClr val="accent1"/>
+              </a:fillRef>
+              <a:effectRef idx="0">
+                <a:schemeClr val="accent1"/>
+              </a:effectRef>
+              <a:fontRef idx="minor"/>
+            </p:style>
+            <p:txBody>
+              <a:bodyPr lIns="90000" tIns="45000" rIns="90000" bIns="45000" anchor="ctr">
+                <a:noAutofit/>
+              </a:bodyPr>
+              <a:lstStyle/>
+              <a:p>
+                <a:pPr algn="ctr">
+                  <a:lnSpc>
+                    <a:spcPct val="100000"/>
+                  </a:lnSpc>
+                  <a:buNone/>
+                </a:pPr>
+                <a:endParaRPr lang="en-US" sz="1200" b="0" strike="noStrike" spc="-1" dirty="0">
+                  <a:latin typeface="Arial"/>
+                </a:endParaRPr>
+              </a:p>
+            </p:txBody>
+          </p:sp>
+          <p:sp>
+            <p:nvSpPr>
+              <p:cNvPr id="96" name="TextBox 95">
+                <a:extLst>
+                  <a:ext uri="{FF2B5EF4-FFF2-40B4-BE49-F238E27FC236}">
+                    <a16:creationId xmlns:a16="http://schemas.microsoft.com/office/drawing/2014/main" id="{D6D66EFE-8D86-5825-C060-5824D3148D76}"/>
+                  </a:ext>
+                </a:extLst>
+              </p:cNvPr>
+              <p:cNvSpPr txBox="1"/>
+              <p:nvPr/>
+            </p:nvSpPr>
+            <p:spPr>
+              <a:xfrm>
+                <a:off x="6312143" y="4301132"/>
+                <a:ext cx="335093" cy="253916"/>
+              </a:xfrm>
+              <a:prstGeom prst="rect">
+                <a:avLst/>
+              </a:prstGeom>
+            </p:spPr>
+            <p:txBody>
+              <a:bodyPr wrap="none" rtlCol="0">
+                <a:spAutoFit/>
+              </a:bodyPr>
+              <a:lstStyle/>
+              <a:p>
+                <a:pPr algn="ctr"/>
+                <a:r>
+                  <a:rPr lang="en-US" altLang="ko-KR" sz="1050" spc="-1" dirty="0">
+                    <a:solidFill>
+                      <a:srgbClr val="FFFFFF"/>
+                    </a:solidFill>
+                    <a:latin typeface="Arial"/>
+                  </a:rPr>
+                  <a:t>25</a:t>
+                </a:r>
+                <a:endParaRPr lang="ko-KR" altLang="en-US" sz="1050" spc="-1" dirty="0">
+                  <a:solidFill>
+                    <a:srgbClr val="FFFFFF"/>
+                  </a:solidFill>
+                  <a:latin typeface="Arial"/>
+                </a:endParaRPr>
+              </a:p>
+            </p:txBody>
+          </p:sp>
+        </p:grpSp>
+        <p:sp>
+          <p:nvSpPr>
+            <p:cNvPr id="97" name="TextBox 96">
+              <a:extLst>
+                <a:ext uri="{FF2B5EF4-FFF2-40B4-BE49-F238E27FC236}">
+                  <a16:creationId xmlns:a16="http://schemas.microsoft.com/office/drawing/2014/main" id="{E4BC98C4-63B4-8C2C-4080-41A9BA8F1056}"/>
+                </a:ext>
+              </a:extLst>
+            </p:cNvPr>
+            <p:cNvSpPr txBox="1"/>
+            <p:nvPr/>
+          </p:nvSpPr>
+          <p:spPr>
+            <a:xfrm>
+              <a:off x="566397" y="6481081"/>
+              <a:ext cx="1447306" cy="253916"/>
+            </a:xfrm>
+            <a:prstGeom prst="rect">
+              <a:avLst/>
+            </a:prstGeom>
+            <a:noFill/>
+          </p:spPr>
+          <p:txBody>
+            <a:bodyPr wrap="square" rtlCol="0">
+              <a:spAutoFit/>
+            </a:bodyPr>
+            <a:lstStyle/>
+            <a:p>
+              <a:r>
+                <a:rPr lang="ko-KR" altLang="en-US" sz="1050" dirty="0">
+                  <a:solidFill>
+                    <a:schemeClr val="tx1">
+                      <a:lumMod val="50000"/>
+                      <a:lumOff val="50000"/>
+                    </a:schemeClr>
+                  </a:solidFill>
+                </a:rPr>
+                <a:t>레이저</a:t>
+              </a:r>
+            </a:p>
+          </p:txBody>
+        </p:sp>
+      </p:grpSp>
+      <p:grpSp>
+        <p:nvGrpSpPr>
+          <p:cNvPr id="20" name="그룹 19">
+            <a:extLst>
+              <a:ext uri="{FF2B5EF4-FFF2-40B4-BE49-F238E27FC236}">
+                <a16:creationId xmlns:a16="http://schemas.microsoft.com/office/drawing/2014/main" id="{CBADEFF9-2788-6103-F476-AAEB58FB654D}"/>
+              </a:ext>
+            </a:extLst>
+          </p:cNvPr>
+          <p:cNvGrpSpPr/>
+          <p:nvPr/>
+        </p:nvGrpSpPr>
+        <p:grpSpPr>
+          <a:xfrm>
+            <a:off x="6833207" y="5351861"/>
+            <a:ext cx="341830" cy="1034994"/>
+            <a:chOff x="6833207" y="5412819"/>
+            <a:chExt cx="341830" cy="1034994"/>
+          </a:xfrm>
+        </p:grpSpPr>
+        <p:cxnSp>
+          <p:nvCxnSpPr>
+            <p:cNvPr id="98" name="직선 화살표 연결선 97">
+              <a:extLst>
+                <a:ext uri="{FF2B5EF4-FFF2-40B4-BE49-F238E27FC236}">
+                  <a16:creationId xmlns:a16="http://schemas.microsoft.com/office/drawing/2014/main" id="{D111DAC7-F15B-1426-6D73-4CAC5C979790}"/>
+                </a:ext>
+              </a:extLst>
+            </p:cNvPr>
+            <p:cNvCxnSpPr>
+              <a:cxnSpLocks/>
+            </p:cNvCxnSpPr>
+            <p:nvPr/>
+          </p:nvCxnSpPr>
+          <p:spPr>
+            <a:xfrm>
+              <a:off x="6833207" y="5412819"/>
+              <a:ext cx="341830" cy="0"/>
+            </a:xfrm>
+            <a:prstGeom prst="straightConnector1">
+              <a:avLst/>
+            </a:prstGeom>
+            <a:ln w="12700">
+              <a:solidFill>
+                <a:srgbClr val="FFFFFF"/>
+              </a:solidFill>
+              <a:headEnd type="none" w="med" len="med"/>
+              <a:tailEnd type="arrow" w="med" len="med"/>
+            </a:ln>
+            <a:effectLst>
+              <a:glow rad="101600">
+                <a:schemeClr val="accent5">
+                  <a:satMod val="175000"/>
+                  <a:alpha val="40000"/>
+                </a:schemeClr>
+              </a:glow>
+            </a:effectLst>
+          </p:spPr>
+          <p:style>
+            <a:lnRef idx="1">
+              <a:schemeClr val="accent1"/>
+            </a:lnRef>
+            <a:fillRef idx="0">
+              <a:schemeClr val="accent1"/>
+            </a:fillRef>
+            <a:effectRef idx="0">
+              <a:schemeClr val="accent1"/>
+            </a:effectRef>
+            <a:fontRef idx="minor"/>
+          </p:style>
+        </p:cxnSp>
+        <p:cxnSp>
+          <p:nvCxnSpPr>
+            <p:cNvPr id="101" name="직선 화살표 연결선 100">
+              <a:extLst>
+                <a:ext uri="{FF2B5EF4-FFF2-40B4-BE49-F238E27FC236}">
+                  <a16:creationId xmlns:a16="http://schemas.microsoft.com/office/drawing/2014/main" id="{3B531AC9-C80B-811A-1C9E-9375FBF243EE}"/>
+                </a:ext>
+              </a:extLst>
+            </p:cNvPr>
+            <p:cNvCxnSpPr>
+              <a:cxnSpLocks/>
+            </p:cNvCxnSpPr>
+            <p:nvPr/>
+          </p:nvCxnSpPr>
+          <p:spPr>
+            <a:xfrm>
+              <a:off x="6833207" y="5757817"/>
+              <a:ext cx="341830" cy="0"/>
+            </a:xfrm>
+            <a:prstGeom prst="straightConnector1">
+              <a:avLst/>
+            </a:prstGeom>
+            <a:ln w="12700">
+              <a:solidFill>
+                <a:srgbClr val="FFFFFF"/>
+              </a:solidFill>
+              <a:headEnd type="none" w="med" len="med"/>
+              <a:tailEnd type="arrow" w="med" len="med"/>
+            </a:ln>
+            <a:effectLst>
+              <a:glow rad="101600">
+                <a:schemeClr val="accent5">
+                  <a:satMod val="175000"/>
+                  <a:alpha val="40000"/>
+                </a:schemeClr>
+              </a:glow>
+            </a:effectLst>
+          </p:spPr>
+          <p:style>
+            <a:lnRef idx="1">
+              <a:schemeClr val="accent1"/>
+            </a:lnRef>
+            <a:fillRef idx="0">
+              <a:schemeClr val="accent1"/>
+            </a:fillRef>
+            <a:effectRef idx="0">
+              <a:schemeClr val="accent1"/>
+            </a:effectRef>
+            <a:fontRef idx="minor"/>
+          </p:style>
+        </p:cxnSp>
+        <p:cxnSp>
+          <p:nvCxnSpPr>
+            <p:cNvPr id="102" name="직선 화살표 연결선 101">
+              <a:extLst>
+                <a:ext uri="{FF2B5EF4-FFF2-40B4-BE49-F238E27FC236}">
+                  <a16:creationId xmlns:a16="http://schemas.microsoft.com/office/drawing/2014/main" id="{6D0F6260-E4C4-F4DE-D20C-017DA548F31B}"/>
+                </a:ext>
+              </a:extLst>
+            </p:cNvPr>
+            <p:cNvCxnSpPr>
+              <a:cxnSpLocks/>
+            </p:cNvCxnSpPr>
+            <p:nvPr/>
+          </p:nvCxnSpPr>
+          <p:spPr>
+            <a:xfrm>
+              <a:off x="6833207" y="6102815"/>
+              <a:ext cx="341830" cy="0"/>
+            </a:xfrm>
+            <a:prstGeom prst="straightConnector1">
+              <a:avLst/>
+            </a:prstGeom>
+            <a:ln w="12700">
+              <a:solidFill>
+                <a:srgbClr val="FFFFFF"/>
+              </a:solidFill>
+              <a:headEnd type="none" w="med" len="med"/>
+              <a:tailEnd type="arrow" w="med" len="med"/>
+            </a:ln>
+            <a:effectLst>
+              <a:glow rad="101600">
+                <a:schemeClr val="accent5">
+                  <a:satMod val="175000"/>
+                  <a:alpha val="40000"/>
+                </a:schemeClr>
+              </a:glow>
+            </a:effectLst>
+          </p:spPr>
+          <p:style>
+            <a:lnRef idx="1">
+              <a:schemeClr val="accent1"/>
+            </a:lnRef>
+            <a:fillRef idx="0">
+              <a:schemeClr val="accent1"/>
+            </a:fillRef>
+            <a:effectRef idx="0">
+              <a:schemeClr val="accent1"/>
+            </a:effectRef>
+            <a:fontRef idx="minor"/>
+          </p:style>
+        </p:cxnSp>
+        <p:cxnSp>
+          <p:nvCxnSpPr>
+            <p:cNvPr id="103" name="직선 화살표 연결선 102">
+              <a:extLst>
+                <a:ext uri="{FF2B5EF4-FFF2-40B4-BE49-F238E27FC236}">
+                  <a16:creationId xmlns:a16="http://schemas.microsoft.com/office/drawing/2014/main" id="{3FF0AF14-CDE3-0009-565A-9CA29F2C3C2D}"/>
+                </a:ext>
+              </a:extLst>
+            </p:cNvPr>
+            <p:cNvCxnSpPr>
+              <a:cxnSpLocks/>
+            </p:cNvCxnSpPr>
+            <p:nvPr/>
+          </p:nvCxnSpPr>
+          <p:spPr>
+            <a:xfrm>
+              <a:off x="6833207" y="6447813"/>
+              <a:ext cx="341830" cy="0"/>
+            </a:xfrm>
+            <a:prstGeom prst="straightConnector1">
+              <a:avLst/>
+            </a:prstGeom>
+            <a:ln w="12700">
+              <a:solidFill>
+                <a:srgbClr val="FFFFFF"/>
+              </a:solidFill>
+              <a:headEnd type="none" w="med" len="med"/>
+              <a:tailEnd type="arrow" w="med" len="med"/>
+            </a:ln>
+            <a:effectLst>
+              <a:glow rad="101600">
+                <a:schemeClr val="accent5">
+                  <a:satMod val="175000"/>
+                  <a:alpha val="40000"/>
+                </a:schemeClr>
+              </a:glow>
+            </a:effectLst>
+          </p:spPr>
+          <p:style>
+            <a:lnRef idx="1">
+              <a:schemeClr val="accent1"/>
+            </a:lnRef>
+            <a:fillRef idx="0">
+              <a:schemeClr val="accent1"/>
+            </a:fillRef>
+            <a:effectRef idx="0">
+              <a:schemeClr val="accent1"/>
+            </a:effectRef>
+            <a:fontRef idx="minor"/>
+          </p:style>
+        </p:cxnSp>
+      </p:grpSp>
+      <p:grpSp>
+        <p:nvGrpSpPr>
+          <p:cNvPr id="22" name="그룹 21">
+            <a:extLst>
+              <a:ext uri="{FF2B5EF4-FFF2-40B4-BE49-F238E27FC236}">
+                <a16:creationId xmlns:a16="http://schemas.microsoft.com/office/drawing/2014/main" id="{76F63561-0F00-6836-0DAB-A83AE7AD55E6}"/>
+              </a:ext>
+            </a:extLst>
+          </p:cNvPr>
+          <p:cNvGrpSpPr/>
+          <p:nvPr/>
+        </p:nvGrpSpPr>
+        <p:grpSpPr>
+          <a:xfrm>
+            <a:off x="5822403" y="5045475"/>
+            <a:ext cx="968807" cy="276999"/>
+            <a:chOff x="5822403" y="4993221"/>
+            <a:chExt cx="968807" cy="276999"/>
+          </a:xfrm>
+        </p:grpSpPr>
+        <p:sp>
+          <p:nvSpPr>
+            <p:cNvPr id="110" name="TextBox 109">
+              <a:extLst>
+                <a:ext uri="{FF2B5EF4-FFF2-40B4-BE49-F238E27FC236}">
+                  <a16:creationId xmlns:a16="http://schemas.microsoft.com/office/drawing/2014/main" id="{3616E4AF-62D7-0885-752E-B05381A8102B}"/>
+                </a:ext>
+              </a:extLst>
+            </p:cNvPr>
+            <p:cNvSpPr txBox="1"/>
+            <p:nvPr/>
+          </p:nvSpPr>
+          <p:spPr>
+            <a:xfrm>
+              <a:off x="5822403" y="4993221"/>
+              <a:ext cx="483525" cy="276999"/>
+            </a:xfrm>
+            <a:prstGeom prst="rect">
+              <a:avLst/>
+            </a:prstGeom>
+            <a:noFill/>
+          </p:spPr>
+          <p:txBody>
+            <a:bodyPr wrap="square" rtlCol="0">
+              <a:spAutoFit/>
+            </a:bodyPr>
+            <a:lstStyle/>
+            <a:p>
+              <a:pPr algn="ctr"/>
+              <a:r>
+                <a:rPr lang="en-US" altLang="ko-KR" sz="1200" dirty="0">
+                  <a:solidFill>
+                    <a:schemeClr val="bg2">
+                      <a:lumMod val="90000"/>
+                    </a:schemeClr>
+                  </a:solidFill>
+                </a:rPr>
+                <a:t>0m</a:t>
+              </a:r>
+              <a:endParaRPr lang="ko-KR" altLang="en-US" sz="1200" dirty="0">
+                <a:solidFill>
+                  <a:schemeClr val="bg2">
+                    <a:lumMod val="90000"/>
+                  </a:schemeClr>
+                </a:solidFill>
+              </a:endParaRPr>
+            </a:p>
+          </p:txBody>
+        </p:sp>
+        <p:cxnSp>
+          <p:nvCxnSpPr>
+            <p:cNvPr id="112" name="직선 연결선 111">
+              <a:extLst>
+                <a:ext uri="{FF2B5EF4-FFF2-40B4-BE49-F238E27FC236}">
+                  <a16:creationId xmlns:a16="http://schemas.microsoft.com/office/drawing/2014/main" id="{F85D4794-AFB5-6D60-ABFA-DAB2E39D08D3}"/>
+                </a:ext>
+              </a:extLst>
+            </p:cNvPr>
+            <p:cNvCxnSpPr>
+              <a:cxnSpLocks/>
+            </p:cNvCxnSpPr>
+            <p:nvPr/>
+          </p:nvCxnSpPr>
+          <p:spPr>
+            <a:xfrm>
+              <a:off x="6291698" y="5147037"/>
+              <a:ext cx="499512" cy="0"/>
+            </a:xfrm>
+            <a:prstGeom prst="line">
+              <a:avLst/>
+            </a:prstGeom>
+            <a:ln>
+              <a:solidFill>
+                <a:schemeClr val="bg1">
+                  <a:lumMod val="50000"/>
+                </a:schemeClr>
+              </a:solidFill>
+              <a:prstDash val="dash"/>
+            </a:ln>
+          </p:spPr>
+          <p:style>
+            <a:lnRef idx="1">
+              <a:schemeClr val="accent1"/>
+            </a:lnRef>
+            <a:fillRef idx="0">
+              <a:schemeClr val="accent1"/>
+            </a:fillRef>
+            <a:effectRef idx="0">
+              <a:schemeClr val="accent1"/>
+            </a:effectRef>
+            <a:fontRef idx="minor">
+              <a:schemeClr val="tx1"/>
+            </a:fontRef>
+          </p:style>
+        </p:cxnSp>
+      </p:grpSp>
+      <p:grpSp>
+        <p:nvGrpSpPr>
+          <p:cNvPr id="23" name="그룹 22">
+            <a:extLst>
+              <a:ext uri="{FF2B5EF4-FFF2-40B4-BE49-F238E27FC236}">
+                <a16:creationId xmlns:a16="http://schemas.microsoft.com/office/drawing/2014/main" id="{26F68F68-1067-7EED-208A-ED0AB29E403A}"/>
+              </a:ext>
+            </a:extLst>
+          </p:cNvPr>
+          <p:cNvGrpSpPr/>
+          <p:nvPr/>
+        </p:nvGrpSpPr>
+        <p:grpSpPr>
+          <a:xfrm>
+            <a:off x="5779876" y="6365058"/>
+            <a:ext cx="1028031" cy="276999"/>
+            <a:chOff x="5779876" y="6312804"/>
+            <a:chExt cx="1028031" cy="276999"/>
+          </a:xfrm>
+        </p:grpSpPr>
+        <p:cxnSp>
+          <p:nvCxnSpPr>
+            <p:cNvPr id="113" name="직선 연결선 112">
+              <a:extLst>
+                <a:ext uri="{FF2B5EF4-FFF2-40B4-BE49-F238E27FC236}">
+                  <a16:creationId xmlns:a16="http://schemas.microsoft.com/office/drawing/2014/main" id="{1D06D32D-3268-B0A6-4A45-A3FF539B0F9A}"/>
+                </a:ext>
+              </a:extLst>
+            </p:cNvPr>
+            <p:cNvCxnSpPr>
+              <a:cxnSpLocks/>
+            </p:cNvCxnSpPr>
+            <p:nvPr/>
+          </p:nvCxnSpPr>
+          <p:spPr>
+            <a:xfrm>
+              <a:off x="6308395" y="6461393"/>
+              <a:ext cx="499512" cy="0"/>
+            </a:xfrm>
+            <a:prstGeom prst="line">
+              <a:avLst/>
+            </a:prstGeom>
+            <a:ln>
+              <a:solidFill>
+                <a:schemeClr val="bg1">
+                  <a:lumMod val="50000"/>
+                </a:schemeClr>
+              </a:solidFill>
+              <a:prstDash val="dash"/>
+            </a:ln>
+          </p:spPr>
+          <p:style>
+            <a:lnRef idx="1">
+              <a:schemeClr val="accent1"/>
+            </a:lnRef>
+            <a:fillRef idx="0">
+              <a:schemeClr val="accent1"/>
+            </a:fillRef>
+            <a:effectRef idx="0">
+              <a:schemeClr val="accent1"/>
+            </a:effectRef>
+            <a:fontRef idx="minor">
+              <a:schemeClr val="tx1"/>
+            </a:fontRef>
+          </p:style>
+        </p:cxnSp>
+        <p:sp>
+          <p:nvSpPr>
+            <p:cNvPr id="114" name="TextBox 113">
+              <a:extLst>
+                <a:ext uri="{FF2B5EF4-FFF2-40B4-BE49-F238E27FC236}">
+                  <a16:creationId xmlns:a16="http://schemas.microsoft.com/office/drawing/2014/main" id="{2C46667F-940D-7057-77DF-92A9E447B2EA}"/>
+                </a:ext>
+              </a:extLst>
+            </p:cNvPr>
+            <p:cNvSpPr txBox="1"/>
+            <p:nvPr/>
+          </p:nvSpPr>
+          <p:spPr>
+            <a:xfrm>
+              <a:off x="5779876" y="6312804"/>
+              <a:ext cx="483525" cy="276999"/>
+            </a:xfrm>
+            <a:prstGeom prst="rect">
+              <a:avLst/>
+            </a:prstGeom>
+            <a:noFill/>
+          </p:spPr>
+          <p:txBody>
+            <a:bodyPr wrap="square" rtlCol="0">
+              <a:spAutoFit/>
+            </a:bodyPr>
+            <a:lstStyle/>
+            <a:p>
+              <a:pPr algn="ctr"/>
+              <a:r>
+                <a:rPr lang="en-US" altLang="ko-KR" sz="1200" dirty="0">
+                  <a:solidFill>
+                    <a:schemeClr val="bg2">
+                      <a:lumMod val="90000"/>
+                    </a:schemeClr>
+                  </a:solidFill>
+                </a:rPr>
+                <a:t>4m</a:t>
+              </a:r>
+              <a:endParaRPr lang="ko-KR" altLang="en-US" sz="1200" dirty="0">
+                <a:solidFill>
+                  <a:schemeClr val="bg2">
+                    <a:lumMod val="90000"/>
+                  </a:schemeClr>
+                </a:solidFill>
+              </a:endParaRPr>
+            </a:p>
+          </p:txBody>
+        </p:sp>
+      </p:grpSp>
+      <p:grpSp>
+        <p:nvGrpSpPr>
+          <p:cNvPr id="115" name="그룹 114">
+            <a:extLst>
+              <a:ext uri="{FF2B5EF4-FFF2-40B4-BE49-F238E27FC236}">
+                <a16:creationId xmlns:a16="http://schemas.microsoft.com/office/drawing/2014/main" id="{D5A03B3D-76F7-D13A-E9EE-27B2603498EE}"/>
+              </a:ext>
+            </a:extLst>
+          </p:cNvPr>
+          <p:cNvGrpSpPr/>
+          <p:nvPr/>
+        </p:nvGrpSpPr>
+        <p:grpSpPr>
+          <a:xfrm>
+            <a:off x="5779877" y="5222170"/>
+            <a:ext cx="1018999" cy="276999"/>
+            <a:chOff x="5772211" y="4993221"/>
+            <a:chExt cx="1018999" cy="276999"/>
+          </a:xfrm>
+        </p:grpSpPr>
+        <p:sp>
+          <p:nvSpPr>
+            <p:cNvPr id="116" name="TextBox 115">
+              <a:extLst>
+                <a:ext uri="{FF2B5EF4-FFF2-40B4-BE49-F238E27FC236}">
+                  <a16:creationId xmlns:a16="http://schemas.microsoft.com/office/drawing/2014/main" id="{13F7AB7B-C57D-7224-CE28-AF7789790D35}"/>
+                </a:ext>
+              </a:extLst>
+            </p:cNvPr>
+            <p:cNvSpPr txBox="1"/>
+            <p:nvPr/>
+          </p:nvSpPr>
+          <p:spPr>
+            <a:xfrm>
+              <a:off x="5772211" y="4993221"/>
+              <a:ext cx="533718" cy="276999"/>
+            </a:xfrm>
+            <a:prstGeom prst="rect">
+              <a:avLst/>
+            </a:prstGeom>
+            <a:noFill/>
+          </p:spPr>
+          <p:txBody>
+            <a:bodyPr wrap="square" rtlCol="0">
+              <a:spAutoFit/>
+            </a:bodyPr>
+            <a:lstStyle/>
+            <a:p>
+              <a:pPr algn="ctr"/>
+              <a:r>
+                <a:rPr lang="en-US" altLang="ko-KR" sz="1200" dirty="0">
+                  <a:solidFill>
+                    <a:schemeClr val="tx1">
+                      <a:lumMod val="50000"/>
+                      <a:lumOff val="50000"/>
+                    </a:schemeClr>
+                  </a:solidFill>
+                </a:rPr>
+                <a:t>0.5m</a:t>
+              </a:r>
+              <a:endParaRPr lang="ko-KR" altLang="en-US" sz="1200" dirty="0">
+                <a:solidFill>
+                  <a:schemeClr val="tx1">
+                    <a:lumMod val="50000"/>
+                    <a:lumOff val="50000"/>
+                  </a:schemeClr>
+                </a:solidFill>
+              </a:endParaRPr>
+            </a:p>
+          </p:txBody>
+        </p:sp>
+        <p:cxnSp>
+          <p:nvCxnSpPr>
+            <p:cNvPr id="117" name="직선 연결선 116">
+              <a:extLst>
+                <a:ext uri="{FF2B5EF4-FFF2-40B4-BE49-F238E27FC236}">
+                  <a16:creationId xmlns:a16="http://schemas.microsoft.com/office/drawing/2014/main" id="{FB65ED98-5234-A5C7-4110-304B005A0A74}"/>
+                </a:ext>
+              </a:extLst>
+            </p:cNvPr>
+            <p:cNvCxnSpPr>
+              <a:cxnSpLocks/>
+            </p:cNvCxnSpPr>
+            <p:nvPr/>
+          </p:nvCxnSpPr>
+          <p:spPr>
+            <a:xfrm>
+              <a:off x="6291698" y="5147037"/>
+              <a:ext cx="499512" cy="0"/>
+            </a:xfrm>
+            <a:prstGeom prst="line">
+              <a:avLst/>
+            </a:prstGeom>
+            <a:ln>
+              <a:solidFill>
+                <a:schemeClr val="bg1">
+                  <a:lumMod val="50000"/>
+                </a:schemeClr>
+              </a:solidFill>
+              <a:prstDash val="dash"/>
+            </a:ln>
+          </p:spPr>
+          <p:style>
+            <a:lnRef idx="1">
+              <a:schemeClr val="accent1"/>
+            </a:lnRef>
+            <a:fillRef idx="0">
+              <a:schemeClr val="accent1"/>
+            </a:fillRef>
+            <a:effectRef idx="0">
+              <a:schemeClr val="accent1"/>
+            </a:effectRef>
+            <a:fontRef idx="minor">
+              <a:schemeClr val="tx1"/>
+            </a:fontRef>
+          </p:style>
+        </p:cxnSp>
+      </p:grpSp>
+      <p:grpSp>
+        <p:nvGrpSpPr>
+          <p:cNvPr id="118" name="그룹 117">
+            <a:extLst>
+              <a:ext uri="{FF2B5EF4-FFF2-40B4-BE49-F238E27FC236}">
+                <a16:creationId xmlns:a16="http://schemas.microsoft.com/office/drawing/2014/main" id="{D8AE94C6-49E5-AE4F-28DE-6FC95A8535C8}"/>
+              </a:ext>
+            </a:extLst>
+          </p:cNvPr>
+          <p:cNvGrpSpPr/>
+          <p:nvPr/>
+        </p:nvGrpSpPr>
+        <p:grpSpPr>
+          <a:xfrm>
+            <a:off x="5789864" y="5545293"/>
+            <a:ext cx="1018999" cy="276999"/>
+            <a:chOff x="5772211" y="4993221"/>
+            <a:chExt cx="1018999" cy="276999"/>
+          </a:xfrm>
+        </p:grpSpPr>
+        <p:sp>
+          <p:nvSpPr>
+            <p:cNvPr id="120" name="TextBox 119">
+              <a:extLst>
+                <a:ext uri="{FF2B5EF4-FFF2-40B4-BE49-F238E27FC236}">
+                  <a16:creationId xmlns:a16="http://schemas.microsoft.com/office/drawing/2014/main" id="{95BC3F57-D7EE-D362-F1D0-3576E5E473F2}"/>
+                </a:ext>
+              </a:extLst>
+            </p:cNvPr>
+            <p:cNvSpPr txBox="1"/>
+            <p:nvPr/>
+          </p:nvSpPr>
+          <p:spPr>
+            <a:xfrm>
+              <a:off x="5772211" y="4993221"/>
+              <a:ext cx="533718" cy="276999"/>
+            </a:xfrm>
+            <a:prstGeom prst="rect">
+              <a:avLst/>
+            </a:prstGeom>
+            <a:noFill/>
+          </p:spPr>
+          <p:txBody>
+            <a:bodyPr wrap="square" rtlCol="0">
+              <a:spAutoFit/>
+            </a:bodyPr>
+            <a:lstStyle/>
+            <a:p>
+              <a:pPr algn="ctr"/>
+              <a:r>
+                <a:rPr lang="en-US" altLang="ko-KR" sz="1200" dirty="0">
+                  <a:solidFill>
+                    <a:schemeClr val="tx1">
+                      <a:lumMod val="50000"/>
+                      <a:lumOff val="50000"/>
+                    </a:schemeClr>
+                  </a:solidFill>
+                </a:rPr>
+                <a:t>1.5m</a:t>
+              </a:r>
+              <a:endParaRPr lang="ko-KR" altLang="en-US" sz="1200" dirty="0">
+                <a:solidFill>
+                  <a:schemeClr val="tx1">
+                    <a:lumMod val="50000"/>
+                    <a:lumOff val="50000"/>
+                  </a:schemeClr>
+                </a:solidFill>
+              </a:endParaRPr>
+            </a:p>
+          </p:txBody>
+        </p:sp>
+        <p:cxnSp>
+          <p:nvCxnSpPr>
+            <p:cNvPr id="121" name="직선 연결선 120">
+              <a:extLst>
+                <a:ext uri="{FF2B5EF4-FFF2-40B4-BE49-F238E27FC236}">
+                  <a16:creationId xmlns:a16="http://schemas.microsoft.com/office/drawing/2014/main" id="{D13CA44A-DBA3-843B-43DC-8568E7A676CD}"/>
+                </a:ext>
+              </a:extLst>
+            </p:cNvPr>
+            <p:cNvCxnSpPr>
+              <a:cxnSpLocks/>
+            </p:cNvCxnSpPr>
+            <p:nvPr/>
+          </p:nvCxnSpPr>
+          <p:spPr>
+            <a:xfrm>
+              <a:off x="6291698" y="5147037"/>
+              <a:ext cx="499512" cy="0"/>
+            </a:xfrm>
+            <a:prstGeom prst="line">
+              <a:avLst/>
+            </a:prstGeom>
+            <a:ln>
+              <a:solidFill>
+                <a:schemeClr val="bg1">
+                  <a:lumMod val="50000"/>
+                </a:schemeClr>
+              </a:solidFill>
+              <a:prstDash val="dash"/>
+            </a:ln>
+          </p:spPr>
+          <p:style>
+            <a:lnRef idx="1">
+              <a:schemeClr val="accent1"/>
+            </a:lnRef>
+            <a:fillRef idx="0">
+              <a:schemeClr val="accent1"/>
+            </a:fillRef>
+            <a:effectRef idx="0">
+              <a:schemeClr val="accent1"/>
+            </a:effectRef>
+            <a:fontRef idx="minor">
+              <a:schemeClr val="tx1"/>
+            </a:fontRef>
+          </p:style>
+        </p:cxnSp>
+      </p:grpSp>
+      <p:grpSp>
+        <p:nvGrpSpPr>
+          <p:cNvPr id="127" name="그룹 126">
+            <a:extLst>
+              <a:ext uri="{FF2B5EF4-FFF2-40B4-BE49-F238E27FC236}">
+                <a16:creationId xmlns:a16="http://schemas.microsoft.com/office/drawing/2014/main" id="{C1077A87-EB91-8B84-5251-956A89F785C9}"/>
+              </a:ext>
+            </a:extLst>
+          </p:cNvPr>
+          <p:cNvGrpSpPr/>
+          <p:nvPr/>
+        </p:nvGrpSpPr>
+        <p:grpSpPr>
+          <a:xfrm>
+            <a:off x="5779877" y="5903357"/>
+            <a:ext cx="1018999" cy="276999"/>
+            <a:chOff x="5772211" y="4993221"/>
+            <a:chExt cx="1018999" cy="276999"/>
+          </a:xfrm>
+        </p:grpSpPr>
+        <p:sp>
+          <p:nvSpPr>
+            <p:cNvPr id="128" name="TextBox 127">
+              <a:extLst>
+                <a:ext uri="{FF2B5EF4-FFF2-40B4-BE49-F238E27FC236}">
+                  <a16:creationId xmlns:a16="http://schemas.microsoft.com/office/drawing/2014/main" id="{F8CCE551-A5FF-2232-758F-CC5793059521}"/>
+                </a:ext>
+              </a:extLst>
+            </p:cNvPr>
+            <p:cNvSpPr txBox="1"/>
+            <p:nvPr/>
+          </p:nvSpPr>
+          <p:spPr>
+            <a:xfrm>
+              <a:off x="5772211" y="4993221"/>
+              <a:ext cx="533718" cy="276999"/>
+            </a:xfrm>
+            <a:prstGeom prst="rect">
+              <a:avLst/>
+            </a:prstGeom>
+            <a:noFill/>
+          </p:spPr>
+          <p:txBody>
+            <a:bodyPr wrap="square" rtlCol="0">
+              <a:spAutoFit/>
+            </a:bodyPr>
+            <a:lstStyle/>
+            <a:p>
+              <a:pPr algn="ctr"/>
+              <a:r>
+                <a:rPr lang="en-US" altLang="ko-KR" sz="1200" dirty="0">
+                  <a:solidFill>
+                    <a:schemeClr val="tx1">
+                      <a:lumMod val="50000"/>
+                      <a:lumOff val="50000"/>
+                    </a:schemeClr>
+                  </a:solidFill>
+                </a:rPr>
+                <a:t>2.5m</a:t>
+              </a:r>
+              <a:endParaRPr lang="ko-KR" altLang="en-US" sz="1200" dirty="0">
+                <a:solidFill>
+                  <a:schemeClr val="tx1">
+                    <a:lumMod val="50000"/>
+                    <a:lumOff val="50000"/>
+                  </a:schemeClr>
+                </a:solidFill>
+              </a:endParaRPr>
+            </a:p>
+          </p:txBody>
+        </p:sp>
+        <p:cxnSp>
+          <p:nvCxnSpPr>
+            <p:cNvPr id="129" name="직선 연결선 128">
+              <a:extLst>
+                <a:ext uri="{FF2B5EF4-FFF2-40B4-BE49-F238E27FC236}">
+                  <a16:creationId xmlns:a16="http://schemas.microsoft.com/office/drawing/2014/main" id="{B00E2856-29B2-F8D9-E838-AB0B5CC5591A}"/>
+                </a:ext>
+              </a:extLst>
+            </p:cNvPr>
+            <p:cNvCxnSpPr>
+              <a:cxnSpLocks/>
+            </p:cNvCxnSpPr>
+            <p:nvPr/>
+          </p:nvCxnSpPr>
+          <p:spPr>
+            <a:xfrm>
+              <a:off x="6291698" y="5147037"/>
+              <a:ext cx="499512" cy="0"/>
+            </a:xfrm>
+            <a:prstGeom prst="line">
+              <a:avLst/>
+            </a:prstGeom>
+            <a:ln>
+              <a:solidFill>
+                <a:schemeClr val="bg1">
+                  <a:lumMod val="50000"/>
+                </a:schemeClr>
+              </a:solidFill>
+              <a:prstDash val="dash"/>
+            </a:ln>
+          </p:spPr>
+          <p:style>
+            <a:lnRef idx="1">
+              <a:schemeClr val="accent1"/>
+            </a:lnRef>
+            <a:fillRef idx="0">
+              <a:schemeClr val="accent1"/>
+            </a:fillRef>
+            <a:effectRef idx="0">
+              <a:schemeClr val="accent1"/>
+            </a:effectRef>
+            <a:fontRef idx="minor">
+              <a:schemeClr val="tx1"/>
+            </a:fontRef>
+          </p:style>
+        </p:cxnSp>
+      </p:grpSp>
+      <p:grpSp>
+        <p:nvGrpSpPr>
+          <p:cNvPr id="131" name="그룹 130">
+            <a:extLst>
+              <a:ext uri="{FF2B5EF4-FFF2-40B4-BE49-F238E27FC236}">
+                <a16:creationId xmlns:a16="http://schemas.microsoft.com/office/drawing/2014/main" id="{7C96F0AA-3844-CAAA-8DE1-98E253BE025A}"/>
+              </a:ext>
+            </a:extLst>
+          </p:cNvPr>
+          <p:cNvGrpSpPr/>
+          <p:nvPr/>
+        </p:nvGrpSpPr>
+        <p:grpSpPr>
+          <a:xfrm>
+            <a:off x="5772211" y="6216094"/>
+            <a:ext cx="1018999" cy="276999"/>
+            <a:chOff x="5772211" y="4993221"/>
+            <a:chExt cx="1018999" cy="276999"/>
+          </a:xfrm>
+        </p:grpSpPr>
+        <p:sp>
+          <p:nvSpPr>
+            <p:cNvPr id="132" name="TextBox 131">
+              <a:extLst>
+                <a:ext uri="{FF2B5EF4-FFF2-40B4-BE49-F238E27FC236}">
+                  <a16:creationId xmlns:a16="http://schemas.microsoft.com/office/drawing/2014/main" id="{B5BD4AB6-54B6-D876-1513-65F04634A513}"/>
+                </a:ext>
+              </a:extLst>
+            </p:cNvPr>
+            <p:cNvSpPr txBox="1"/>
+            <p:nvPr/>
+          </p:nvSpPr>
+          <p:spPr>
+            <a:xfrm>
+              <a:off x="5772211" y="4993221"/>
+              <a:ext cx="533718" cy="276999"/>
+            </a:xfrm>
+            <a:prstGeom prst="rect">
+              <a:avLst/>
+            </a:prstGeom>
+            <a:noFill/>
+          </p:spPr>
+          <p:txBody>
+            <a:bodyPr wrap="square" rtlCol="0">
+              <a:spAutoFit/>
+            </a:bodyPr>
+            <a:lstStyle/>
+            <a:p>
+              <a:pPr algn="ctr"/>
+              <a:r>
+                <a:rPr lang="en-US" altLang="ko-KR" sz="1200" dirty="0">
+                  <a:solidFill>
+                    <a:schemeClr val="tx1">
+                      <a:lumMod val="50000"/>
+                      <a:lumOff val="50000"/>
+                    </a:schemeClr>
+                  </a:solidFill>
+                </a:rPr>
+                <a:t>3.5m</a:t>
+              </a:r>
+              <a:endParaRPr lang="ko-KR" altLang="en-US" sz="1200" dirty="0">
+                <a:solidFill>
+                  <a:schemeClr val="tx1">
+                    <a:lumMod val="50000"/>
+                    <a:lumOff val="50000"/>
+                  </a:schemeClr>
+                </a:solidFill>
+              </a:endParaRPr>
+            </a:p>
+          </p:txBody>
+        </p:sp>
+        <p:cxnSp>
+          <p:nvCxnSpPr>
+            <p:cNvPr id="133" name="직선 연결선 132">
+              <a:extLst>
+                <a:ext uri="{FF2B5EF4-FFF2-40B4-BE49-F238E27FC236}">
+                  <a16:creationId xmlns:a16="http://schemas.microsoft.com/office/drawing/2014/main" id="{19958725-F1D5-E6CC-6C13-50AFB76D6978}"/>
+                </a:ext>
+              </a:extLst>
+            </p:cNvPr>
+            <p:cNvCxnSpPr>
+              <a:cxnSpLocks/>
+            </p:cNvCxnSpPr>
+            <p:nvPr/>
+          </p:nvCxnSpPr>
+          <p:spPr>
+            <a:xfrm>
+              <a:off x="6291698" y="5147037"/>
+              <a:ext cx="499512" cy="0"/>
+            </a:xfrm>
+            <a:prstGeom prst="line">
+              <a:avLst/>
+            </a:prstGeom>
+            <a:ln>
+              <a:solidFill>
+                <a:schemeClr val="bg1">
+                  <a:lumMod val="50000"/>
+                </a:schemeClr>
+              </a:solidFill>
+              <a:prstDash val="dash"/>
+            </a:ln>
+          </p:spPr>
+          <p:style>
+            <a:lnRef idx="1">
+              <a:schemeClr val="accent1"/>
+            </a:lnRef>
+            <a:fillRef idx="0">
+              <a:schemeClr val="accent1"/>
+            </a:fillRef>
+            <a:effectRef idx="0">
+              <a:schemeClr val="accent1"/>
+            </a:effectRef>
+            <a:fontRef idx="minor">
+              <a:schemeClr val="tx1"/>
+            </a:fontRef>
+          </p:style>
+        </p:cxnSp>
+      </p:grpSp>
+      <p:sp>
+        <p:nvSpPr>
+          <p:cNvPr id="104" name="TextBox 103">
+            <a:extLst>
+              <a:ext uri="{FF2B5EF4-FFF2-40B4-BE49-F238E27FC236}">
+                <a16:creationId xmlns:a16="http://schemas.microsoft.com/office/drawing/2014/main" id="{CB346B69-06FF-CB19-F38D-4A36C896AD1A}"/>
+              </a:ext>
+            </a:extLst>
+          </p:cNvPr>
+          <p:cNvSpPr txBox="1"/>
+          <p:nvPr/>
+        </p:nvSpPr>
+        <p:spPr>
+          <a:xfrm>
+            <a:off x="7830240" y="3220890"/>
+            <a:ext cx="2961603" cy="523220"/>
+          </a:xfrm>
+          <a:prstGeom prst="rect">
+            <a:avLst/>
+          </a:prstGeom>
+          <a:noFill/>
+        </p:spPr>
+        <p:txBody>
+          <a:bodyPr wrap="square" rtlCol="0">
+            <a:spAutoFit/>
+          </a:bodyPr>
+          <a:lstStyle/>
+          <a:p>
+            <a:r>
+              <a:rPr lang="ko-KR" altLang="en-US" sz="1400" dirty="0">
+                <a:solidFill>
+                  <a:srgbClr val="FF7C80"/>
+                </a:solidFill>
+              </a:rPr>
+              <a:t>유리와 레이저 범위 늘리기 </a:t>
+            </a:r>
+            <a:endParaRPr lang="en-US" altLang="ko-KR" sz="1400" dirty="0">
+              <a:solidFill>
+                <a:srgbClr val="FF7C80"/>
+              </a:solidFill>
+            </a:endParaRPr>
+          </a:p>
+          <a:p>
+            <a:r>
+              <a:rPr lang="en-US" altLang="ko-KR" sz="1400" dirty="0">
+                <a:solidFill>
+                  <a:srgbClr val="FF7C80"/>
+                </a:solidFill>
+              </a:rPr>
+              <a:t>(6~7m </a:t>
+            </a:r>
+            <a:r>
+              <a:rPr lang="ko-KR" altLang="en-US" sz="1400" dirty="0">
+                <a:solidFill>
+                  <a:srgbClr val="FF7C80"/>
+                </a:solidFill>
+              </a:rPr>
+              <a:t>정도로</a:t>
+            </a:r>
+            <a:r>
+              <a:rPr lang="en-US" altLang="ko-KR" sz="1400" dirty="0">
+                <a:solidFill>
+                  <a:srgbClr val="FF7C80"/>
+                </a:solidFill>
+              </a:rPr>
+              <a:t>)</a:t>
+            </a:r>
+          </a:p>
+        </p:txBody>
+      </p:sp>
+      <p:cxnSp>
+        <p:nvCxnSpPr>
+          <p:cNvPr id="111" name="직선 연결선 110">
+            <a:extLst>
+              <a:ext uri="{FF2B5EF4-FFF2-40B4-BE49-F238E27FC236}">
+                <a16:creationId xmlns:a16="http://schemas.microsoft.com/office/drawing/2014/main" id="{A5C28682-012D-2241-A771-9767AAAFA9A7}"/>
+              </a:ext>
+            </a:extLst>
+          </p:cNvPr>
+          <p:cNvCxnSpPr>
+            <a:cxnSpLocks/>
+          </p:cNvCxnSpPr>
+          <p:nvPr/>
+        </p:nvCxnSpPr>
+        <p:spPr>
+          <a:xfrm flipH="1" flipV="1">
+            <a:off x="7737005" y="2902596"/>
+            <a:ext cx="241762" cy="304845"/>
+          </a:xfrm>
+          <a:prstGeom prst="line">
+            <a:avLst/>
+          </a:prstGeom>
+          <a:ln w="19050">
+            <a:solidFill>
+              <a:srgbClr val="FF7C80"/>
+            </a:solidFill>
+            <a:prstDash val="dash"/>
+          </a:ln>
+        </p:spPr>
+        <p:style>
+          <a:lnRef idx="1">
+            <a:schemeClr val="accent1"/>
+          </a:lnRef>
+          <a:fillRef idx="0">
+            <a:schemeClr val="accent1"/>
+          </a:fillRef>
+          <a:effectRef idx="0">
+            <a:schemeClr val="accent1"/>
+          </a:effectRef>
+          <a:fontRef idx="minor">
+            <a:schemeClr val="tx1"/>
+          </a:fontRef>
+        </p:style>
+      </p:cxnSp>
+      <p:cxnSp>
+        <p:nvCxnSpPr>
+          <p:cNvPr id="136" name="직선 연결선 135">
+            <a:extLst>
+              <a:ext uri="{FF2B5EF4-FFF2-40B4-BE49-F238E27FC236}">
+                <a16:creationId xmlns:a16="http://schemas.microsoft.com/office/drawing/2014/main" id="{6B6B4E82-186D-C0F4-0F81-CC7004FA171D}"/>
+              </a:ext>
+            </a:extLst>
+          </p:cNvPr>
+          <p:cNvCxnSpPr>
+            <a:cxnSpLocks/>
+          </p:cNvCxnSpPr>
+          <p:nvPr/>
+        </p:nvCxnSpPr>
+        <p:spPr>
+          <a:xfrm flipV="1">
+            <a:off x="6497050" y="2898369"/>
+            <a:ext cx="0" cy="423951"/>
+          </a:xfrm>
+          <a:prstGeom prst="line">
+            <a:avLst/>
+          </a:prstGeom>
+          <a:ln w="19050">
+            <a:solidFill>
+              <a:srgbClr val="FF7C80"/>
+            </a:solidFill>
+            <a:prstDash val="dash"/>
+          </a:ln>
+        </p:spPr>
+        <p:style>
+          <a:lnRef idx="1">
+            <a:schemeClr val="accent1"/>
+          </a:lnRef>
+          <a:fillRef idx="0">
+            <a:schemeClr val="accent1"/>
+          </a:fillRef>
+          <a:effectRef idx="0">
+            <a:schemeClr val="accent1"/>
+          </a:effectRef>
+          <a:fontRef idx="minor">
+            <a:schemeClr val="tx1"/>
+          </a:fontRef>
+        </p:style>
+      </p:cxnSp>
+      <p:sp>
+        <p:nvSpPr>
+          <p:cNvPr id="142" name="TextBox 141">
+            <a:extLst>
+              <a:ext uri="{FF2B5EF4-FFF2-40B4-BE49-F238E27FC236}">
+                <a16:creationId xmlns:a16="http://schemas.microsoft.com/office/drawing/2014/main" id="{766FAA98-EEB6-D357-A118-E62D7C2975E0}"/>
+              </a:ext>
+            </a:extLst>
+          </p:cNvPr>
+          <p:cNvSpPr txBox="1"/>
+          <p:nvPr/>
+        </p:nvSpPr>
+        <p:spPr>
+          <a:xfrm>
+            <a:off x="3837273" y="3352141"/>
+            <a:ext cx="2961603" cy="307777"/>
+          </a:xfrm>
+          <a:prstGeom prst="rect">
+            <a:avLst/>
+          </a:prstGeom>
+          <a:noFill/>
+        </p:spPr>
+        <p:txBody>
+          <a:bodyPr wrap="square" rtlCol="0">
+            <a:spAutoFit/>
+          </a:bodyPr>
+          <a:lstStyle/>
+          <a:p>
+            <a:pPr algn="r"/>
+            <a:r>
+              <a:rPr lang="ko-KR" altLang="en-US" sz="1400">
+                <a:solidFill>
+                  <a:srgbClr val="FF7C80"/>
+                </a:solidFill>
+              </a:rPr>
+              <a:t>여기 </a:t>
+            </a:r>
+            <a:r>
+              <a:rPr lang="ko-KR" altLang="en-US" sz="1400" dirty="0">
+                <a:solidFill>
+                  <a:srgbClr val="FF7C80"/>
+                </a:solidFill>
+              </a:rPr>
+              <a:t>부분 </a:t>
+            </a:r>
+            <a:r>
+              <a:rPr lang="en-US" altLang="ko-KR" sz="1400" dirty="0">
+                <a:solidFill>
+                  <a:srgbClr val="FF7C80"/>
+                </a:solidFill>
+              </a:rPr>
+              <a:t>A  type</a:t>
+            </a:r>
+            <a:r>
+              <a:rPr lang="ko-KR" altLang="en-US" sz="1400" dirty="0">
+                <a:solidFill>
+                  <a:srgbClr val="FF7C80"/>
+                </a:solidFill>
+              </a:rPr>
+              <a:t>으로 변경</a:t>
+            </a:r>
+            <a:endParaRPr lang="en-US" altLang="ko-KR" sz="1400" dirty="0">
+              <a:solidFill>
+                <a:srgbClr val="FF7C80"/>
+              </a:solidFill>
+            </a:endParaRPr>
+          </a:p>
+        </p:txBody>
+      </p:sp>
+      <p:sp>
+        <p:nvSpPr>
+          <p:cNvPr id="143" name="TextBox 142">
+            <a:extLst>
+              <a:ext uri="{FF2B5EF4-FFF2-40B4-BE49-F238E27FC236}">
+                <a16:creationId xmlns:a16="http://schemas.microsoft.com/office/drawing/2014/main" id="{182FDFCD-0F84-AE95-F056-3E65B2940FCE}"/>
+              </a:ext>
+            </a:extLst>
+          </p:cNvPr>
+          <p:cNvSpPr txBox="1"/>
+          <p:nvPr/>
+        </p:nvSpPr>
+        <p:spPr>
+          <a:xfrm>
+            <a:off x="1504080" y="0"/>
+            <a:ext cx="3469277" cy="307777"/>
+          </a:xfrm>
+          <a:prstGeom prst="rect">
+            <a:avLst/>
+          </a:prstGeom>
+          <a:noFill/>
+        </p:spPr>
+        <p:txBody>
+          <a:bodyPr wrap="square" rtlCol="0">
+            <a:spAutoFit/>
+          </a:bodyPr>
+          <a:lstStyle/>
+          <a:p>
+            <a:r>
+              <a:rPr lang="ko-KR" altLang="en-US" sz="1400" dirty="0">
+                <a:solidFill>
+                  <a:srgbClr val="FF7C80"/>
+                </a:solidFill>
+              </a:rPr>
+              <a:t>붉은색 글씨로 수정사항 적어 두었음</a:t>
+            </a:r>
+            <a:endParaRPr lang="en-US" altLang="ko-KR" sz="1400" dirty="0">
+              <a:solidFill>
+                <a:srgbClr val="FF7C80"/>
+              </a:solidFill>
+            </a:endParaRPr>
+          </a:p>
+        </p:txBody>
+      </p:sp>
     </p:spTree>
     <p:extLst>
       <p:ext uri="{BB962C8B-B14F-4D97-AF65-F5344CB8AC3E}">
-        <p14:creationId xmlns:p14="http://schemas.microsoft.com/office/powerpoint/2010/main" val="3300705369"/>
+        <p14:creationId xmlns:p14="http://schemas.microsoft.com/office/powerpoint/2010/main" val="482723872"/>
       </p:ext>
     </p:extLst>
   </p:cSld>
